--- a/Databasae management system/theory/course material/Lecture 5 DDL.pptx
+++ b/Databasae management system/theory/course material/Lecture 5 DDL.pptx
@@ -13,8 +13,8 @@
     <p:sldId id="627" r:id="rId4"/>
     <p:sldId id="628" r:id="rId5"/>
     <p:sldId id="629" r:id="rId6"/>
-    <p:sldId id="269" r:id="rId7"/>
-    <p:sldId id="270" r:id="rId8"/>
+    <p:sldId id="270" r:id="rId7"/>
+    <p:sldId id="269" r:id="rId8"/>
     <p:sldId id="272" r:id="rId9"/>
     <p:sldId id="273" r:id="rId10"/>
     <p:sldId id="256" r:id="rId11"/>
@@ -239,7 +239,7 @@
           <a:p>
             <a:fld id="{C0865839-5307-42C8-8978-C5E0E79B0B9F}" type="datetimeFigureOut">
               <a:rPr lang="en-US"/>
-              <a:t>11/13/2024</a:t>
+              <a:t>11/18/2024</a:t>
             </a:fld>
             <a:endParaRPr lang="en-US"/>
           </a:p>
@@ -997,7 +997,7 @@
           <a:p>
             <a:fld id="{4BDF68E2-58F2-4D09-BE8B-E3BD06533059}" type="datetimeFigureOut">
               <a:rPr lang="en-US" dirty="0"/>
-              <a:t>11/13/2024</a:t>
+              <a:t>11/18/2024</a:t>
             </a:fld>
             <a:endParaRPr lang="en-US"/>
           </a:p>
@@ -1203,7 +1203,7 @@
           <a:p>
             <a:fld id="{2E2D6473-DF6D-4702-B328-E0DD40540A4E}" type="datetimeFigureOut">
               <a:rPr lang="en-US" dirty="0"/>
-              <a:t>11/13/2024</a:t>
+              <a:t>11/18/2024</a:t>
             </a:fld>
             <a:endParaRPr lang="en-US"/>
           </a:p>
@@ -1457,7 +1457,7 @@
           <a:p>
             <a:fld id="{E26F7E3A-B166-407D-9866-32884E7D5B37}" type="datetimeFigureOut">
               <a:rPr lang="en-US" dirty="0"/>
-              <a:t>11/13/2024</a:t>
+              <a:t>11/18/2024</a:t>
             </a:fld>
             <a:endParaRPr lang="en-US"/>
           </a:p>
@@ -1629,7 +1629,7 @@
           <a:p>
             <a:fld id="{528FC5F6-F338-4AE4-BB23-26385BCFC423}" type="datetimeFigureOut">
               <a:rPr lang="en-US" dirty="0"/>
-              <a:t>11/13/2024</a:t>
+              <a:t>11/18/2024</a:t>
             </a:fld>
             <a:endParaRPr lang="en-US"/>
           </a:p>
@@ -1971,7 +1971,7 @@
           <a:p>
             <a:fld id="{20EBB0C4-6273-4C6E-B9BD-2EDC30F1CD52}" type="datetimeFigureOut">
               <a:rPr lang="en-US" dirty="0"/>
-              <a:t>11/13/2024</a:t>
+              <a:t>11/18/2024</a:t>
             </a:fld>
             <a:endParaRPr lang="en-US"/>
           </a:p>
@@ -2243,7 +2243,7 @@
           <a:p>
             <a:fld id="{19AB4D41-86C1-4908-B66A-0B50CEB3BF29}" type="datetimeFigureOut">
               <a:rPr lang="en-US" dirty="0"/>
-              <a:t>11/13/2024</a:t>
+              <a:t>11/18/2024</a:t>
             </a:fld>
             <a:endParaRPr lang="en-US"/>
           </a:p>
@@ -2619,7 +2619,7 @@
           <a:p>
             <a:fld id="{E6426E2C-56C1-4E0D-A793-0088A7FDD37E}" type="datetimeFigureOut">
               <a:rPr lang="en-US" dirty="0"/>
-              <a:t>11/13/2024</a:t>
+              <a:t>11/18/2024</a:t>
             </a:fld>
             <a:endParaRPr lang="en-US"/>
           </a:p>
@@ -2736,7 +2736,7 @@
           <a:p>
             <a:fld id="{C8C39B41-D8B5-4052-B551-9B5525EAA8B6}" type="datetimeFigureOut">
               <a:rPr lang="en-US" dirty="0"/>
-              <a:t>11/13/2024</a:t>
+              <a:t>11/18/2024</a:t>
             </a:fld>
             <a:endParaRPr lang="en-US"/>
           </a:p>
@@ -2907,7 +2907,7 @@
           <a:p>
             <a:fld id="{4D94136C-8742-45B2-AF27-D93DF72833A9}" type="datetimeFigureOut">
               <a:rPr lang="en-US" dirty="0"/>
-              <a:t>11/13/2024</a:t>
+              <a:t>11/18/2024</a:t>
             </a:fld>
             <a:endParaRPr lang="en-US"/>
           </a:p>
@@ -3260,7 +3260,7 @@
           <a:p>
             <a:fld id="{32ABBEA6-7C60-4B02-AE87-00D78D8422AF}" type="datetimeFigureOut">
               <a:rPr lang="en-US" dirty="0"/>
-              <a:t>11/13/2024</a:t>
+              <a:t>11/18/2024</a:t>
             </a:fld>
             <a:endParaRPr lang="en-US"/>
           </a:p>
@@ -3638,7 +3638,7 @@
           <a:p>
             <a:fld id="{C9CAD897-D46E-4AD2-BD9B-49DD3E640873}" type="datetimeFigureOut">
               <a:rPr lang="en-US" dirty="0"/>
-              <a:t>11/13/2024</a:t>
+              <a:t>11/18/2024</a:t>
             </a:fld>
             <a:endParaRPr lang="en-US"/>
           </a:p>
@@ -3923,7 +3923,7 @@
           <a:p>
             <a:fld id="{98624D31-43A5-475A-80CF-332C9F6DCF35}" type="datetimeFigureOut">
               <a:rPr lang="en-US" dirty="0"/>
-              <a:t>11/13/2024</a:t>
+              <a:t>11/18/2024</a:t>
             </a:fld>
             <a:endParaRPr lang="en-US"/>
           </a:p>
@@ -6529,7 +6529,7 @@
         </p:blipFill>
         <p:spPr>
           <a:xfrm>
-            <a:off x="1759103" y="914401"/>
+            <a:off x="3676803" y="1060451"/>
             <a:ext cx="5146950" cy="6134749"/>
           </a:xfrm>
           <a:prstGeom prst="rect">
@@ -11356,7 +11356,7 @@
           <p:cNvPr id="2" name="Title 1">
             <a:extLst>
               <a:ext uri="{FF2B5EF4-FFF2-40B4-BE49-F238E27FC236}">
-                <a16:creationId xmlns="" xmlns:a16="http://schemas.microsoft.com/office/drawing/2014/main" id="{8014C0DE-DEDE-4242-A312-1CD20E30D27D}"/>
+                <a16:creationId xmlns="" xmlns:a16="http://schemas.microsoft.com/office/drawing/2014/main" id="{7FE78593-5CA1-4020-863E-26E11A23A17E}"/>
               </a:ext>
             </a:extLst>
           </p:cNvPr>
@@ -11376,7 +11376,7 @@
               <a:rPr lang="en-US">
                 <a:cs typeface="Calibri Light"/>
               </a:rPr>
-              <a:t>Main Commands for DDL </a:t>
+              <a:t>Getting Started … </a:t>
             </a:r>
             <a:endParaRPr lang="en-US"/>
           </a:p>
@@ -11387,7 +11387,7 @@
           <p:cNvPr id="3" name="Content Placeholder 2">
             <a:extLst>
               <a:ext uri="{FF2B5EF4-FFF2-40B4-BE49-F238E27FC236}">
-                <a16:creationId xmlns="" xmlns:a16="http://schemas.microsoft.com/office/drawing/2014/main" id="{2E4AE33E-0FD2-4B21-A7D8-2A980D53CDD5}"/>
+                <a16:creationId xmlns="" xmlns:a16="http://schemas.microsoft.com/office/drawing/2014/main" id="{A9C25BD5-DCFC-422B-84F0-A697AE79A61F}"/>
               </a:ext>
             </a:extLst>
           </p:cNvPr>
@@ -11400,182 +11400,237 @@
         </p:nvSpPr>
         <p:spPr/>
         <p:txBody>
-          <a:bodyPr vert="horz" lIns="91440" tIns="45720" rIns="91440" bIns="45720" rtlCol="0" anchor="t">
+          <a:bodyPr vert="horz" lIns="0" tIns="45720" rIns="0" bIns="45720" rtlCol="0" anchor="t">
             <a:normAutofit/>
           </a:bodyPr>
           <a:lstStyle/>
           <a:p>
             <a:r>
               <a:rPr lang="en-US" dirty="0">
-                <a:ea typeface="+mn-lt"/>
-                <a:cs typeface="+mn-lt"/>
-              </a:rPr>
-              <a:t>Using DDL commands we can make changes in the structure of the database. </a:t>
-            </a:r>
-            <a:endParaRPr lang="en-US" dirty="0" smtClean="0">
-              <a:ea typeface="+mn-lt"/>
-              <a:cs typeface="+mn-lt"/>
-            </a:endParaRPr>
-          </a:p>
-          <a:p>
-            <a:r>
-              <a:rPr lang="en-US" dirty="0" smtClean="0">
-                <a:solidFill>
-                  <a:srgbClr val="7030A0"/>
-                </a:solidFill>
-                <a:ea typeface="+mn-lt"/>
-                <a:cs typeface="+mn-lt"/>
-              </a:rPr>
-              <a:t>In </a:t>
-            </a:r>
-            <a:r>
-              <a:rPr lang="en-US" dirty="0" err="1" smtClean="0">
-                <a:solidFill>
-                  <a:srgbClr val="7030A0"/>
-                </a:solidFill>
-                <a:ea typeface="+mn-lt"/>
-                <a:cs typeface="+mn-lt"/>
-              </a:rPr>
-              <a:t>pae</a:t>
-            </a:r>
-            <a:r>
-              <a:rPr lang="en-US" dirty="0" smtClean="0">
-                <a:solidFill>
-                  <a:srgbClr val="7030A0"/>
-                </a:solidFill>
-                <a:ea typeface="+mn-lt"/>
-                <a:cs typeface="+mn-lt"/>
-              </a:rPr>
-              <a:t> changes </a:t>
-            </a:r>
-            <a:r>
-              <a:rPr lang="en-US" dirty="0" err="1" smtClean="0">
-                <a:solidFill>
-                  <a:srgbClr val="7030A0"/>
-                </a:solidFill>
-                <a:ea typeface="+mn-lt"/>
-                <a:cs typeface="+mn-lt"/>
-              </a:rPr>
-              <a:t>ki</a:t>
-            </a:r>
-            <a:r>
-              <a:rPr lang="en-US" dirty="0" smtClean="0">
-                <a:solidFill>
-                  <a:srgbClr val="7030A0"/>
-                </a:solidFill>
-                <a:ea typeface="+mn-lt"/>
-                <a:cs typeface="+mn-lt"/>
-              </a:rPr>
-              <a:t> </a:t>
-            </a:r>
-            <a:r>
-              <a:rPr lang="en-US" dirty="0" err="1" smtClean="0">
-                <a:solidFill>
-                  <a:srgbClr val="7030A0"/>
-                </a:solidFill>
-                <a:ea typeface="+mn-lt"/>
-                <a:cs typeface="+mn-lt"/>
-              </a:rPr>
-              <a:t>jaein</a:t>
-            </a:r>
-            <a:r>
-              <a:rPr lang="en-US" dirty="0" smtClean="0">
-                <a:solidFill>
-                  <a:srgbClr val="7030A0"/>
-                </a:solidFill>
-                <a:ea typeface="+mn-lt"/>
-                <a:cs typeface="+mn-lt"/>
-              </a:rPr>
-              <a:t> </a:t>
-            </a:r>
-            <a:r>
-              <a:rPr lang="en-US" dirty="0" err="1" smtClean="0">
-                <a:solidFill>
-                  <a:srgbClr val="7030A0"/>
-                </a:solidFill>
-                <a:ea typeface="+mn-lt"/>
-                <a:cs typeface="+mn-lt"/>
-              </a:rPr>
-              <a:t>ge</a:t>
-            </a:r>
-            <a:r>
-              <a:rPr lang="en-US" dirty="0" smtClean="0">
-                <a:solidFill>
-                  <a:srgbClr val="7030A0"/>
-                </a:solidFill>
-                <a:ea typeface="+mn-lt"/>
-                <a:cs typeface="+mn-lt"/>
-              </a:rPr>
-              <a:t>..</a:t>
-            </a:r>
-          </a:p>
-          <a:p>
-            <a:r>
-              <a:rPr lang="en-US" dirty="0" smtClean="0">
-                <a:solidFill>
-                  <a:srgbClr val="7030A0"/>
-                </a:solidFill>
-                <a:ea typeface="+mn-lt"/>
-                <a:cs typeface="+mn-lt"/>
-              </a:rPr>
-              <a:t>1. table 2. database 3. index</a:t>
-            </a:r>
-          </a:p>
-          <a:p>
-            <a:endParaRPr lang="en-US" dirty="0">
-              <a:solidFill>
-                <a:srgbClr val="7030A0"/>
-              </a:solidFill>
-              <a:ea typeface="+mn-lt"/>
-              <a:cs typeface="+mn-lt"/>
-            </a:endParaRPr>
-          </a:p>
-          <a:p>
+                <a:cs typeface="Calibri"/>
+              </a:rPr>
+              <a:t>Before creating a table in the database, we need to create a database itself: </a:t>
+            </a:r>
+          </a:p>
+          <a:p>
+            <a:pPr marL="383540" lvl="1"/>
             <a:endParaRPr lang="en-US" dirty="0">
               <a:cs typeface="Calibri"/>
             </a:endParaRPr>
           </a:p>
           <a:p>
+            <a:pPr marL="383540" lvl="1"/>
+            <a:r>
+              <a:rPr lang="en-US" sz="2800" dirty="0">
+                <a:cs typeface="Calibri"/>
+              </a:rPr>
+              <a:t>Create database </a:t>
+            </a:r>
+            <a:r>
+              <a:rPr lang="en-US" sz="2800" dirty="0" err="1">
+                <a:solidFill>
+                  <a:schemeClr val="bg2">
+                    <a:lumMod val="50000"/>
+                  </a:schemeClr>
+                </a:solidFill>
+                <a:cs typeface="Calibri"/>
+              </a:rPr>
+              <a:t>databaseName</a:t>
+            </a:r>
+            <a:r>
+              <a:rPr lang="en-US" sz="2800" dirty="0">
+                <a:cs typeface="Calibri"/>
+              </a:rPr>
+              <a:t>;</a:t>
+            </a:r>
+            <a:endParaRPr lang="en-US" sz="2800" dirty="0"/>
+          </a:p>
+          <a:p>
+            <a:pPr marL="383540" lvl="1"/>
+            <a:endParaRPr lang="en-US" dirty="0">
+              <a:cs typeface="Calibri"/>
+            </a:endParaRPr>
+          </a:p>
+          <a:p>
+            <a:pPr marL="383540" lvl="1"/>
             <a:r>
               <a:rPr lang="en-US" dirty="0">
                 <a:cs typeface="Calibri"/>
               </a:rPr>
-              <a:t>Main Commands: </a:t>
-            </a:r>
-          </a:p>
-          <a:p>
-            <a:pPr lvl="1"/>
+              <a:t>Example: </a:t>
+            </a:r>
+          </a:p>
+          <a:p>
+            <a:pPr marL="383540" lvl="1"/>
             <a:r>
               <a:rPr lang="en-US" dirty="0">
                 <a:cs typeface="Calibri"/>
               </a:rPr>
-              <a:t>Create – used to create a new table in the database</a:t>
-            </a:r>
-          </a:p>
-          <a:p>
-            <a:pPr lvl="1"/>
+              <a:t>Create database Company;</a:t>
+            </a:r>
+          </a:p>
+          <a:p>
+            <a:pPr marL="383540" lvl="1"/>
+            <a:endParaRPr lang="en-US" dirty="0">
+              <a:cs typeface="Calibri"/>
+            </a:endParaRPr>
+          </a:p>
+          <a:p>
+            <a:pPr marL="383540" lvl="1"/>
+            <a:r>
+              <a:rPr lang="en-US" u="sng" dirty="0">
+                <a:solidFill>
+                  <a:srgbClr val="7030A0"/>
+                </a:solidFill>
+                <a:cs typeface="Calibri"/>
+              </a:rPr>
+              <a:t>SQL is not case sensitive</a:t>
+            </a:r>
             <a:r>
               <a:rPr lang="en-US" dirty="0">
                 <a:cs typeface="Calibri"/>
               </a:rPr>
-              <a:t>Alter – used to make changes in the already created tables</a:t>
-            </a:r>
-          </a:p>
-          <a:p>
-            <a:pPr lvl="1"/>
+              <a:t>. </a:t>
+            </a:r>
+            <a:r>
+              <a:rPr lang="en-US" dirty="0" smtClean="0">
+                <a:cs typeface="Calibri"/>
+              </a:rPr>
+              <a:t>(for queries doesn’t matter k capital </a:t>
+            </a:r>
+            <a:r>
+              <a:rPr lang="en-US" dirty="0" err="1" smtClean="0">
+                <a:cs typeface="Calibri"/>
+              </a:rPr>
+              <a:t>likhou</a:t>
+            </a:r>
+            <a:r>
+              <a:rPr lang="en-US" dirty="0" smtClean="0">
+                <a:cs typeface="Calibri"/>
+              </a:rPr>
+              <a:t> </a:t>
+            </a:r>
+            <a:r>
+              <a:rPr lang="en-US" dirty="0" err="1" smtClean="0">
+                <a:cs typeface="Calibri"/>
+              </a:rPr>
+              <a:t>ya</a:t>
+            </a:r>
+            <a:r>
+              <a:rPr lang="en-US" dirty="0" smtClean="0">
+                <a:cs typeface="Calibri"/>
+              </a:rPr>
+              <a:t> small but for better understanding of the code </a:t>
+            </a:r>
+            <a:r>
+              <a:rPr lang="en-US" dirty="0" err="1" smtClean="0">
+                <a:cs typeface="Calibri"/>
+              </a:rPr>
+              <a:t>behtr</a:t>
+            </a:r>
+            <a:r>
+              <a:rPr lang="en-US" dirty="0" smtClean="0">
+                <a:cs typeface="Calibri"/>
+              </a:rPr>
+              <a:t> </a:t>
+            </a:r>
+            <a:r>
+              <a:rPr lang="en-US" dirty="0" err="1" smtClean="0">
+                <a:cs typeface="Calibri"/>
+              </a:rPr>
+              <a:t>hae</a:t>
+            </a:r>
+            <a:r>
+              <a:rPr lang="en-US" dirty="0" smtClean="0">
+                <a:cs typeface="Calibri"/>
+              </a:rPr>
+              <a:t> k queries </a:t>
+            </a:r>
+            <a:r>
+              <a:rPr lang="en-US" dirty="0" err="1" smtClean="0">
+                <a:cs typeface="Calibri"/>
+              </a:rPr>
+              <a:t>kou</a:t>
+            </a:r>
+            <a:r>
+              <a:rPr lang="en-US" dirty="0" smtClean="0">
+                <a:cs typeface="Calibri"/>
+              </a:rPr>
+              <a:t> hum capital hi </a:t>
+            </a:r>
+            <a:r>
+              <a:rPr lang="en-US" dirty="0" err="1" smtClean="0">
+                <a:cs typeface="Calibri"/>
+              </a:rPr>
+              <a:t>kr</a:t>
+            </a:r>
+            <a:r>
+              <a:rPr lang="en-US" dirty="0" smtClean="0">
+                <a:cs typeface="Calibri"/>
+              </a:rPr>
+              <a:t> k </a:t>
+            </a:r>
+            <a:r>
+              <a:rPr lang="en-US" dirty="0" err="1" smtClean="0">
+                <a:cs typeface="Calibri"/>
+              </a:rPr>
+              <a:t>likhein</a:t>
+            </a:r>
+            <a:r>
+              <a:rPr lang="en-US" dirty="0" smtClean="0">
+                <a:cs typeface="Calibri"/>
+              </a:rPr>
+              <a:t>. </a:t>
+            </a:r>
             <a:r>
               <a:rPr lang="en-US" dirty="0">
                 <a:cs typeface="Calibri"/>
               </a:rPr>
-              <a:t>Drop – used to delete an existing table</a:t>
-            </a:r>
+              <a:t>)</a:t>
+            </a:r>
+          </a:p>
+          <a:p>
+            <a:pPr marL="383540" lvl="1"/>
+            <a:r>
+              <a:rPr lang="en-US" u="sng" dirty="0">
+                <a:solidFill>
+                  <a:srgbClr val="7030A0"/>
+                </a:solidFill>
+                <a:cs typeface="Calibri"/>
+              </a:rPr>
+              <a:t>Every command needs to end with a semicolon</a:t>
+            </a:r>
+            <a:r>
+              <a:rPr lang="en-US" dirty="0">
+                <a:cs typeface="Calibri"/>
+              </a:rPr>
+              <a:t>. </a:t>
+            </a:r>
+          </a:p>
+          <a:p>
+            <a:pPr marL="383540" lvl="1"/>
+            <a:endParaRPr lang="en-US" dirty="0">
+              <a:cs typeface="Calibri"/>
+            </a:endParaRPr>
+          </a:p>
+          <a:p>
+            <a:pPr marL="383540" lvl="1"/>
+            <a:endParaRPr lang="en-US" dirty="0">
+              <a:cs typeface="Calibri"/>
+            </a:endParaRPr>
+          </a:p>
+          <a:p>
+            <a:pPr marL="383540" lvl="1"/>
+            <a:endParaRPr lang="en-US" dirty="0">
+              <a:cs typeface="Calibri"/>
+            </a:endParaRPr>
           </a:p>
         </p:txBody>
       </p:sp>
     </p:spTree>
     <p:extLst>
       <p:ext uri="{BB962C8B-B14F-4D97-AF65-F5344CB8AC3E}">
-        <p14:creationId xmlns:p14="http://schemas.microsoft.com/office/powerpoint/2010/main" val="2542222088"/>
+        <p14:creationId xmlns:p14="http://schemas.microsoft.com/office/powerpoint/2010/main" val="3629317377"/>
       </p:ext>
     </p:extLst>
   </p:cSld>
@@ -11607,7 +11662,7 @@
           <p:cNvPr id="2" name="Title 1">
             <a:extLst>
               <a:ext uri="{FF2B5EF4-FFF2-40B4-BE49-F238E27FC236}">
-                <a16:creationId xmlns="" xmlns:a16="http://schemas.microsoft.com/office/drawing/2014/main" id="{7FE78593-5CA1-4020-863E-26E11A23A17E}"/>
+                <a16:creationId xmlns="" xmlns:a16="http://schemas.microsoft.com/office/drawing/2014/main" id="{8014C0DE-DEDE-4242-A312-1CD20E30D27D}"/>
               </a:ext>
             </a:extLst>
           </p:cNvPr>
@@ -11627,7 +11682,7 @@
               <a:rPr lang="en-US">
                 <a:cs typeface="Calibri Light"/>
               </a:rPr>
-              <a:t>Getting Started … </a:t>
+              <a:t>Main Commands for DDL </a:t>
             </a:r>
             <a:endParaRPr lang="en-US"/>
           </a:p>
@@ -11638,7 +11693,7 @@
           <p:cNvPr id="3" name="Content Placeholder 2">
             <a:extLst>
               <a:ext uri="{FF2B5EF4-FFF2-40B4-BE49-F238E27FC236}">
-                <a16:creationId xmlns="" xmlns:a16="http://schemas.microsoft.com/office/drawing/2014/main" id="{A9C25BD5-DCFC-422B-84F0-A697AE79A61F}"/>
+                <a16:creationId xmlns="" xmlns:a16="http://schemas.microsoft.com/office/drawing/2014/main" id="{2E4AE33E-0FD2-4B21-A7D8-2A980D53CDD5}"/>
               </a:ext>
             </a:extLst>
           </p:cNvPr>
@@ -11651,237 +11706,182 @@
         </p:nvSpPr>
         <p:spPr/>
         <p:txBody>
-          <a:bodyPr vert="horz" lIns="0" tIns="45720" rIns="0" bIns="45720" rtlCol="0" anchor="t">
+          <a:bodyPr vert="horz" lIns="91440" tIns="45720" rIns="91440" bIns="45720" rtlCol="0" anchor="t">
             <a:normAutofit/>
           </a:bodyPr>
           <a:lstStyle/>
           <a:p>
             <a:r>
               <a:rPr lang="en-US" dirty="0">
-                <a:cs typeface="Calibri"/>
-              </a:rPr>
-              <a:t>Before creating a table in the database, we need to create a database itself: </a:t>
-            </a:r>
-          </a:p>
-          <a:p>
-            <a:pPr marL="383540" lvl="1"/>
+                <a:ea typeface="+mn-lt"/>
+                <a:cs typeface="+mn-lt"/>
+              </a:rPr>
+              <a:t>Using DDL commands we can make changes in the structure of the database. </a:t>
+            </a:r>
+            <a:endParaRPr lang="en-US" dirty="0" smtClean="0">
+              <a:ea typeface="+mn-lt"/>
+              <a:cs typeface="+mn-lt"/>
+            </a:endParaRPr>
+          </a:p>
+          <a:p>
+            <a:r>
+              <a:rPr lang="en-US" dirty="0" smtClean="0">
+                <a:solidFill>
+                  <a:srgbClr val="7030A0"/>
+                </a:solidFill>
+                <a:ea typeface="+mn-lt"/>
+                <a:cs typeface="+mn-lt"/>
+              </a:rPr>
+              <a:t>In </a:t>
+            </a:r>
+            <a:r>
+              <a:rPr lang="en-US" dirty="0" err="1" smtClean="0">
+                <a:solidFill>
+                  <a:srgbClr val="7030A0"/>
+                </a:solidFill>
+                <a:ea typeface="+mn-lt"/>
+                <a:cs typeface="+mn-lt"/>
+              </a:rPr>
+              <a:t>pae</a:t>
+            </a:r>
+            <a:r>
+              <a:rPr lang="en-US" dirty="0" smtClean="0">
+                <a:solidFill>
+                  <a:srgbClr val="7030A0"/>
+                </a:solidFill>
+                <a:ea typeface="+mn-lt"/>
+                <a:cs typeface="+mn-lt"/>
+              </a:rPr>
+              <a:t> changes </a:t>
+            </a:r>
+            <a:r>
+              <a:rPr lang="en-US" dirty="0" err="1" smtClean="0">
+                <a:solidFill>
+                  <a:srgbClr val="7030A0"/>
+                </a:solidFill>
+                <a:ea typeface="+mn-lt"/>
+                <a:cs typeface="+mn-lt"/>
+              </a:rPr>
+              <a:t>ki</a:t>
+            </a:r>
+            <a:r>
+              <a:rPr lang="en-US" dirty="0" smtClean="0">
+                <a:solidFill>
+                  <a:srgbClr val="7030A0"/>
+                </a:solidFill>
+                <a:ea typeface="+mn-lt"/>
+                <a:cs typeface="+mn-lt"/>
+              </a:rPr>
+              <a:t> </a:t>
+            </a:r>
+            <a:r>
+              <a:rPr lang="en-US" dirty="0" err="1" smtClean="0">
+                <a:solidFill>
+                  <a:srgbClr val="7030A0"/>
+                </a:solidFill>
+                <a:ea typeface="+mn-lt"/>
+                <a:cs typeface="+mn-lt"/>
+              </a:rPr>
+              <a:t>jaein</a:t>
+            </a:r>
+            <a:r>
+              <a:rPr lang="en-US" dirty="0" smtClean="0">
+                <a:solidFill>
+                  <a:srgbClr val="7030A0"/>
+                </a:solidFill>
+                <a:ea typeface="+mn-lt"/>
+                <a:cs typeface="+mn-lt"/>
+              </a:rPr>
+              <a:t> </a:t>
+            </a:r>
+            <a:r>
+              <a:rPr lang="en-US" dirty="0" err="1" smtClean="0">
+                <a:solidFill>
+                  <a:srgbClr val="7030A0"/>
+                </a:solidFill>
+                <a:ea typeface="+mn-lt"/>
+                <a:cs typeface="+mn-lt"/>
+              </a:rPr>
+              <a:t>ge</a:t>
+            </a:r>
+            <a:r>
+              <a:rPr lang="en-US" dirty="0" smtClean="0">
+                <a:solidFill>
+                  <a:srgbClr val="7030A0"/>
+                </a:solidFill>
+                <a:ea typeface="+mn-lt"/>
+                <a:cs typeface="+mn-lt"/>
+              </a:rPr>
+              <a:t>..</a:t>
+            </a:r>
+          </a:p>
+          <a:p>
+            <a:r>
+              <a:rPr lang="en-US" dirty="0" smtClean="0">
+                <a:solidFill>
+                  <a:srgbClr val="7030A0"/>
+                </a:solidFill>
+                <a:ea typeface="+mn-lt"/>
+                <a:cs typeface="+mn-lt"/>
+              </a:rPr>
+              <a:t>1. table 2. database 3. index</a:t>
+            </a:r>
+          </a:p>
+          <a:p>
+            <a:endParaRPr lang="en-US" dirty="0">
+              <a:solidFill>
+                <a:srgbClr val="7030A0"/>
+              </a:solidFill>
+              <a:ea typeface="+mn-lt"/>
+              <a:cs typeface="+mn-lt"/>
+            </a:endParaRPr>
+          </a:p>
+          <a:p>
             <a:endParaRPr lang="en-US" dirty="0">
               <a:cs typeface="Calibri"/>
             </a:endParaRPr>
           </a:p>
           <a:p>
-            <a:pPr marL="383540" lvl="1"/>
-            <a:r>
-              <a:rPr lang="en-US" sz="2800" dirty="0">
-                <a:cs typeface="Calibri"/>
-              </a:rPr>
-              <a:t>Create database </a:t>
-            </a:r>
-            <a:r>
-              <a:rPr lang="en-US" sz="2800" dirty="0" err="1">
-                <a:solidFill>
-                  <a:schemeClr val="bg2">
-                    <a:lumMod val="50000"/>
-                  </a:schemeClr>
-                </a:solidFill>
-                <a:cs typeface="Calibri"/>
-              </a:rPr>
-              <a:t>databaseName</a:t>
-            </a:r>
-            <a:r>
-              <a:rPr lang="en-US" sz="2800" dirty="0">
-                <a:cs typeface="Calibri"/>
-              </a:rPr>
-              <a:t>;</a:t>
-            </a:r>
-            <a:endParaRPr lang="en-US" sz="2800" dirty="0"/>
-          </a:p>
-          <a:p>
-            <a:pPr marL="383540" lvl="1"/>
-            <a:endParaRPr lang="en-US" dirty="0">
-              <a:cs typeface="Calibri"/>
-            </a:endParaRPr>
-          </a:p>
-          <a:p>
-            <a:pPr marL="383540" lvl="1"/>
             <a:r>
               <a:rPr lang="en-US" dirty="0">
                 <a:cs typeface="Calibri"/>
               </a:rPr>
-              <a:t>Example: </a:t>
-            </a:r>
-          </a:p>
-          <a:p>
-            <a:pPr marL="383540" lvl="1"/>
+              <a:t>Main Commands: </a:t>
+            </a:r>
+          </a:p>
+          <a:p>
+            <a:pPr lvl="1"/>
             <a:r>
               <a:rPr lang="en-US" dirty="0">
                 <a:cs typeface="Calibri"/>
               </a:rPr>
-              <a:t>Create database Company;</a:t>
-            </a:r>
-          </a:p>
-          <a:p>
-            <a:pPr marL="383540" lvl="1"/>
-            <a:endParaRPr lang="en-US" dirty="0">
-              <a:cs typeface="Calibri"/>
-            </a:endParaRPr>
-          </a:p>
-          <a:p>
-            <a:pPr marL="383540" lvl="1"/>
-            <a:r>
-              <a:rPr lang="en-US" u="sng" dirty="0">
-                <a:solidFill>
-                  <a:srgbClr val="7030A0"/>
-                </a:solidFill>
-                <a:cs typeface="Calibri"/>
-              </a:rPr>
-              <a:t>SQL is not case sensitive</a:t>
-            </a:r>
+              <a:t>Create – used to create a new table in the database</a:t>
+            </a:r>
+          </a:p>
+          <a:p>
+            <a:pPr lvl="1"/>
             <a:r>
               <a:rPr lang="en-US" dirty="0">
                 <a:cs typeface="Calibri"/>
               </a:rPr>
-              <a:t>. </a:t>
-            </a:r>
-            <a:r>
-              <a:rPr lang="en-US" dirty="0" smtClean="0">
-                <a:cs typeface="Calibri"/>
-              </a:rPr>
-              <a:t>(for queries doesn’t matter k capital </a:t>
-            </a:r>
-            <a:r>
-              <a:rPr lang="en-US" dirty="0" err="1" smtClean="0">
-                <a:cs typeface="Calibri"/>
-              </a:rPr>
-              <a:t>likhou</a:t>
-            </a:r>
-            <a:r>
-              <a:rPr lang="en-US" dirty="0" smtClean="0">
-                <a:cs typeface="Calibri"/>
-              </a:rPr>
-              <a:t> </a:t>
-            </a:r>
-            <a:r>
-              <a:rPr lang="en-US" dirty="0" err="1" smtClean="0">
-                <a:cs typeface="Calibri"/>
-              </a:rPr>
-              <a:t>ya</a:t>
-            </a:r>
-            <a:r>
-              <a:rPr lang="en-US" dirty="0" smtClean="0">
-                <a:cs typeface="Calibri"/>
-              </a:rPr>
-              <a:t> small but for better understanding of the code </a:t>
-            </a:r>
-            <a:r>
-              <a:rPr lang="en-US" dirty="0" err="1" smtClean="0">
-                <a:cs typeface="Calibri"/>
-              </a:rPr>
-              <a:t>behtr</a:t>
-            </a:r>
-            <a:r>
-              <a:rPr lang="en-US" dirty="0" smtClean="0">
-                <a:cs typeface="Calibri"/>
-              </a:rPr>
-              <a:t> </a:t>
-            </a:r>
-            <a:r>
-              <a:rPr lang="en-US" dirty="0" err="1" smtClean="0">
-                <a:cs typeface="Calibri"/>
-              </a:rPr>
-              <a:t>hae</a:t>
-            </a:r>
-            <a:r>
-              <a:rPr lang="en-US" dirty="0" smtClean="0">
-                <a:cs typeface="Calibri"/>
-              </a:rPr>
-              <a:t> k queries </a:t>
-            </a:r>
-            <a:r>
-              <a:rPr lang="en-US" dirty="0" err="1" smtClean="0">
-                <a:cs typeface="Calibri"/>
-              </a:rPr>
-              <a:t>kou</a:t>
-            </a:r>
-            <a:r>
-              <a:rPr lang="en-US" dirty="0" smtClean="0">
-                <a:cs typeface="Calibri"/>
-              </a:rPr>
-              <a:t> hum capital hi </a:t>
-            </a:r>
-            <a:r>
-              <a:rPr lang="en-US" dirty="0" err="1" smtClean="0">
-                <a:cs typeface="Calibri"/>
-              </a:rPr>
-              <a:t>kr</a:t>
-            </a:r>
-            <a:r>
-              <a:rPr lang="en-US" dirty="0" smtClean="0">
-                <a:cs typeface="Calibri"/>
-              </a:rPr>
-              <a:t> k </a:t>
-            </a:r>
-            <a:r>
-              <a:rPr lang="en-US" dirty="0" err="1" smtClean="0">
-                <a:cs typeface="Calibri"/>
-              </a:rPr>
-              <a:t>likhein</a:t>
-            </a:r>
-            <a:r>
-              <a:rPr lang="en-US" dirty="0" smtClean="0">
-                <a:cs typeface="Calibri"/>
-              </a:rPr>
-              <a:t>. </a:t>
-            </a:r>
+              <a:t>Alter – used to make changes in the already created tables</a:t>
+            </a:r>
+          </a:p>
+          <a:p>
+            <a:pPr lvl="1"/>
             <a:r>
               <a:rPr lang="en-US" dirty="0">
                 <a:cs typeface="Calibri"/>
               </a:rPr>
-              <a:t>)</a:t>
-            </a:r>
-          </a:p>
-          <a:p>
-            <a:pPr marL="383540" lvl="1"/>
-            <a:r>
-              <a:rPr lang="en-US" u="sng" dirty="0">
-                <a:solidFill>
-                  <a:srgbClr val="7030A0"/>
-                </a:solidFill>
-                <a:cs typeface="Calibri"/>
-              </a:rPr>
-              <a:t>Every command needs to end with a semicolon</a:t>
-            </a:r>
-            <a:r>
-              <a:rPr lang="en-US" dirty="0">
-                <a:cs typeface="Calibri"/>
-              </a:rPr>
-              <a:t>. </a:t>
-            </a:r>
-          </a:p>
-          <a:p>
-            <a:pPr marL="383540" lvl="1"/>
-            <a:endParaRPr lang="en-US" dirty="0">
-              <a:cs typeface="Calibri"/>
-            </a:endParaRPr>
-          </a:p>
-          <a:p>
-            <a:pPr marL="383540" lvl="1"/>
-            <a:endParaRPr lang="en-US" dirty="0">
-              <a:cs typeface="Calibri"/>
-            </a:endParaRPr>
-          </a:p>
-          <a:p>
-            <a:pPr marL="383540" lvl="1"/>
-            <a:endParaRPr lang="en-US" dirty="0">
-              <a:cs typeface="Calibri"/>
-            </a:endParaRPr>
+              <a:t>Drop – used to delete an existing table</a:t>
+            </a:r>
           </a:p>
         </p:txBody>
       </p:sp>
     </p:spTree>
     <p:extLst>
       <p:ext uri="{BB962C8B-B14F-4D97-AF65-F5344CB8AC3E}">
-        <p14:creationId xmlns:p14="http://schemas.microsoft.com/office/powerpoint/2010/main" val="3629317377"/>
+        <p14:creationId xmlns:p14="http://schemas.microsoft.com/office/powerpoint/2010/main" val="2542222088"/>
       </p:ext>
     </p:extLst>
   </p:cSld>

--- a/Databasae management system/theory/course material/Lecture 5 DDL.pptx
+++ b/Databasae management system/theory/course material/Lecture 5 DDL.pptx
@@ -4454,7 +4454,7 @@
           <p:cNvPr id="2" name="Title 1">
             <a:extLst>
               <a:ext uri="{FF2B5EF4-FFF2-40B4-BE49-F238E27FC236}">
-                <a16:creationId xmlns="" xmlns:a16="http://schemas.microsoft.com/office/drawing/2014/main" id="{FAF50B85-AACF-47E0-883B-AEFC0EE87705}"/>
+                <a16:creationId xmlns:a16="http://schemas.microsoft.com/office/drawing/2014/main" xmlns="" id="{FAF50B85-AACF-47E0-883B-AEFC0EE87705}"/>
               </a:ext>
             </a:extLst>
           </p:cNvPr>
@@ -4498,7 +4498,7 @@
           <p:cNvPr id="3" name="Content Placeholder 2">
             <a:extLst>
               <a:ext uri="{FF2B5EF4-FFF2-40B4-BE49-F238E27FC236}">
-                <a16:creationId xmlns="" xmlns:a16="http://schemas.microsoft.com/office/drawing/2014/main" id="{C11371EC-72F9-4546-AF77-6876AFAAF490}"/>
+                <a16:creationId xmlns:a16="http://schemas.microsoft.com/office/drawing/2014/main" xmlns="" id="{C11371EC-72F9-4546-AF77-6876AFAAF490}"/>
               </a:ext>
             </a:extLst>
           </p:cNvPr>
@@ -4680,7 +4680,7 @@
           <p:cNvPr id="2" name="Title 1">
             <a:extLst>
               <a:ext uri="{FF2B5EF4-FFF2-40B4-BE49-F238E27FC236}">
-                <a16:creationId xmlns="" xmlns:a16="http://schemas.microsoft.com/office/drawing/2014/main" id="{448613A2-709B-47FB-BB1A-3A0F4F11B128}"/>
+                <a16:creationId xmlns:a16="http://schemas.microsoft.com/office/drawing/2014/main" xmlns="" id="{448613A2-709B-47FB-BB1A-3A0F4F11B128}"/>
               </a:ext>
             </a:extLst>
           </p:cNvPr>
@@ -4708,7 +4708,7 @@
           <p:cNvPr id="3" name="Content Placeholder 2">
             <a:extLst>
               <a:ext uri="{FF2B5EF4-FFF2-40B4-BE49-F238E27FC236}">
-                <a16:creationId xmlns="" xmlns:a16="http://schemas.microsoft.com/office/drawing/2014/main" id="{09C4E6FB-A066-4F24-9A90-CD75D79EC3F0}"/>
+                <a16:creationId xmlns:a16="http://schemas.microsoft.com/office/drawing/2014/main" xmlns="" id="{09C4E6FB-A066-4F24-9A90-CD75D79EC3F0}"/>
               </a:ext>
             </a:extLst>
           </p:cNvPr>
@@ -4836,7 +4836,7 @@
           <p:cNvPr id="4" name="Content Placeholder 3">
             <a:extLst>
               <a:ext uri="{FF2B5EF4-FFF2-40B4-BE49-F238E27FC236}">
-                <a16:creationId xmlns="" xmlns:a16="http://schemas.microsoft.com/office/drawing/2014/main" id="{0AF9049B-3CFC-4FD3-A3FB-CCBFF9C3ACCE}"/>
+                <a16:creationId xmlns:a16="http://schemas.microsoft.com/office/drawing/2014/main" xmlns="" id="{0AF9049B-3CFC-4FD3-A3FB-CCBFF9C3ACCE}"/>
               </a:ext>
             </a:extLst>
           </p:cNvPr>
@@ -4892,7 +4892,7 @@
           <p:cNvPr id="5" name="Content Placeholder 2">
             <a:extLst>
               <a:ext uri="{FF2B5EF4-FFF2-40B4-BE49-F238E27FC236}">
-                <a16:creationId xmlns="" xmlns:a16="http://schemas.microsoft.com/office/drawing/2014/main" id="{8C10DB8D-625D-4BD9-9AC4-AC365E5F0F03}"/>
+                <a16:creationId xmlns:a16="http://schemas.microsoft.com/office/drawing/2014/main" xmlns="" id="{8C10DB8D-625D-4BD9-9AC4-AC365E5F0F03}"/>
               </a:ext>
             </a:extLst>
           </p:cNvPr>
@@ -5306,7 +5306,7 @@
           <p:cNvPr id="2" name="Title 1">
             <a:extLst>
               <a:ext uri="{FF2B5EF4-FFF2-40B4-BE49-F238E27FC236}">
-                <a16:creationId xmlns="" xmlns:a16="http://schemas.microsoft.com/office/drawing/2014/main" id="{A372C2FE-63E3-4582-BB83-B245C5AB2BBC}"/>
+                <a16:creationId xmlns:a16="http://schemas.microsoft.com/office/drawing/2014/main" xmlns="" id="{A372C2FE-63E3-4582-BB83-B245C5AB2BBC}"/>
               </a:ext>
             </a:extLst>
           </p:cNvPr>
@@ -5337,7 +5337,7 @@
           <p:cNvPr id="3" name="Content Placeholder 2">
             <a:extLst>
               <a:ext uri="{FF2B5EF4-FFF2-40B4-BE49-F238E27FC236}">
-                <a16:creationId xmlns="" xmlns:a16="http://schemas.microsoft.com/office/drawing/2014/main" id="{4B42E912-6EE6-4ED9-8464-431FFE36832E}"/>
+                <a16:creationId xmlns:a16="http://schemas.microsoft.com/office/drawing/2014/main" xmlns="" id="{4B42E912-6EE6-4ED9-8464-431FFE36832E}"/>
               </a:ext>
             </a:extLst>
           </p:cNvPr>
@@ -5589,7 +5589,7 @@
           <p:cNvPr id="2" name="Title 1">
             <a:extLst>
               <a:ext uri="{FF2B5EF4-FFF2-40B4-BE49-F238E27FC236}">
-                <a16:creationId xmlns="" xmlns:a16="http://schemas.microsoft.com/office/drawing/2014/main" id="{E85CEFF0-3D2C-453D-A5DE-AB8D07A8A6F0}"/>
+                <a16:creationId xmlns:a16="http://schemas.microsoft.com/office/drawing/2014/main" xmlns="" id="{E85CEFF0-3D2C-453D-A5DE-AB8D07A8A6F0}"/>
               </a:ext>
             </a:extLst>
           </p:cNvPr>
@@ -5620,7 +5620,7 @@
           <p:cNvPr id="3" name="Content Placeholder 2">
             <a:extLst>
               <a:ext uri="{FF2B5EF4-FFF2-40B4-BE49-F238E27FC236}">
-                <a16:creationId xmlns="" xmlns:a16="http://schemas.microsoft.com/office/drawing/2014/main" id="{A63C8401-45D0-4D83-91D7-00710AFFAD99}"/>
+                <a16:creationId xmlns:a16="http://schemas.microsoft.com/office/drawing/2014/main" xmlns="" id="{A63C8401-45D0-4D83-91D7-00710AFFAD99}"/>
               </a:ext>
             </a:extLst>
           </p:cNvPr>
@@ -5762,7 +5762,7 @@
           <p:cNvPr id="2" name="Title 1">
             <a:extLst>
               <a:ext uri="{FF2B5EF4-FFF2-40B4-BE49-F238E27FC236}">
-                <a16:creationId xmlns="" xmlns:a16="http://schemas.microsoft.com/office/drawing/2014/main" id="{F7D76782-2AFC-484F-86E9-79B66B50D4DE}"/>
+                <a16:creationId xmlns:a16="http://schemas.microsoft.com/office/drawing/2014/main" xmlns="" id="{F7D76782-2AFC-484F-86E9-79B66B50D4DE}"/>
               </a:ext>
             </a:extLst>
           </p:cNvPr>
@@ -5898,7 +5898,7 @@
           <p:cNvPr id="3" name="Content Placeholder 2">
             <a:extLst>
               <a:ext uri="{FF2B5EF4-FFF2-40B4-BE49-F238E27FC236}">
-                <a16:creationId xmlns="" xmlns:a16="http://schemas.microsoft.com/office/drawing/2014/main" id="{C20D2F24-DB19-4CC2-A923-66DB28D54E4E}"/>
+                <a16:creationId xmlns:a16="http://schemas.microsoft.com/office/drawing/2014/main" xmlns="" id="{C20D2F24-DB19-4CC2-A923-66DB28D54E4E}"/>
               </a:ext>
             </a:extLst>
           </p:cNvPr>
@@ -6572,7 +6572,7 @@
           <p:cNvPr id="2" name="Title 1">
             <a:extLst>
               <a:ext uri="{FF2B5EF4-FFF2-40B4-BE49-F238E27FC236}">
-                <a16:creationId xmlns="" xmlns:a16="http://schemas.microsoft.com/office/drawing/2014/main" id="{F7D76782-2AFC-484F-86E9-79B66B50D4DE}"/>
+                <a16:creationId xmlns:a16="http://schemas.microsoft.com/office/drawing/2014/main" xmlns="" id="{F7D76782-2AFC-484F-86E9-79B66B50D4DE}"/>
               </a:ext>
             </a:extLst>
           </p:cNvPr>
@@ -6608,7 +6608,7 @@
           <p:cNvPr id="3" name="Content Placeholder 2">
             <a:extLst>
               <a:ext uri="{FF2B5EF4-FFF2-40B4-BE49-F238E27FC236}">
-                <a16:creationId xmlns="" xmlns:a16="http://schemas.microsoft.com/office/drawing/2014/main" id="{C20D2F24-DB19-4CC2-A923-66DB28D54E4E}"/>
+                <a16:creationId xmlns:a16="http://schemas.microsoft.com/office/drawing/2014/main" xmlns="" id="{C20D2F24-DB19-4CC2-A923-66DB28D54E4E}"/>
               </a:ext>
             </a:extLst>
           </p:cNvPr>
@@ -7075,7 +7075,7 @@
           <p:cNvPr id="2" name="Title 1">
             <a:extLst>
               <a:ext uri="{FF2B5EF4-FFF2-40B4-BE49-F238E27FC236}">
-                <a16:creationId xmlns="" xmlns:a16="http://schemas.microsoft.com/office/drawing/2014/main" id="{320D381B-3D99-46C8-9707-78C22C2D2ED1}"/>
+                <a16:creationId xmlns:a16="http://schemas.microsoft.com/office/drawing/2014/main" xmlns="" id="{320D381B-3D99-46C8-9707-78C22C2D2ED1}"/>
               </a:ext>
             </a:extLst>
           </p:cNvPr>
@@ -7201,7 +7201,7 @@
           <p:cNvPr id="3" name="Content Placeholder 2">
             <a:extLst>
               <a:ext uri="{FF2B5EF4-FFF2-40B4-BE49-F238E27FC236}">
-                <a16:creationId xmlns="" xmlns:a16="http://schemas.microsoft.com/office/drawing/2014/main" id="{019A17D5-0F05-4B8E-B702-94AB4092493B}"/>
+                <a16:creationId xmlns:a16="http://schemas.microsoft.com/office/drawing/2014/main" xmlns="" id="{019A17D5-0F05-4B8E-B702-94AB4092493B}"/>
               </a:ext>
             </a:extLst>
           </p:cNvPr>
@@ -7680,7 +7680,7 @@
           <p:cNvPr id="2" name="Title 1">
             <a:extLst>
               <a:ext uri="{FF2B5EF4-FFF2-40B4-BE49-F238E27FC236}">
-                <a16:creationId xmlns="" xmlns:a16="http://schemas.microsoft.com/office/drawing/2014/main" id="{F7D76782-2AFC-484F-86E9-79B66B50D4DE}"/>
+                <a16:creationId xmlns:a16="http://schemas.microsoft.com/office/drawing/2014/main" xmlns="" id="{F7D76782-2AFC-484F-86E9-79B66B50D4DE}"/>
               </a:ext>
             </a:extLst>
           </p:cNvPr>
@@ -7716,7 +7716,7 @@
           <p:cNvPr id="3" name="Content Placeholder 2">
             <a:extLst>
               <a:ext uri="{FF2B5EF4-FFF2-40B4-BE49-F238E27FC236}">
-                <a16:creationId xmlns="" xmlns:a16="http://schemas.microsoft.com/office/drawing/2014/main" id="{C20D2F24-DB19-4CC2-A923-66DB28D54E4E}"/>
+                <a16:creationId xmlns:a16="http://schemas.microsoft.com/office/drawing/2014/main" xmlns="" id="{C20D2F24-DB19-4CC2-A923-66DB28D54E4E}"/>
               </a:ext>
             </a:extLst>
           </p:cNvPr>
@@ -8162,7 +8162,7 @@
           <p:cNvPr id="2" name="Title 1">
             <a:extLst>
               <a:ext uri="{FF2B5EF4-FFF2-40B4-BE49-F238E27FC236}">
-                <a16:creationId xmlns="" xmlns:a16="http://schemas.microsoft.com/office/drawing/2014/main" id="{DE786905-6EC8-49C5-BDDC-0BC7A9AFD0AC}"/>
+                <a16:creationId xmlns:a16="http://schemas.microsoft.com/office/drawing/2014/main" xmlns="" id="{DE786905-6EC8-49C5-BDDC-0BC7A9AFD0AC}"/>
               </a:ext>
             </a:extLst>
           </p:cNvPr>
@@ -8193,7 +8193,7 @@
           <p:cNvPr id="3" name="Content Placeholder 2">
             <a:extLst>
               <a:ext uri="{FF2B5EF4-FFF2-40B4-BE49-F238E27FC236}">
-                <a16:creationId xmlns="" xmlns:a16="http://schemas.microsoft.com/office/drawing/2014/main" id="{26D3D96A-2656-4B90-8937-B80FEEBB16D7}"/>
+                <a16:creationId xmlns:a16="http://schemas.microsoft.com/office/drawing/2014/main" xmlns="" id="{26D3D96A-2656-4B90-8937-B80FEEBB16D7}"/>
               </a:ext>
             </a:extLst>
           </p:cNvPr>
@@ -8565,7 +8565,7 @@
           <p:cNvPr id="2" name="Title 1">
             <a:extLst>
               <a:ext uri="{FF2B5EF4-FFF2-40B4-BE49-F238E27FC236}">
-                <a16:creationId xmlns="" xmlns:a16="http://schemas.microsoft.com/office/drawing/2014/main" id="{FCB8F87E-7282-4C3C-9043-14F188B83545}"/>
+                <a16:creationId xmlns:a16="http://schemas.microsoft.com/office/drawing/2014/main" xmlns="" id="{FCB8F87E-7282-4C3C-9043-14F188B83545}"/>
               </a:ext>
             </a:extLst>
           </p:cNvPr>
@@ -8637,7 +8637,7 @@
           <p:cNvPr id="4" name="Picture 4" descr="Diagram&#10;&#10;Description automatically generated">
             <a:extLst>
               <a:ext uri="{FF2B5EF4-FFF2-40B4-BE49-F238E27FC236}">
-                <a16:creationId xmlns="" xmlns:a16="http://schemas.microsoft.com/office/drawing/2014/main" id="{DCFFCCFC-9041-4EC0-B97F-28DBD57D4A83}"/>
+                <a16:creationId xmlns:a16="http://schemas.microsoft.com/office/drawing/2014/main" xmlns="" id="{DCFFCCFC-9041-4EC0-B97F-28DBD57D4A83}"/>
               </a:ext>
             </a:extLst>
           </p:cNvPr>
@@ -8696,7 +8696,7 @@
           <p:cNvPr id="2" name="Title 1">
             <a:extLst>
               <a:ext uri="{FF2B5EF4-FFF2-40B4-BE49-F238E27FC236}">
-                <a16:creationId xmlns="" xmlns:a16="http://schemas.microsoft.com/office/drawing/2014/main" id="{9C6804BF-4C05-4A7B-A004-1911B5722F2B}"/>
+                <a16:creationId xmlns:a16="http://schemas.microsoft.com/office/drawing/2014/main" xmlns="" id="{9C6804BF-4C05-4A7B-A004-1911B5722F2B}"/>
               </a:ext>
             </a:extLst>
           </p:cNvPr>
@@ -8727,7 +8727,7 @@
           <p:cNvPr id="3" name="Content Placeholder 2">
             <a:extLst>
               <a:ext uri="{FF2B5EF4-FFF2-40B4-BE49-F238E27FC236}">
-                <a16:creationId xmlns="" xmlns:a16="http://schemas.microsoft.com/office/drawing/2014/main" id="{2016B212-EF1B-4365-8961-2F9E25E2CD98}"/>
+                <a16:creationId xmlns:a16="http://schemas.microsoft.com/office/drawing/2014/main" xmlns="" id="{2016B212-EF1B-4365-8961-2F9E25E2CD98}"/>
               </a:ext>
             </a:extLst>
           </p:cNvPr>
@@ -8990,7 +8990,7 @@
           <p:cNvPr id="2" name="Title 1">
             <a:extLst>
               <a:ext uri="{FF2B5EF4-FFF2-40B4-BE49-F238E27FC236}">
-                <a16:creationId xmlns="" xmlns:a16="http://schemas.microsoft.com/office/drawing/2014/main" id="{B928A14C-CEC6-45CD-B427-71960C65D357}"/>
+                <a16:creationId xmlns:a16="http://schemas.microsoft.com/office/drawing/2014/main" xmlns="" id="{B928A14C-CEC6-45CD-B427-71960C65D357}"/>
               </a:ext>
             </a:extLst>
           </p:cNvPr>
@@ -9021,7 +9021,7 @@
           <p:cNvPr id="3" name="Content Placeholder 2">
             <a:extLst>
               <a:ext uri="{FF2B5EF4-FFF2-40B4-BE49-F238E27FC236}">
-                <a16:creationId xmlns="" xmlns:a16="http://schemas.microsoft.com/office/drawing/2014/main" id="{F1D13127-6A5A-4848-878B-312C7A4AB845}"/>
+                <a16:creationId xmlns:a16="http://schemas.microsoft.com/office/drawing/2014/main" xmlns="" id="{F1D13127-6A5A-4848-878B-312C7A4AB845}"/>
               </a:ext>
             </a:extLst>
           </p:cNvPr>
@@ -9155,7 +9155,7 @@
           <p:cNvPr id="483330" name="Rectangle 2">
             <a:extLst>
               <a:ext uri="{FF2B5EF4-FFF2-40B4-BE49-F238E27FC236}">
-                <a16:creationId xmlns="" xmlns:a16="http://schemas.microsoft.com/office/drawing/2014/main" id="{9A1AA394-7134-4846-94A4-420BE41D2B4F}"/>
+                <a16:creationId xmlns:a16="http://schemas.microsoft.com/office/drawing/2014/main" xmlns="" id="{9A1AA394-7134-4846-94A4-420BE41D2B4F}"/>
               </a:ext>
             </a:extLst>
           </p:cNvPr>
@@ -9191,7 +9191,7 @@
           <p:cNvPr id="27652" name="Rectangle 3">
             <a:extLst>
               <a:ext uri="{FF2B5EF4-FFF2-40B4-BE49-F238E27FC236}">
-                <a16:creationId xmlns="" xmlns:a16="http://schemas.microsoft.com/office/drawing/2014/main" id="{755B4DFC-11AF-47CF-B14A-DC7F6D9D71E5}"/>
+                <a16:creationId xmlns:a16="http://schemas.microsoft.com/office/drawing/2014/main" xmlns="" id="{755B4DFC-11AF-47CF-B14A-DC7F6D9D71E5}"/>
               </a:ext>
             </a:extLst>
           </p:cNvPr>
@@ -9318,7 +9318,7 @@
           <p:cNvPr id="485378" name="Rectangle 2">
             <a:extLst>
               <a:ext uri="{FF2B5EF4-FFF2-40B4-BE49-F238E27FC236}">
-                <a16:creationId xmlns="" xmlns:a16="http://schemas.microsoft.com/office/drawing/2014/main" id="{1A9D5343-E7F3-4992-B013-9E6BDBB3DFD0}"/>
+                <a16:creationId xmlns:a16="http://schemas.microsoft.com/office/drawing/2014/main" xmlns="" id="{1A9D5343-E7F3-4992-B013-9E6BDBB3DFD0}"/>
               </a:ext>
             </a:extLst>
           </p:cNvPr>
@@ -9338,10 +9338,10 @@
               <a:defRPr/>
             </a:pPr>
             <a:r>
-              <a:rPr lang="en-US"/>
+              <a:rPr lang="en-US" dirty="0"/>
               <a:t>ALTER TABLE</a:t>
             </a:r>
-            <a:endParaRPr lang="en-US" b="1">
+            <a:endParaRPr lang="en-US" b="1" dirty="0">
               <a:solidFill>
                 <a:srgbClr val="000000"/>
               </a:solidFill>
@@ -9354,7 +9354,7 @@
           <p:cNvPr id="28676" name="Rectangle 3">
             <a:extLst>
               <a:ext uri="{FF2B5EF4-FFF2-40B4-BE49-F238E27FC236}">
-                <a16:creationId xmlns="" xmlns:a16="http://schemas.microsoft.com/office/drawing/2014/main" id="{54F3B159-38C8-4CE6-8CA6-99298E690832}"/>
+                <a16:creationId xmlns:a16="http://schemas.microsoft.com/office/drawing/2014/main" xmlns="" id="{54F3B159-38C8-4CE6-8CA6-99298E690832}"/>
               </a:ext>
             </a:extLst>
           </p:cNvPr>
@@ -9475,7 +9475,7 @@
           <p:cNvPr id="2" name="Title 1">
             <a:extLst>
               <a:ext uri="{FF2B5EF4-FFF2-40B4-BE49-F238E27FC236}">
-                <a16:creationId xmlns="" xmlns:a16="http://schemas.microsoft.com/office/drawing/2014/main" id="{10583895-6DB9-4627-B94C-349E3347186D}"/>
+                <a16:creationId xmlns:a16="http://schemas.microsoft.com/office/drawing/2014/main" xmlns="" id="{10583895-6DB9-4627-B94C-349E3347186D}"/>
               </a:ext>
             </a:extLst>
           </p:cNvPr>
@@ -9503,7 +9503,7 @@
           <p:cNvPr id="3" name="Content Placeholder 2">
             <a:extLst>
               <a:ext uri="{FF2B5EF4-FFF2-40B4-BE49-F238E27FC236}">
-                <a16:creationId xmlns="" xmlns:a16="http://schemas.microsoft.com/office/drawing/2014/main" id="{ECA290EA-8CC5-44AE-B9AF-BA288FF4CF2B}"/>
+                <a16:creationId xmlns:a16="http://schemas.microsoft.com/office/drawing/2014/main" xmlns="" id="{ECA290EA-8CC5-44AE-B9AF-BA288FF4CF2B}"/>
               </a:ext>
             </a:extLst>
           </p:cNvPr>
@@ -9660,7 +9660,7 @@
           <p:cNvPr id="2" name="Title 1">
             <a:extLst>
               <a:ext uri="{FF2B5EF4-FFF2-40B4-BE49-F238E27FC236}">
-                <a16:creationId xmlns="" xmlns:a16="http://schemas.microsoft.com/office/drawing/2014/main" id="{1B725207-B435-4A16-88F0-96A34418672B}"/>
+                <a16:creationId xmlns:a16="http://schemas.microsoft.com/office/drawing/2014/main" xmlns="" id="{1B725207-B435-4A16-88F0-96A34418672B}"/>
               </a:ext>
             </a:extLst>
           </p:cNvPr>
@@ -9688,7 +9688,7 @@
           <p:cNvPr id="3" name="Content Placeholder 2">
             <a:extLst>
               <a:ext uri="{FF2B5EF4-FFF2-40B4-BE49-F238E27FC236}">
-                <a16:creationId xmlns="" xmlns:a16="http://schemas.microsoft.com/office/drawing/2014/main" id="{442BB265-B270-4DEE-BD0B-73B5F4EDB70E}"/>
+                <a16:creationId xmlns:a16="http://schemas.microsoft.com/office/drawing/2014/main" xmlns="" id="{442BB265-B270-4DEE-BD0B-73B5F4EDB70E}"/>
               </a:ext>
             </a:extLst>
           </p:cNvPr>
@@ -9743,7 +9743,7 @@
           <p:cNvPr id="6" name="TextBox 5">
             <a:extLst>
               <a:ext uri="{FF2B5EF4-FFF2-40B4-BE49-F238E27FC236}">
-                <a16:creationId xmlns="" xmlns:a16="http://schemas.microsoft.com/office/drawing/2014/main" id="{2F8068FF-0A27-4BAE-94EA-06BD9B4EA040}"/>
+                <a16:creationId xmlns:a16="http://schemas.microsoft.com/office/drawing/2014/main" xmlns="" id="{2F8068FF-0A27-4BAE-94EA-06BD9B4EA040}"/>
               </a:ext>
             </a:extLst>
           </p:cNvPr>
@@ -9779,7 +9779,7 @@
           <p:cNvPr id="7" name="Table 9">
             <a:extLst>
               <a:ext uri="{FF2B5EF4-FFF2-40B4-BE49-F238E27FC236}">
-                <a16:creationId xmlns="" xmlns:a16="http://schemas.microsoft.com/office/drawing/2014/main" id="{BC547B9E-BCF4-457C-B7A5-9BFD94C46369}"/>
+                <a16:creationId xmlns:a16="http://schemas.microsoft.com/office/drawing/2014/main" xmlns="" id="{BC547B9E-BCF4-457C-B7A5-9BFD94C46369}"/>
               </a:ext>
             </a:extLst>
           </p:cNvPr>
@@ -9808,21 +9808,21 @@
                 <a:gridCol w="1140431">
                   <a:extLst>
                     <a:ext uri="{9D8B030D-6E8A-4147-A177-3AD203B41FA5}">
-                      <a16:colId xmlns="" xmlns:a16="http://schemas.microsoft.com/office/drawing/2014/main" val="2247279278"/>
+                      <a16:colId xmlns:a16="http://schemas.microsoft.com/office/drawing/2014/main" xmlns="" val="2247279278"/>
                     </a:ext>
                   </a:extLst>
                 </a:gridCol>
                 <a:gridCol w="1140431">
                   <a:extLst>
                     <a:ext uri="{9D8B030D-6E8A-4147-A177-3AD203B41FA5}">
-                      <a16:colId xmlns="" xmlns:a16="http://schemas.microsoft.com/office/drawing/2014/main" val="691657574"/>
+                      <a16:colId xmlns:a16="http://schemas.microsoft.com/office/drawing/2014/main" xmlns="" val="691657574"/>
                     </a:ext>
                   </a:extLst>
                 </a:gridCol>
                 <a:gridCol w="1140431">
                   <a:extLst>
                     <a:ext uri="{9D8B030D-6E8A-4147-A177-3AD203B41FA5}">
-                      <a16:colId xmlns="" xmlns:a16="http://schemas.microsoft.com/office/drawing/2014/main" val="2517726121"/>
+                      <a16:colId xmlns:a16="http://schemas.microsoft.com/office/drawing/2014/main" xmlns="" val="2517726121"/>
                     </a:ext>
                   </a:extLst>
                 </a:gridCol>
@@ -9869,7 +9869,7 @@
                 </a:tc>
                 <a:extLst>
                   <a:ext uri="{0D108BD9-81ED-4DB2-BD59-A6C34878D82A}">
-                    <a16:rowId xmlns="" xmlns:a16="http://schemas.microsoft.com/office/drawing/2014/main" val="370146383"/>
+                    <a16:rowId xmlns:a16="http://schemas.microsoft.com/office/drawing/2014/main" xmlns="" val="370146383"/>
                   </a:ext>
                 </a:extLst>
               </a:tr>
@@ -9912,7 +9912,7 @@
           <p:cNvPr id="2" name="Title 1">
             <a:extLst>
               <a:ext uri="{FF2B5EF4-FFF2-40B4-BE49-F238E27FC236}">
-                <a16:creationId xmlns="" xmlns:a16="http://schemas.microsoft.com/office/drawing/2014/main" id="{1B725207-B435-4A16-88F0-96A34418672B}"/>
+                <a16:creationId xmlns:a16="http://schemas.microsoft.com/office/drawing/2014/main" xmlns="" id="{1B725207-B435-4A16-88F0-96A34418672B}"/>
               </a:ext>
             </a:extLst>
           </p:cNvPr>
@@ -9940,7 +9940,7 @@
           <p:cNvPr id="3" name="Content Placeholder 2">
             <a:extLst>
               <a:ext uri="{FF2B5EF4-FFF2-40B4-BE49-F238E27FC236}">
-                <a16:creationId xmlns="" xmlns:a16="http://schemas.microsoft.com/office/drawing/2014/main" id="{442BB265-B270-4DEE-BD0B-73B5F4EDB70E}"/>
+                <a16:creationId xmlns:a16="http://schemas.microsoft.com/office/drawing/2014/main" xmlns="" id="{442BB265-B270-4DEE-BD0B-73B5F4EDB70E}"/>
               </a:ext>
             </a:extLst>
           </p:cNvPr>
@@ -10038,7 +10038,7 @@
           <p:cNvPr id="6" name="TextBox 5">
             <a:extLst>
               <a:ext uri="{FF2B5EF4-FFF2-40B4-BE49-F238E27FC236}">
-                <a16:creationId xmlns="" xmlns:a16="http://schemas.microsoft.com/office/drawing/2014/main" id="{2F8068FF-0A27-4BAE-94EA-06BD9B4EA040}"/>
+                <a16:creationId xmlns:a16="http://schemas.microsoft.com/office/drawing/2014/main" xmlns="" id="{2F8068FF-0A27-4BAE-94EA-06BD9B4EA040}"/>
               </a:ext>
             </a:extLst>
           </p:cNvPr>
@@ -10074,7 +10074,7 @@
           <p:cNvPr id="7" name="Table 9">
             <a:extLst>
               <a:ext uri="{FF2B5EF4-FFF2-40B4-BE49-F238E27FC236}">
-                <a16:creationId xmlns="" xmlns:a16="http://schemas.microsoft.com/office/drawing/2014/main" id="{BC547B9E-BCF4-457C-B7A5-9BFD94C46369}"/>
+                <a16:creationId xmlns:a16="http://schemas.microsoft.com/office/drawing/2014/main" xmlns="" id="{BC547B9E-BCF4-457C-B7A5-9BFD94C46369}"/>
               </a:ext>
             </a:extLst>
           </p:cNvPr>
@@ -10097,21 +10097,21 @@
                 <a:gridCol w="1140431">
                   <a:extLst>
                     <a:ext uri="{9D8B030D-6E8A-4147-A177-3AD203B41FA5}">
-                      <a16:colId xmlns="" xmlns:a16="http://schemas.microsoft.com/office/drawing/2014/main" val="2247279278"/>
+                      <a16:colId xmlns:a16="http://schemas.microsoft.com/office/drawing/2014/main" xmlns="" val="2247279278"/>
                     </a:ext>
                   </a:extLst>
                 </a:gridCol>
                 <a:gridCol w="1140431">
                   <a:extLst>
                     <a:ext uri="{9D8B030D-6E8A-4147-A177-3AD203B41FA5}">
-                      <a16:colId xmlns="" xmlns:a16="http://schemas.microsoft.com/office/drawing/2014/main" val="691657574"/>
+                      <a16:colId xmlns:a16="http://schemas.microsoft.com/office/drawing/2014/main" xmlns="" val="691657574"/>
                     </a:ext>
                   </a:extLst>
                 </a:gridCol>
                 <a:gridCol w="1140431">
                   <a:extLst>
                     <a:ext uri="{9D8B030D-6E8A-4147-A177-3AD203B41FA5}">
-                      <a16:colId xmlns="" xmlns:a16="http://schemas.microsoft.com/office/drawing/2014/main" val="2517726121"/>
+                      <a16:colId xmlns:a16="http://schemas.microsoft.com/office/drawing/2014/main" xmlns="" val="2517726121"/>
                     </a:ext>
                   </a:extLst>
                 </a:gridCol>
@@ -10158,7 +10158,7 @@
                 </a:tc>
                 <a:extLst>
                   <a:ext uri="{0D108BD9-81ED-4DB2-BD59-A6C34878D82A}">
-                    <a16:rowId xmlns="" xmlns:a16="http://schemas.microsoft.com/office/drawing/2014/main" val="370146383"/>
+                    <a16:rowId xmlns:a16="http://schemas.microsoft.com/office/drawing/2014/main" xmlns="" val="370146383"/>
                   </a:ext>
                 </a:extLst>
               </a:tr>
@@ -10201,7 +10201,7 @@
           <p:cNvPr id="2" name="Title 1">
             <a:extLst>
               <a:ext uri="{FF2B5EF4-FFF2-40B4-BE49-F238E27FC236}">
-                <a16:creationId xmlns="" xmlns:a16="http://schemas.microsoft.com/office/drawing/2014/main" id="{1B725207-B435-4A16-88F0-96A34418672B}"/>
+                <a16:creationId xmlns:a16="http://schemas.microsoft.com/office/drawing/2014/main" xmlns="" id="{1B725207-B435-4A16-88F0-96A34418672B}"/>
               </a:ext>
             </a:extLst>
           </p:cNvPr>
@@ -10234,7 +10234,7 @@
           <p:cNvPr id="3" name="Content Placeholder 2">
             <a:extLst>
               <a:ext uri="{FF2B5EF4-FFF2-40B4-BE49-F238E27FC236}">
-                <a16:creationId xmlns="" xmlns:a16="http://schemas.microsoft.com/office/drawing/2014/main" id="{442BB265-B270-4DEE-BD0B-73B5F4EDB70E}"/>
+                <a16:creationId xmlns:a16="http://schemas.microsoft.com/office/drawing/2014/main" xmlns="" id="{442BB265-B270-4DEE-BD0B-73B5F4EDB70E}"/>
               </a:ext>
             </a:extLst>
           </p:cNvPr>
@@ -10309,7 +10309,7 @@
           <p:cNvPr id="6" name="TextBox 5">
             <a:extLst>
               <a:ext uri="{FF2B5EF4-FFF2-40B4-BE49-F238E27FC236}">
-                <a16:creationId xmlns="" xmlns:a16="http://schemas.microsoft.com/office/drawing/2014/main" id="{2F8068FF-0A27-4BAE-94EA-06BD9B4EA040}"/>
+                <a16:creationId xmlns:a16="http://schemas.microsoft.com/office/drawing/2014/main" xmlns="" id="{2F8068FF-0A27-4BAE-94EA-06BD9B4EA040}"/>
               </a:ext>
             </a:extLst>
           </p:cNvPr>
@@ -10345,7 +10345,7 @@
           <p:cNvPr id="7" name="Table 9">
             <a:extLst>
               <a:ext uri="{FF2B5EF4-FFF2-40B4-BE49-F238E27FC236}">
-                <a16:creationId xmlns="" xmlns:a16="http://schemas.microsoft.com/office/drawing/2014/main" id="{BC547B9E-BCF4-457C-B7A5-9BFD94C46369}"/>
+                <a16:creationId xmlns:a16="http://schemas.microsoft.com/office/drawing/2014/main" xmlns="" id="{BC547B9E-BCF4-457C-B7A5-9BFD94C46369}"/>
               </a:ext>
             </a:extLst>
           </p:cNvPr>
@@ -10368,21 +10368,21 @@
                 <a:gridCol w="1140431">
                   <a:extLst>
                     <a:ext uri="{9D8B030D-6E8A-4147-A177-3AD203B41FA5}">
-                      <a16:colId xmlns="" xmlns:a16="http://schemas.microsoft.com/office/drawing/2014/main" val="2247279278"/>
+                      <a16:colId xmlns:a16="http://schemas.microsoft.com/office/drawing/2014/main" xmlns="" val="2247279278"/>
                     </a:ext>
                   </a:extLst>
                 </a:gridCol>
                 <a:gridCol w="1140431">
                   <a:extLst>
                     <a:ext uri="{9D8B030D-6E8A-4147-A177-3AD203B41FA5}">
-                      <a16:colId xmlns="" xmlns:a16="http://schemas.microsoft.com/office/drawing/2014/main" val="691657574"/>
+                      <a16:colId xmlns:a16="http://schemas.microsoft.com/office/drawing/2014/main" xmlns="" val="691657574"/>
                     </a:ext>
                   </a:extLst>
                 </a:gridCol>
                 <a:gridCol w="1140431">
                   <a:extLst>
                     <a:ext uri="{9D8B030D-6E8A-4147-A177-3AD203B41FA5}">
-                      <a16:colId xmlns="" xmlns:a16="http://schemas.microsoft.com/office/drawing/2014/main" val="2517726121"/>
+                      <a16:colId xmlns:a16="http://schemas.microsoft.com/office/drawing/2014/main" xmlns="" val="2517726121"/>
                     </a:ext>
                   </a:extLst>
                 </a:gridCol>
@@ -10429,7 +10429,7 @@
                 </a:tc>
                 <a:extLst>
                   <a:ext uri="{0D108BD9-81ED-4DB2-BD59-A6C34878D82A}">
-                    <a16:rowId xmlns="" xmlns:a16="http://schemas.microsoft.com/office/drawing/2014/main" val="370146383"/>
+                    <a16:rowId xmlns:a16="http://schemas.microsoft.com/office/drawing/2014/main" xmlns="" val="370146383"/>
                   </a:ext>
                 </a:extLst>
               </a:tr>
@@ -10472,7 +10472,7 @@
           <p:cNvPr id="2" name="Title 1">
             <a:extLst>
               <a:ext uri="{FF2B5EF4-FFF2-40B4-BE49-F238E27FC236}">
-                <a16:creationId xmlns="" xmlns:a16="http://schemas.microsoft.com/office/drawing/2014/main" id="{4BC1B529-4541-4886-9922-47CF81B6B6DF}"/>
+                <a16:creationId xmlns:a16="http://schemas.microsoft.com/office/drawing/2014/main" xmlns="" id="{4BC1B529-4541-4886-9922-47CF81B6B6DF}"/>
               </a:ext>
             </a:extLst>
           </p:cNvPr>
@@ -10500,7 +10500,7 @@
           <p:cNvPr id="3" name="Content Placeholder 2">
             <a:extLst>
               <a:ext uri="{FF2B5EF4-FFF2-40B4-BE49-F238E27FC236}">
-                <a16:creationId xmlns="" xmlns:a16="http://schemas.microsoft.com/office/drawing/2014/main" id="{DF6D44C2-1AE9-420D-8908-77CCB9F2B040}"/>
+                <a16:creationId xmlns:a16="http://schemas.microsoft.com/office/drawing/2014/main" xmlns="" id="{DF6D44C2-1AE9-420D-8908-77CCB9F2B040}"/>
               </a:ext>
             </a:extLst>
           </p:cNvPr>
@@ -10572,7 +10572,7 @@
           <p:cNvPr id="2" name="Title 1">
             <a:extLst>
               <a:ext uri="{FF2B5EF4-FFF2-40B4-BE49-F238E27FC236}">
-                <a16:creationId xmlns="" xmlns:a16="http://schemas.microsoft.com/office/drawing/2014/main" id="{B69C4D51-F64C-467D-90C2-D7A72CFB30C4}"/>
+                <a16:creationId xmlns:a16="http://schemas.microsoft.com/office/drawing/2014/main" xmlns="" id="{B69C4D51-F64C-467D-90C2-D7A72CFB30C4}"/>
               </a:ext>
             </a:extLst>
           </p:cNvPr>
@@ -10600,7 +10600,7 @@
           <p:cNvPr id="3" name="Content Placeholder 2">
             <a:extLst>
               <a:ext uri="{FF2B5EF4-FFF2-40B4-BE49-F238E27FC236}">
-                <a16:creationId xmlns="" xmlns:a16="http://schemas.microsoft.com/office/drawing/2014/main" id="{8D3B497E-6E89-40AD-B4C2-E7FE5307C4BD}"/>
+                <a16:creationId xmlns:a16="http://schemas.microsoft.com/office/drawing/2014/main" xmlns="" id="{8D3B497E-6E89-40AD-B4C2-E7FE5307C4BD}"/>
               </a:ext>
             </a:extLst>
           </p:cNvPr>
@@ -10916,7 +10916,7 @@
           <p:cNvPr id="2" name="Title 1">
             <a:extLst>
               <a:ext uri="{FF2B5EF4-FFF2-40B4-BE49-F238E27FC236}">
-                <a16:creationId xmlns="" xmlns:a16="http://schemas.microsoft.com/office/drawing/2014/main" id="{28F94AFC-03C9-4930-BC67-2251DC46772A}"/>
+                <a16:creationId xmlns:a16="http://schemas.microsoft.com/office/drawing/2014/main" xmlns="" id="{28F94AFC-03C9-4930-BC67-2251DC46772A}"/>
               </a:ext>
             </a:extLst>
           </p:cNvPr>
@@ -10944,7 +10944,7 @@
           <p:cNvPr id="3" name="Content Placeholder 2">
             <a:extLst>
               <a:ext uri="{FF2B5EF4-FFF2-40B4-BE49-F238E27FC236}">
-                <a16:creationId xmlns="" xmlns:a16="http://schemas.microsoft.com/office/drawing/2014/main" id="{8BBFAEC5-26B0-432D-BC81-53372ABB98D6}"/>
+                <a16:creationId xmlns:a16="http://schemas.microsoft.com/office/drawing/2014/main" xmlns="" id="{8BBFAEC5-26B0-432D-BC81-53372ABB98D6}"/>
               </a:ext>
             </a:extLst>
           </p:cNvPr>
@@ -11356,7 +11356,7 @@
           <p:cNvPr id="2" name="Title 1">
             <a:extLst>
               <a:ext uri="{FF2B5EF4-FFF2-40B4-BE49-F238E27FC236}">
-                <a16:creationId xmlns="" xmlns:a16="http://schemas.microsoft.com/office/drawing/2014/main" id="{7FE78593-5CA1-4020-863E-26E11A23A17E}"/>
+                <a16:creationId xmlns:a16="http://schemas.microsoft.com/office/drawing/2014/main" xmlns="" id="{7FE78593-5CA1-4020-863E-26E11A23A17E}"/>
               </a:ext>
             </a:extLst>
           </p:cNvPr>
@@ -11387,7 +11387,7 @@
           <p:cNvPr id="3" name="Content Placeholder 2">
             <a:extLst>
               <a:ext uri="{FF2B5EF4-FFF2-40B4-BE49-F238E27FC236}">
-                <a16:creationId xmlns="" xmlns:a16="http://schemas.microsoft.com/office/drawing/2014/main" id="{A9C25BD5-DCFC-422B-84F0-A697AE79A61F}"/>
+                <a16:creationId xmlns:a16="http://schemas.microsoft.com/office/drawing/2014/main" xmlns="" id="{A9C25BD5-DCFC-422B-84F0-A697AE79A61F}"/>
               </a:ext>
             </a:extLst>
           </p:cNvPr>
@@ -11662,7 +11662,7 @@
           <p:cNvPr id="2" name="Title 1">
             <a:extLst>
               <a:ext uri="{FF2B5EF4-FFF2-40B4-BE49-F238E27FC236}">
-                <a16:creationId xmlns="" xmlns:a16="http://schemas.microsoft.com/office/drawing/2014/main" id="{8014C0DE-DEDE-4242-A312-1CD20E30D27D}"/>
+                <a16:creationId xmlns:a16="http://schemas.microsoft.com/office/drawing/2014/main" xmlns="" id="{8014C0DE-DEDE-4242-A312-1CD20E30D27D}"/>
               </a:ext>
             </a:extLst>
           </p:cNvPr>
@@ -11693,7 +11693,7 @@
           <p:cNvPr id="3" name="Content Placeholder 2">
             <a:extLst>
               <a:ext uri="{FF2B5EF4-FFF2-40B4-BE49-F238E27FC236}">
-                <a16:creationId xmlns="" xmlns:a16="http://schemas.microsoft.com/office/drawing/2014/main" id="{2E4AE33E-0FD2-4B21-A7D8-2A980D53CDD5}"/>
+                <a16:creationId xmlns:a16="http://schemas.microsoft.com/office/drawing/2014/main" xmlns="" id="{2E4AE33E-0FD2-4B21-A7D8-2A980D53CDD5}"/>
               </a:ext>
             </a:extLst>
           </p:cNvPr>
@@ -11913,7 +11913,7 @@
           <p:cNvPr id="2" name="Title 1">
             <a:extLst>
               <a:ext uri="{FF2B5EF4-FFF2-40B4-BE49-F238E27FC236}">
-                <a16:creationId xmlns="" xmlns:a16="http://schemas.microsoft.com/office/drawing/2014/main" id="{7FE78593-5CA1-4020-863E-26E11A23A17E}"/>
+                <a16:creationId xmlns:a16="http://schemas.microsoft.com/office/drawing/2014/main" xmlns="" id="{7FE78593-5CA1-4020-863E-26E11A23A17E}"/>
               </a:ext>
             </a:extLst>
           </p:cNvPr>
@@ -11944,7 +11944,7 @@
           <p:cNvPr id="3" name="Content Placeholder 2">
             <a:extLst>
               <a:ext uri="{FF2B5EF4-FFF2-40B4-BE49-F238E27FC236}">
-                <a16:creationId xmlns="" xmlns:a16="http://schemas.microsoft.com/office/drawing/2014/main" id="{A9C25BD5-DCFC-422B-84F0-A697AE79A61F}"/>
+                <a16:creationId xmlns:a16="http://schemas.microsoft.com/office/drawing/2014/main" xmlns="" id="{A9C25BD5-DCFC-422B-84F0-A697AE79A61F}"/>
               </a:ext>
             </a:extLst>
           </p:cNvPr>
@@ -12079,7 +12079,7 @@
           <p:cNvPr id="2" name="Title 1">
             <a:extLst>
               <a:ext uri="{FF2B5EF4-FFF2-40B4-BE49-F238E27FC236}">
-                <a16:creationId xmlns="" xmlns:a16="http://schemas.microsoft.com/office/drawing/2014/main" id="{7FE78593-5CA1-4020-863E-26E11A23A17E}"/>
+                <a16:creationId xmlns:a16="http://schemas.microsoft.com/office/drawing/2014/main" xmlns="" id="{7FE78593-5CA1-4020-863E-26E11A23A17E}"/>
               </a:ext>
             </a:extLst>
           </p:cNvPr>
@@ -12110,7 +12110,7 @@
           <p:cNvPr id="3" name="Content Placeholder 2">
             <a:extLst>
               <a:ext uri="{FF2B5EF4-FFF2-40B4-BE49-F238E27FC236}">
-                <a16:creationId xmlns="" xmlns:a16="http://schemas.microsoft.com/office/drawing/2014/main" id="{A9C25BD5-DCFC-422B-84F0-A697AE79A61F}"/>
+                <a16:creationId xmlns:a16="http://schemas.microsoft.com/office/drawing/2014/main" xmlns="" id="{A9C25BD5-DCFC-422B-84F0-A697AE79A61F}"/>
               </a:ext>
             </a:extLst>
           </p:cNvPr>

--- a/Databasae management system/theory/course material/Lecture 5 DDL.pptx
+++ b/Databasae management system/theory/course material/Lecture 5 DDL.pptx
@@ -239,7 +239,7 @@
           <a:p>
             <a:fld id="{C0865839-5307-42C8-8978-C5E0E79B0B9F}" type="datetimeFigureOut">
               <a:rPr lang="en-US"/>
-              <a:t>11/18/2024</a:t>
+              <a:t>11/24/2024</a:t>
             </a:fld>
             <a:endParaRPr lang="en-US"/>
           </a:p>
@@ -997,7 +997,7 @@
           <a:p>
             <a:fld id="{4BDF68E2-58F2-4D09-BE8B-E3BD06533059}" type="datetimeFigureOut">
               <a:rPr lang="en-US" dirty="0"/>
-              <a:t>11/18/2024</a:t>
+              <a:t>11/24/2024</a:t>
             </a:fld>
             <a:endParaRPr lang="en-US"/>
           </a:p>
@@ -1203,7 +1203,7 @@
           <a:p>
             <a:fld id="{2E2D6473-DF6D-4702-B328-E0DD40540A4E}" type="datetimeFigureOut">
               <a:rPr lang="en-US" dirty="0"/>
-              <a:t>11/18/2024</a:t>
+              <a:t>11/24/2024</a:t>
             </a:fld>
             <a:endParaRPr lang="en-US"/>
           </a:p>
@@ -1457,7 +1457,7 @@
           <a:p>
             <a:fld id="{E26F7E3A-B166-407D-9866-32884E7D5B37}" type="datetimeFigureOut">
               <a:rPr lang="en-US" dirty="0"/>
-              <a:t>11/18/2024</a:t>
+              <a:t>11/24/2024</a:t>
             </a:fld>
             <a:endParaRPr lang="en-US"/>
           </a:p>
@@ -1629,7 +1629,7 @@
           <a:p>
             <a:fld id="{528FC5F6-F338-4AE4-BB23-26385BCFC423}" type="datetimeFigureOut">
               <a:rPr lang="en-US" dirty="0"/>
-              <a:t>11/18/2024</a:t>
+              <a:t>11/24/2024</a:t>
             </a:fld>
             <a:endParaRPr lang="en-US"/>
           </a:p>
@@ -1971,7 +1971,7 @@
           <a:p>
             <a:fld id="{20EBB0C4-6273-4C6E-B9BD-2EDC30F1CD52}" type="datetimeFigureOut">
               <a:rPr lang="en-US" dirty="0"/>
-              <a:t>11/18/2024</a:t>
+              <a:t>11/24/2024</a:t>
             </a:fld>
             <a:endParaRPr lang="en-US"/>
           </a:p>
@@ -2243,7 +2243,7 @@
           <a:p>
             <a:fld id="{19AB4D41-86C1-4908-B66A-0B50CEB3BF29}" type="datetimeFigureOut">
               <a:rPr lang="en-US" dirty="0"/>
-              <a:t>11/18/2024</a:t>
+              <a:t>11/24/2024</a:t>
             </a:fld>
             <a:endParaRPr lang="en-US"/>
           </a:p>
@@ -2619,7 +2619,7 @@
           <a:p>
             <a:fld id="{E6426E2C-56C1-4E0D-A793-0088A7FDD37E}" type="datetimeFigureOut">
               <a:rPr lang="en-US" dirty="0"/>
-              <a:t>11/18/2024</a:t>
+              <a:t>11/24/2024</a:t>
             </a:fld>
             <a:endParaRPr lang="en-US"/>
           </a:p>
@@ -2736,7 +2736,7 @@
           <a:p>
             <a:fld id="{C8C39B41-D8B5-4052-B551-9B5525EAA8B6}" type="datetimeFigureOut">
               <a:rPr lang="en-US" dirty="0"/>
-              <a:t>11/18/2024</a:t>
+              <a:t>11/24/2024</a:t>
             </a:fld>
             <a:endParaRPr lang="en-US"/>
           </a:p>
@@ -2907,7 +2907,7 @@
           <a:p>
             <a:fld id="{4D94136C-8742-45B2-AF27-D93DF72833A9}" type="datetimeFigureOut">
               <a:rPr lang="en-US" dirty="0"/>
-              <a:t>11/18/2024</a:t>
+              <a:t>11/24/2024</a:t>
             </a:fld>
             <a:endParaRPr lang="en-US"/>
           </a:p>
@@ -3260,7 +3260,7 @@
           <a:p>
             <a:fld id="{32ABBEA6-7C60-4B02-AE87-00D78D8422AF}" type="datetimeFigureOut">
               <a:rPr lang="en-US" dirty="0"/>
-              <a:t>11/18/2024</a:t>
+              <a:t>11/24/2024</a:t>
             </a:fld>
             <a:endParaRPr lang="en-US"/>
           </a:p>
@@ -3638,7 +3638,7 @@
           <a:p>
             <a:fld id="{C9CAD897-D46E-4AD2-BD9B-49DD3E640873}" type="datetimeFigureOut">
               <a:rPr lang="en-US" dirty="0"/>
-              <a:t>11/18/2024</a:t>
+              <a:t>11/24/2024</a:t>
             </a:fld>
             <a:endParaRPr lang="en-US"/>
           </a:p>
@@ -3923,7 +3923,7 @@
           <a:p>
             <a:fld id="{98624D31-43A5-475A-80CF-332C9F6DCF35}" type="datetimeFigureOut">
               <a:rPr lang="en-US" dirty="0"/>
-              <a:t>11/18/2024</a:t>
+              <a:t>11/24/2024</a:t>
             </a:fld>
             <a:endParaRPr lang="en-US"/>
           </a:p>
@@ -4454,7 +4454,7 @@
           <p:cNvPr id="2" name="Title 1">
             <a:extLst>
               <a:ext uri="{FF2B5EF4-FFF2-40B4-BE49-F238E27FC236}">
-                <a16:creationId xmlns:a16="http://schemas.microsoft.com/office/drawing/2014/main" xmlns="" id="{FAF50B85-AACF-47E0-883B-AEFC0EE87705}"/>
+                <a16:creationId xmlns="" xmlns:a16="http://schemas.microsoft.com/office/drawing/2014/main" id="{FAF50B85-AACF-47E0-883B-AEFC0EE87705}"/>
               </a:ext>
             </a:extLst>
           </p:cNvPr>
@@ -4498,7 +4498,7 @@
           <p:cNvPr id="3" name="Content Placeholder 2">
             <a:extLst>
               <a:ext uri="{FF2B5EF4-FFF2-40B4-BE49-F238E27FC236}">
-                <a16:creationId xmlns:a16="http://schemas.microsoft.com/office/drawing/2014/main" xmlns="" id="{C11371EC-72F9-4546-AF77-6876AFAAF490}"/>
+                <a16:creationId xmlns="" xmlns:a16="http://schemas.microsoft.com/office/drawing/2014/main" id="{C11371EC-72F9-4546-AF77-6876AFAAF490}"/>
               </a:ext>
             </a:extLst>
           </p:cNvPr>
@@ -4680,7 +4680,7 @@
           <p:cNvPr id="2" name="Title 1">
             <a:extLst>
               <a:ext uri="{FF2B5EF4-FFF2-40B4-BE49-F238E27FC236}">
-                <a16:creationId xmlns:a16="http://schemas.microsoft.com/office/drawing/2014/main" xmlns="" id="{448613A2-709B-47FB-BB1A-3A0F4F11B128}"/>
+                <a16:creationId xmlns="" xmlns:a16="http://schemas.microsoft.com/office/drawing/2014/main" id="{448613A2-709B-47FB-BB1A-3A0F4F11B128}"/>
               </a:ext>
             </a:extLst>
           </p:cNvPr>
@@ -4708,7 +4708,7 @@
           <p:cNvPr id="3" name="Content Placeholder 2">
             <a:extLst>
               <a:ext uri="{FF2B5EF4-FFF2-40B4-BE49-F238E27FC236}">
-                <a16:creationId xmlns:a16="http://schemas.microsoft.com/office/drawing/2014/main" xmlns="" id="{09C4E6FB-A066-4F24-9A90-CD75D79EC3F0}"/>
+                <a16:creationId xmlns="" xmlns:a16="http://schemas.microsoft.com/office/drawing/2014/main" id="{09C4E6FB-A066-4F24-9A90-CD75D79EC3F0}"/>
               </a:ext>
             </a:extLst>
           </p:cNvPr>
@@ -4836,7 +4836,7 @@
           <p:cNvPr id="4" name="Content Placeholder 3">
             <a:extLst>
               <a:ext uri="{FF2B5EF4-FFF2-40B4-BE49-F238E27FC236}">
-                <a16:creationId xmlns:a16="http://schemas.microsoft.com/office/drawing/2014/main" xmlns="" id="{0AF9049B-3CFC-4FD3-A3FB-CCBFF9C3ACCE}"/>
+                <a16:creationId xmlns="" xmlns:a16="http://schemas.microsoft.com/office/drawing/2014/main" id="{0AF9049B-3CFC-4FD3-A3FB-CCBFF9C3ACCE}"/>
               </a:ext>
             </a:extLst>
           </p:cNvPr>
@@ -4892,7 +4892,7 @@
           <p:cNvPr id="5" name="Content Placeholder 2">
             <a:extLst>
               <a:ext uri="{FF2B5EF4-FFF2-40B4-BE49-F238E27FC236}">
-                <a16:creationId xmlns:a16="http://schemas.microsoft.com/office/drawing/2014/main" xmlns="" id="{8C10DB8D-625D-4BD9-9AC4-AC365E5F0F03}"/>
+                <a16:creationId xmlns="" xmlns:a16="http://schemas.microsoft.com/office/drawing/2014/main" id="{8C10DB8D-625D-4BD9-9AC4-AC365E5F0F03}"/>
               </a:ext>
             </a:extLst>
           </p:cNvPr>
@@ -5306,7 +5306,7 @@
           <p:cNvPr id="2" name="Title 1">
             <a:extLst>
               <a:ext uri="{FF2B5EF4-FFF2-40B4-BE49-F238E27FC236}">
-                <a16:creationId xmlns:a16="http://schemas.microsoft.com/office/drawing/2014/main" xmlns="" id="{A372C2FE-63E3-4582-BB83-B245C5AB2BBC}"/>
+                <a16:creationId xmlns="" xmlns:a16="http://schemas.microsoft.com/office/drawing/2014/main" id="{A372C2FE-63E3-4582-BB83-B245C5AB2BBC}"/>
               </a:ext>
             </a:extLst>
           </p:cNvPr>
@@ -5337,7 +5337,7 @@
           <p:cNvPr id="3" name="Content Placeholder 2">
             <a:extLst>
               <a:ext uri="{FF2B5EF4-FFF2-40B4-BE49-F238E27FC236}">
-                <a16:creationId xmlns:a16="http://schemas.microsoft.com/office/drawing/2014/main" xmlns="" id="{4B42E912-6EE6-4ED9-8464-431FFE36832E}"/>
+                <a16:creationId xmlns="" xmlns:a16="http://schemas.microsoft.com/office/drawing/2014/main" id="{4B42E912-6EE6-4ED9-8464-431FFE36832E}"/>
               </a:ext>
             </a:extLst>
           </p:cNvPr>
@@ -5351,7 +5351,7 @@
         <p:spPr/>
         <p:txBody>
           <a:bodyPr vert="horz" lIns="91440" tIns="45720" rIns="91440" bIns="45720" rtlCol="0" anchor="t">
-            <a:normAutofit/>
+            <a:normAutofit lnSpcReduction="10000"/>
           </a:bodyPr>
           <a:lstStyle/>
           <a:p>
@@ -5385,17 +5385,57 @@
           <a:p>
             <a:r>
               <a:rPr lang="en-US" sz="2400" b="1" dirty="0">
-                <a:ea typeface="+mn-lt"/>
-                <a:cs typeface="+mn-lt"/>
-              </a:rPr>
-              <a:t>DEFAULT </a:t>
+                <a:solidFill>
+                  <a:srgbClr val="FF0000"/>
+                </a:solidFill>
+                <a:ea typeface="+mn-lt"/>
+                <a:cs typeface="+mn-lt"/>
+              </a:rPr>
+              <a:t>DEFAULT</a:t>
+            </a:r>
+            <a:r>
+              <a:rPr lang="en-US" sz="2400" b="1" dirty="0">
+                <a:ea typeface="+mn-lt"/>
+                <a:cs typeface="+mn-lt"/>
+              </a:rPr>
+              <a:t> </a:t>
             </a:r>
             <a:r>
               <a:rPr lang="en-US" sz="2400" dirty="0">
                 <a:ea typeface="+mn-lt"/>
                 <a:cs typeface="+mn-lt"/>
               </a:rPr>
-              <a:t>– used to assign some default value to an attribute</a:t>
+              <a:t>– used to assign some default value to an </a:t>
+            </a:r>
+            <a:r>
+              <a:rPr lang="en-US" sz="2400" dirty="0" smtClean="0">
+                <a:ea typeface="+mn-lt"/>
+                <a:cs typeface="+mn-lt"/>
+              </a:rPr>
+              <a:t>attribute</a:t>
+            </a:r>
+          </a:p>
+          <a:p>
+            <a:r>
+              <a:rPr lang="en-US" sz="2400" dirty="0" smtClean="0">
+                <a:ea typeface="+mn-lt"/>
+                <a:cs typeface="+mn-lt"/>
+              </a:rPr>
+              <a:t>Default ‘</a:t>
+            </a:r>
+            <a:r>
+              <a:rPr lang="en-US" sz="2400" dirty="0" err="1" smtClean="0">
+                <a:ea typeface="+mn-lt"/>
+                <a:cs typeface="+mn-lt"/>
+              </a:rPr>
+              <a:t>ali</a:t>
+            </a:r>
+            <a:r>
+              <a:rPr lang="en-US" sz="2400" dirty="0" smtClean="0">
+                <a:ea typeface="+mn-lt"/>
+                <a:cs typeface="+mn-lt"/>
+              </a:rPr>
+              <a:t>’ ----- default 2; syntax for numbers and strings.</a:t>
             </a:r>
             <a:endParaRPr lang="en-US" sz="2400" dirty="0">
               <a:cs typeface="Calibri"/>
@@ -5404,39 +5444,63 @@
           <a:p>
             <a:r>
               <a:rPr lang="en-US" sz="2400" b="1" dirty="0">
+                <a:solidFill>
+                  <a:srgbClr val="FF0000"/>
+                </a:solidFill>
                 <a:cs typeface="Calibri"/>
               </a:rPr>
               <a:t>CHECK(</a:t>
             </a:r>
             <a:r>
               <a:rPr lang="en-US" sz="2400" b="1" dirty="0" err="1">
+                <a:solidFill>
+                  <a:srgbClr val="FF0000"/>
+                </a:solidFill>
                 <a:cs typeface="Calibri"/>
               </a:rPr>
               <a:t>Dnumber</a:t>
             </a:r>
             <a:r>
               <a:rPr lang="en-US" sz="2400" b="1" dirty="0">
+                <a:solidFill>
+                  <a:srgbClr val="FF0000"/>
+                </a:solidFill>
                 <a:cs typeface="Calibri"/>
               </a:rPr>
               <a:t> &gt; 0 AND </a:t>
             </a:r>
             <a:r>
               <a:rPr lang="en-US" sz="2400" b="1" dirty="0" err="1">
+                <a:solidFill>
+                  <a:srgbClr val="FF0000"/>
+                </a:solidFill>
                 <a:cs typeface="Calibri"/>
               </a:rPr>
               <a:t>Dnumber</a:t>
             </a:r>
             <a:r>
               <a:rPr lang="en-US" sz="2400" b="1" dirty="0">
+                <a:solidFill>
+                  <a:srgbClr val="FF0000"/>
+                </a:solidFill>
                 <a:cs typeface="Calibri"/>
               </a:rPr>
               <a:t> &lt; 21)</a:t>
+            </a:r>
+            <a:r>
+              <a:rPr lang="en-US" sz="2400" dirty="0">
+                <a:solidFill>
+                  <a:srgbClr val="FF0000"/>
+                </a:solidFill>
+                <a:cs typeface="Calibri"/>
+              </a:rPr>
+              <a:t> </a:t>
             </a:r>
             <a:r>
               <a:rPr lang="en-US" sz="2400" dirty="0">
                 <a:cs typeface="Calibri"/>
               </a:rPr>
-              <a:t> -- used to set a condition on the input value for an attribute. </a:t>
+              <a:t>-- used to set a condition on the input value for an attribute. </a:t>
             </a:r>
           </a:p>
           <a:p>
@@ -5589,7 +5653,7 @@
           <p:cNvPr id="2" name="Title 1">
             <a:extLst>
               <a:ext uri="{FF2B5EF4-FFF2-40B4-BE49-F238E27FC236}">
-                <a16:creationId xmlns:a16="http://schemas.microsoft.com/office/drawing/2014/main" xmlns="" id="{E85CEFF0-3D2C-453D-A5DE-AB8D07A8A6F0}"/>
+                <a16:creationId xmlns="" xmlns:a16="http://schemas.microsoft.com/office/drawing/2014/main" id="{E85CEFF0-3D2C-453D-A5DE-AB8D07A8A6F0}"/>
               </a:ext>
             </a:extLst>
           </p:cNvPr>
@@ -5620,7 +5684,7 @@
           <p:cNvPr id="3" name="Content Placeholder 2">
             <a:extLst>
               <a:ext uri="{FF2B5EF4-FFF2-40B4-BE49-F238E27FC236}">
-                <a16:creationId xmlns:a16="http://schemas.microsoft.com/office/drawing/2014/main" xmlns="" id="{A63C8401-45D0-4D83-91D7-00710AFFAD99}"/>
+                <a16:creationId xmlns="" xmlns:a16="http://schemas.microsoft.com/office/drawing/2014/main" id="{A63C8401-45D0-4D83-91D7-00710AFFAD99}"/>
               </a:ext>
             </a:extLst>
           </p:cNvPr>
@@ -5762,7 +5826,7 @@
           <p:cNvPr id="2" name="Title 1">
             <a:extLst>
               <a:ext uri="{FF2B5EF4-FFF2-40B4-BE49-F238E27FC236}">
-                <a16:creationId xmlns:a16="http://schemas.microsoft.com/office/drawing/2014/main" xmlns="" id="{F7D76782-2AFC-484F-86E9-79B66B50D4DE}"/>
+                <a16:creationId xmlns="" xmlns:a16="http://schemas.microsoft.com/office/drawing/2014/main" id="{F7D76782-2AFC-484F-86E9-79B66B50D4DE}"/>
               </a:ext>
             </a:extLst>
           </p:cNvPr>
@@ -5898,7 +5962,7 @@
           <p:cNvPr id="3" name="Content Placeholder 2">
             <a:extLst>
               <a:ext uri="{FF2B5EF4-FFF2-40B4-BE49-F238E27FC236}">
-                <a16:creationId xmlns:a16="http://schemas.microsoft.com/office/drawing/2014/main" xmlns="" id="{C20D2F24-DB19-4CC2-A923-66DB28D54E4E}"/>
+                <a16:creationId xmlns="" xmlns:a16="http://schemas.microsoft.com/office/drawing/2014/main" id="{C20D2F24-DB19-4CC2-A923-66DB28D54E4E}"/>
               </a:ext>
             </a:extLst>
           </p:cNvPr>
@@ -6572,7 +6636,7 @@
           <p:cNvPr id="2" name="Title 1">
             <a:extLst>
               <a:ext uri="{FF2B5EF4-FFF2-40B4-BE49-F238E27FC236}">
-                <a16:creationId xmlns:a16="http://schemas.microsoft.com/office/drawing/2014/main" xmlns="" id="{F7D76782-2AFC-484F-86E9-79B66B50D4DE}"/>
+                <a16:creationId xmlns="" xmlns:a16="http://schemas.microsoft.com/office/drawing/2014/main" id="{F7D76782-2AFC-484F-86E9-79B66B50D4DE}"/>
               </a:ext>
             </a:extLst>
           </p:cNvPr>
@@ -6608,7 +6672,7 @@
           <p:cNvPr id="3" name="Content Placeholder 2">
             <a:extLst>
               <a:ext uri="{FF2B5EF4-FFF2-40B4-BE49-F238E27FC236}">
-                <a16:creationId xmlns:a16="http://schemas.microsoft.com/office/drawing/2014/main" xmlns="" id="{C20D2F24-DB19-4CC2-A923-66DB28D54E4E}"/>
+                <a16:creationId xmlns="" xmlns:a16="http://schemas.microsoft.com/office/drawing/2014/main" id="{C20D2F24-DB19-4CC2-A923-66DB28D54E4E}"/>
               </a:ext>
             </a:extLst>
           </p:cNvPr>
@@ -7075,7 +7139,7 @@
           <p:cNvPr id="2" name="Title 1">
             <a:extLst>
               <a:ext uri="{FF2B5EF4-FFF2-40B4-BE49-F238E27FC236}">
-                <a16:creationId xmlns:a16="http://schemas.microsoft.com/office/drawing/2014/main" xmlns="" id="{320D381B-3D99-46C8-9707-78C22C2D2ED1}"/>
+                <a16:creationId xmlns="" xmlns:a16="http://schemas.microsoft.com/office/drawing/2014/main" id="{320D381B-3D99-46C8-9707-78C22C2D2ED1}"/>
               </a:ext>
             </a:extLst>
           </p:cNvPr>
@@ -7201,7 +7265,7 @@
           <p:cNvPr id="3" name="Content Placeholder 2">
             <a:extLst>
               <a:ext uri="{FF2B5EF4-FFF2-40B4-BE49-F238E27FC236}">
-                <a16:creationId xmlns:a16="http://schemas.microsoft.com/office/drawing/2014/main" xmlns="" id="{019A17D5-0F05-4B8E-B702-94AB4092493B}"/>
+                <a16:creationId xmlns="" xmlns:a16="http://schemas.microsoft.com/office/drawing/2014/main" id="{019A17D5-0F05-4B8E-B702-94AB4092493B}"/>
               </a:ext>
             </a:extLst>
           </p:cNvPr>
@@ -7680,7 +7744,7 @@
           <p:cNvPr id="2" name="Title 1">
             <a:extLst>
               <a:ext uri="{FF2B5EF4-FFF2-40B4-BE49-F238E27FC236}">
-                <a16:creationId xmlns:a16="http://schemas.microsoft.com/office/drawing/2014/main" xmlns="" id="{F7D76782-2AFC-484F-86E9-79B66B50D4DE}"/>
+                <a16:creationId xmlns="" xmlns:a16="http://schemas.microsoft.com/office/drawing/2014/main" id="{F7D76782-2AFC-484F-86E9-79B66B50D4DE}"/>
               </a:ext>
             </a:extLst>
           </p:cNvPr>
@@ -7716,7 +7780,7 @@
           <p:cNvPr id="3" name="Content Placeholder 2">
             <a:extLst>
               <a:ext uri="{FF2B5EF4-FFF2-40B4-BE49-F238E27FC236}">
-                <a16:creationId xmlns:a16="http://schemas.microsoft.com/office/drawing/2014/main" xmlns="" id="{C20D2F24-DB19-4CC2-A923-66DB28D54E4E}"/>
+                <a16:creationId xmlns="" xmlns:a16="http://schemas.microsoft.com/office/drawing/2014/main" id="{C20D2F24-DB19-4CC2-A923-66DB28D54E4E}"/>
               </a:ext>
             </a:extLst>
           </p:cNvPr>
@@ -8162,7 +8226,7 @@
           <p:cNvPr id="2" name="Title 1">
             <a:extLst>
               <a:ext uri="{FF2B5EF4-FFF2-40B4-BE49-F238E27FC236}">
-                <a16:creationId xmlns:a16="http://schemas.microsoft.com/office/drawing/2014/main" xmlns="" id="{DE786905-6EC8-49C5-BDDC-0BC7A9AFD0AC}"/>
+                <a16:creationId xmlns="" xmlns:a16="http://schemas.microsoft.com/office/drawing/2014/main" id="{DE786905-6EC8-49C5-BDDC-0BC7A9AFD0AC}"/>
               </a:ext>
             </a:extLst>
           </p:cNvPr>
@@ -8193,7 +8257,7 @@
           <p:cNvPr id="3" name="Content Placeholder 2">
             <a:extLst>
               <a:ext uri="{FF2B5EF4-FFF2-40B4-BE49-F238E27FC236}">
-                <a16:creationId xmlns:a16="http://schemas.microsoft.com/office/drawing/2014/main" xmlns="" id="{26D3D96A-2656-4B90-8937-B80FEEBB16D7}"/>
+                <a16:creationId xmlns="" xmlns:a16="http://schemas.microsoft.com/office/drawing/2014/main" id="{26D3D96A-2656-4B90-8937-B80FEEBB16D7}"/>
               </a:ext>
             </a:extLst>
           </p:cNvPr>
@@ -8565,7 +8629,7 @@
           <p:cNvPr id="2" name="Title 1">
             <a:extLst>
               <a:ext uri="{FF2B5EF4-FFF2-40B4-BE49-F238E27FC236}">
-                <a16:creationId xmlns:a16="http://schemas.microsoft.com/office/drawing/2014/main" xmlns="" id="{FCB8F87E-7282-4C3C-9043-14F188B83545}"/>
+                <a16:creationId xmlns="" xmlns:a16="http://schemas.microsoft.com/office/drawing/2014/main" id="{FCB8F87E-7282-4C3C-9043-14F188B83545}"/>
               </a:ext>
             </a:extLst>
           </p:cNvPr>
@@ -8637,7 +8701,7 @@
           <p:cNvPr id="4" name="Picture 4" descr="Diagram&#10;&#10;Description automatically generated">
             <a:extLst>
               <a:ext uri="{FF2B5EF4-FFF2-40B4-BE49-F238E27FC236}">
-                <a16:creationId xmlns:a16="http://schemas.microsoft.com/office/drawing/2014/main" xmlns="" id="{DCFFCCFC-9041-4EC0-B97F-28DBD57D4A83}"/>
+                <a16:creationId xmlns="" xmlns:a16="http://schemas.microsoft.com/office/drawing/2014/main" id="{DCFFCCFC-9041-4EC0-B97F-28DBD57D4A83}"/>
               </a:ext>
             </a:extLst>
           </p:cNvPr>
@@ -8696,7 +8760,7 @@
           <p:cNvPr id="2" name="Title 1">
             <a:extLst>
               <a:ext uri="{FF2B5EF4-FFF2-40B4-BE49-F238E27FC236}">
-                <a16:creationId xmlns:a16="http://schemas.microsoft.com/office/drawing/2014/main" xmlns="" id="{9C6804BF-4C05-4A7B-A004-1911B5722F2B}"/>
+                <a16:creationId xmlns="" xmlns:a16="http://schemas.microsoft.com/office/drawing/2014/main" id="{9C6804BF-4C05-4A7B-A004-1911B5722F2B}"/>
               </a:ext>
             </a:extLst>
           </p:cNvPr>
@@ -8727,7 +8791,7 @@
           <p:cNvPr id="3" name="Content Placeholder 2">
             <a:extLst>
               <a:ext uri="{FF2B5EF4-FFF2-40B4-BE49-F238E27FC236}">
-                <a16:creationId xmlns:a16="http://schemas.microsoft.com/office/drawing/2014/main" xmlns="" id="{2016B212-EF1B-4365-8961-2F9E25E2CD98}"/>
+                <a16:creationId xmlns="" xmlns:a16="http://schemas.microsoft.com/office/drawing/2014/main" id="{2016B212-EF1B-4365-8961-2F9E25E2CD98}"/>
               </a:ext>
             </a:extLst>
           </p:cNvPr>
@@ -8990,7 +9054,7 @@
           <p:cNvPr id="2" name="Title 1">
             <a:extLst>
               <a:ext uri="{FF2B5EF4-FFF2-40B4-BE49-F238E27FC236}">
-                <a16:creationId xmlns:a16="http://schemas.microsoft.com/office/drawing/2014/main" xmlns="" id="{B928A14C-CEC6-45CD-B427-71960C65D357}"/>
+                <a16:creationId xmlns="" xmlns:a16="http://schemas.microsoft.com/office/drawing/2014/main" id="{B928A14C-CEC6-45CD-B427-71960C65D357}"/>
               </a:ext>
             </a:extLst>
           </p:cNvPr>
@@ -9021,7 +9085,7 @@
           <p:cNvPr id="3" name="Content Placeholder 2">
             <a:extLst>
               <a:ext uri="{FF2B5EF4-FFF2-40B4-BE49-F238E27FC236}">
-                <a16:creationId xmlns:a16="http://schemas.microsoft.com/office/drawing/2014/main" xmlns="" id="{F1D13127-6A5A-4848-878B-312C7A4AB845}"/>
+                <a16:creationId xmlns="" xmlns:a16="http://schemas.microsoft.com/office/drawing/2014/main" id="{F1D13127-6A5A-4848-878B-312C7A4AB845}"/>
               </a:ext>
             </a:extLst>
           </p:cNvPr>
@@ -9155,7 +9219,7 @@
           <p:cNvPr id="483330" name="Rectangle 2">
             <a:extLst>
               <a:ext uri="{FF2B5EF4-FFF2-40B4-BE49-F238E27FC236}">
-                <a16:creationId xmlns:a16="http://schemas.microsoft.com/office/drawing/2014/main" xmlns="" id="{9A1AA394-7134-4846-94A4-420BE41D2B4F}"/>
+                <a16:creationId xmlns="" xmlns:a16="http://schemas.microsoft.com/office/drawing/2014/main" id="{9A1AA394-7134-4846-94A4-420BE41D2B4F}"/>
               </a:ext>
             </a:extLst>
           </p:cNvPr>
@@ -9191,7 +9255,7 @@
           <p:cNvPr id="27652" name="Rectangle 3">
             <a:extLst>
               <a:ext uri="{FF2B5EF4-FFF2-40B4-BE49-F238E27FC236}">
-                <a16:creationId xmlns:a16="http://schemas.microsoft.com/office/drawing/2014/main" xmlns="" id="{755B4DFC-11AF-47CF-B14A-DC7F6D9D71E5}"/>
+                <a16:creationId xmlns="" xmlns:a16="http://schemas.microsoft.com/office/drawing/2014/main" id="{755B4DFC-11AF-47CF-B14A-DC7F6D9D71E5}"/>
               </a:ext>
             </a:extLst>
           </p:cNvPr>
@@ -9318,7 +9382,7 @@
           <p:cNvPr id="485378" name="Rectangle 2">
             <a:extLst>
               <a:ext uri="{FF2B5EF4-FFF2-40B4-BE49-F238E27FC236}">
-                <a16:creationId xmlns:a16="http://schemas.microsoft.com/office/drawing/2014/main" xmlns="" id="{1A9D5343-E7F3-4992-B013-9E6BDBB3DFD0}"/>
+                <a16:creationId xmlns="" xmlns:a16="http://schemas.microsoft.com/office/drawing/2014/main" id="{1A9D5343-E7F3-4992-B013-9E6BDBB3DFD0}"/>
               </a:ext>
             </a:extLst>
           </p:cNvPr>
@@ -9354,7 +9418,7 @@
           <p:cNvPr id="28676" name="Rectangle 3">
             <a:extLst>
               <a:ext uri="{FF2B5EF4-FFF2-40B4-BE49-F238E27FC236}">
-                <a16:creationId xmlns:a16="http://schemas.microsoft.com/office/drawing/2014/main" xmlns="" id="{54F3B159-38C8-4CE6-8CA6-99298E690832}"/>
+                <a16:creationId xmlns="" xmlns:a16="http://schemas.microsoft.com/office/drawing/2014/main" id="{54F3B159-38C8-4CE6-8CA6-99298E690832}"/>
               </a:ext>
             </a:extLst>
           </p:cNvPr>
@@ -9365,7 +9429,12 @@
             <p:ph type="body" idx="1"/>
           </p:nvPr>
         </p:nvSpPr>
-        <p:spPr/>
+        <p:spPr>
+          <a:xfrm>
+            <a:off x="1097280" y="1862512"/>
+            <a:ext cx="11177098" cy="4023360"/>
+          </a:xfrm>
+        </p:spPr>
         <p:txBody>
           <a:bodyPr>
             <a:normAutofit/>
@@ -9442,6 +9511,438 @@
                 <a:srgbClr val="000000"/>
               </a:solidFill>
             </a:endParaRPr>
+          </a:p>
+        </p:txBody>
+      </p:sp>
+      <p:sp>
+        <p:nvSpPr>
+          <p:cNvPr id="3" name="Rectangle 2"/>
+          <p:cNvSpPr>
+            <a:spLocks noChangeArrowheads="1"/>
+          </p:cNvSpPr>
+          <p:nvPr/>
+        </p:nvSpPr>
+        <p:spPr bwMode="auto">
+          <a:xfrm>
+            <a:off x="248782" y="4224359"/>
+            <a:ext cx="11755396" cy="2400657"/>
+          </a:xfrm>
+          <a:prstGeom prst="rect">
+            <a:avLst/>
+          </a:prstGeom>
+          <a:solidFill>
+            <a:srgbClr val="FFFFFF"/>
+          </a:solidFill>
+          <a:ln>
+            <a:noFill/>
+          </a:ln>
+          <a:effectLst/>
+          <a:extLst>
+            <a:ext uri="{91240B29-F687-4F45-9708-019B960494DF}">
+              <a14:hiddenLine xmlns:a14="http://schemas.microsoft.com/office/drawing/2010/main" w="9525">
+                <a:solidFill>
+                  <a:schemeClr val="tx1"/>
+                </a:solidFill>
+                <a:miter lim="800000"/>
+                <a:headEnd/>
+                <a:tailEnd/>
+              </a14:hiddenLine>
+            </a:ext>
+            <a:ext uri="{AF507438-7753-43E0-B8FC-AC1667EBCBE1}">
+              <a14:hiddenEffects xmlns:a14="http://schemas.microsoft.com/office/drawing/2010/main">
+                <a:effectLst>
+                  <a:outerShdw dist="35921" dir="2700000" algn="ctr" rotWithShape="0">
+                    <a:schemeClr val="bg2"/>
+                  </a:outerShdw>
+                </a:effectLst>
+              </a14:hiddenEffects>
+            </a:ext>
+          </a:extLst>
+        </p:spPr>
+        <p:txBody>
+          <a:bodyPr vert="horz" wrap="square" lIns="91440" tIns="45720" rIns="91440" bIns="45720" numCol="1" anchor="ctr" anchorCtr="0" compatLnSpc="1">
+            <a:prstTxWarp prst="textNoShape">
+              <a:avLst/>
+            </a:prstTxWarp>
+            <a:spAutoFit/>
+          </a:bodyPr>
+          <a:lstStyle>
+            <a:lvl1pPr eaLnBrk="0" fontAlgn="base" hangingPunct="0">
+              <a:spcBef>
+                <a:spcPct val="0"/>
+              </a:spcBef>
+              <a:spcAft>
+                <a:spcPct val="0"/>
+              </a:spcAft>
+              <a:defRPr>
+                <a:solidFill>
+                  <a:schemeClr val="tx1"/>
+                </a:solidFill>
+                <a:latin typeface="Arial" panose="020B0604020202020204" pitchFamily="34" charset="0"/>
+              </a:defRPr>
+            </a:lvl1pPr>
+            <a:lvl2pPr eaLnBrk="0" fontAlgn="base" hangingPunct="0">
+              <a:spcBef>
+                <a:spcPct val="0"/>
+              </a:spcBef>
+              <a:spcAft>
+                <a:spcPct val="0"/>
+              </a:spcAft>
+              <a:defRPr>
+                <a:solidFill>
+                  <a:schemeClr val="tx1"/>
+                </a:solidFill>
+                <a:latin typeface="Arial" panose="020B0604020202020204" pitchFamily="34" charset="0"/>
+              </a:defRPr>
+            </a:lvl2pPr>
+            <a:lvl3pPr eaLnBrk="0" fontAlgn="base" hangingPunct="0">
+              <a:spcBef>
+                <a:spcPct val="0"/>
+              </a:spcBef>
+              <a:spcAft>
+                <a:spcPct val="0"/>
+              </a:spcAft>
+              <a:defRPr>
+                <a:solidFill>
+                  <a:schemeClr val="tx1"/>
+                </a:solidFill>
+                <a:latin typeface="Arial" panose="020B0604020202020204" pitchFamily="34" charset="0"/>
+              </a:defRPr>
+            </a:lvl3pPr>
+            <a:lvl4pPr eaLnBrk="0" fontAlgn="base" hangingPunct="0">
+              <a:spcBef>
+                <a:spcPct val="0"/>
+              </a:spcBef>
+              <a:spcAft>
+                <a:spcPct val="0"/>
+              </a:spcAft>
+              <a:defRPr>
+                <a:solidFill>
+                  <a:schemeClr val="tx1"/>
+                </a:solidFill>
+                <a:latin typeface="Arial" panose="020B0604020202020204" pitchFamily="34" charset="0"/>
+              </a:defRPr>
+            </a:lvl4pPr>
+            <a:lvl5pPr eaLnBrk="0" fontAlgn="base" hangingPunct="0">
+              <a:spcBef>
+                <a:spcPct val="0"/>
+              </a:spcBef>
+              <a:spcAft>
+                <a:spcPct val="0"/>
+              </a:spcAft>
+              <a:defRPr>
+                <a:solidFill>
+                  <a:schemeClr val="tx1"/>
+                </a:solidFill>
+                <a:latin typeface="Arial" panose="020B0604020202020204" pitchFamily="34" charset="0"/>
+              </a:defRPr>
+            </a:lvl5pPr>
+            <a:lvl6pPr eaLnBrk="0" fontAlgn="base" hangingPunct="0">
+              <a:spcBef>
+                <a:spcPct val="0"/>
+              </a:spcBef>
+              <a:spcAft>
+                <a:spcPct val="0"/>
+              </a:spcAft>
+              <a:defRPr>
+                <a:solidFill>
+                  <a:schemeClr val="tx1"/>
+                </a:solidFill>
+                <a:latin typeface="Arial" panose="020B0604020202020204" pitchFamily="34" charset="0"/>
+              </a:defRPr>
+            </a:lvl6pPr>
+            <a:lvl7pPr eaLnBrk="0" fontAlgn="base" hangingPunct="0">
+              <a:spcBef>
+                <a:spcPct val="0"/>
+              </a:spcBef>
+              <a:spcAft>
+                <a:spcPct val="0"/>
+              </a:spcAft>
+              <a:defRPr>
+                <a:solidFill>
+                  <a:schemeClr val="tx1"/>
+                </a:solidFill>
+                <a:latin typeface="Arial" panose="020B0604020202020204" pitchFamily="34" charset="0"/>
+              </a:defRPr>
+            </a:lvl7pPr>
+            <a:lvl8pPr eaLnBrk="0" fontAlgn="base" hangingPunct="0">
+              <a:spcBef>
+                <a:spcPct val="0"/>
+              </a:spcBef>
+              <a:spcAft>
+                <a:spcPct val="0"/>
+              </a:spcAft>
+              <a:defRPr>
+                <a:solidFill>
+                  <a:schemeClr val="tx1"/>
+                </a:solidFill>
+                <a:latin typeface="Arial" panose="020B0604020202020204" pitchFamily="34" charset="0"/>
+              </a:defRPr>
+            </a:lvl8pPr>
+            <a:lvl9pPr eaLnBrk="0" fontAlgn="base" hangingPunct="0">
+              <a:spcBef>
+                <a:spcPct val="0"/>
+              </a:spcBef>
+              <a:spcAft>
+                <a:spcPct val="0"/>
+              </a:spcAft>
+              <a:defRPr>
+                <a:solidFill>
+                  <a:schemeClr val="tx1"/>
+                </a:solidFill>
+                <a:latin typeface="Arial" panose="020B0604020202020204" pitchFamily="34" charset="0"/>
+              </a:defRPr>
+            </a:lvl9pPr>
+          </a:lstStyle>
+          <a:p>
+            <a:pPr lvl="0"/>
+            <a:r>
+              <a:rPr lang="en-US" sz="1200" dirty="0">
+                <a:solidFill>
+                  <a:srgbClr val="000000"/>
+                </a:solidFill>
+                <a:latin typeface="Verdana" panose="020B0604030504040204" pitchFamily="34" charset="0"/>
+              </a:rPr>
+              <a:t>Constraints are used to limit the type of data that can go into a table. This ensures the accuracy and reliability of the data in the table. If there is any violation between the constraint and the data action, the action is aborted.</a:t>
+            </a:r>
+            <a:endParaRPr lang="en-US" sz="1200" dirty="0"/>
+          </a:p>
+          <a:p>
+            <a:pPr lvl="0"/>
+            <a:r>
+              <a:rPr lang="en-US" sz="1200" dirty="0">
+                <a:solidFill>
+                  <a:srgbClr val="000000"/>
+                </a:solidFill>
+                <a:latin typeface="Verdana" panose="020B0604030504040204" pitchFamily="34" charset="0"/>
+              </a:rPr>
+              <a:t>Constraints can be column level or table level. Column level constraints apply to a column, and table level constraints apply to the whole table.</a:t>
+            </a:r>
+            <a:endParaRPr lang="en-US" sz="1200" dirty="0"/>
+          </a:p>
+          <a:p>
+            <a:pPr lvl="0"/>
+            <a:r>
+              <a:rPr lang="en-US" sz="1200" dirty="0">
+                <a:solidFill>
+                  <a:srgbClr val="000000"/>
+                </a:solidFill>
+                <a:latin typeface="Verdana" panose="020B0604030504040204" pitchFamily="34" charset="0"/>
+              </a:rPr>
+              <a:t>The following constraints are commonly used in SQL:</a:t>
+            </a:r>
+            <a:endParaRPr lang="en-US" sz="1200" dirty="0"/>
+          </a:p>
+          <a:p>
+            <a:pPr lvl="0">
+              <a:buFontTx/>
+              <a:buChar char="•"/>
+            </a:pPr>
+            <a:r>
+              <a:rPr lang="en-US" sz="1200" dirty="0">
+                <a:solidFill>
+                  <a:srgbClr val="DC143C"/>
+                </a:solidFill>
+                <a:latin typeface="Consolas" panose="020B0609020204030204" pitchFamily="49" charset="0"/>
+                <a:hlinkClick r:id="rId2"/>
+              </a:rPr>
+              <a:t>NOT NULL</a:t>
+            </a:r>
+            <a:r>
+              <a:rPr lang="en-US" sz="1200" dirty="0">
+                <a:solidFill>
+                  <a:srgbClr val="000000"/>
+                </a:solidFill>
+                <a:latin typeface="Verdana" panose="020B0604030504040204" pitchFamily="34" charset="0"/>
+              </a:rPr>
+              <a:t> - Ensures that a column cannot have a NULL value</a:t>
+            </a:r>
+          </a:p>
+          <a:p>
+            <a:pPr lvl="0">
+              <a:buFontTx/>
+              <a:buChar char="•"/>
+            </a:pPr>
+            <a:r>
+              <a:rPr lang="en-US" sz="1200" dirty="0">
+                <a:solidFill>
+                  <a:srgbClr val="DC143C"/>
+                </a:solidFill>
+                <a:latin typeface="Consolas" panose="020B0609020204030204" pitchFamily="49" charset="0"/>
+                <a:hlinkClick r:id="rId3"/>
+              </a:rPr>
+              <a:t>UNIQUE</a:t>
+            </a:r>
+            <a:r>
+              <a:rPr lang="en-US" sz="1200" dirty="0">
+                <a:solidFill>
+                  <a:srgbClr val="000000"/>
+                </a:solidFill>
+                <a:latin typeface="Verdana" panose="020B0604030504040204" pitchFamily="34" charset="0"/>
+              </a:rPr>
+              <a:t> - Ensures that all values in a column are different</a:t>
+            </a:r>
+          </a:p>
+          <a:p>
+            <a:pPr lvl="0">
+              <a:buFontTx/>
+              <a:buChar char="•"/>
+            </a:pPr>
+            <a:r>
+              <a:rPr lang="en-US" sz="1200" dirty="0">
+                <a:solidFill>
+                  <a:srgbClr val="DC143C"/>
+                </a:solidFill>
+                <a:latin typeface="Consolas" panose="020B0609020204030204" pitchFamily="49" charset="0"/>
+                <a:hlinkClick r:id="rId4"/>
+              </a:rPr>
+              <a:t>PRIMARY KEY</a:t>
+            </a:r>
+            <a:r>
+              <a:rPr lang="en-US" sz="1200" dirty="0">
+                <a:solidFill>
+                  <a:srgbClr val="000000"/>
+                </a:solidFill>
+                <a:latin typeface="Verdana" panose="020B0604030504040204" pitchFamily="34" charset="0"/>
+              </a:rPr>
+              <a:t> - A combination of a </a:t>
+            </a:r>
+            <a:r>
+              <a:rPr lang="en-US" sz="1200" dirty="0">
+                <a:solidFill>
+                  <a:srgbClr val="DC143C"/>
+                </a:solidFill>
+                <a:latin typeface="Consolas" panose="020B0609020204030204" pitchFamily="49" charset="0"/>
+              </a:rPr>
+              <a:t>NOT NULL</a:t>
+            </a:r>
+            <a:r>
+              <a:rPr lang="en-US" sz="1200" dirty="0">
+                <a:solidFill>
+                  <a:srgbClr val="000000"/>
+                </a:solidFill>
+                <a:latin typeface="Verdana" panose="020B0604030504040204" pitchFamily="34" charset="0"/>
+              </a:rPr>
+              <a:t> and </a:t>
+            </a:r>
+            <a:r>
+              <a:rPr lang="en-US" sz="1200" dirty="0">
+                <a:solidFill>
+                  <a:srgbClr val="DC143C"/>
+                </a:solidFill>
+                <a:latin typeface="Consolas" panose="020B0609020204030204" pitchFamily="49" charset="0"/>
+              </a:rPr>
+              <a:t>UNIQUE</a:t>
+            </a:r>
+            <a:r>
+              <a:rPr lang="en-US" sz="1200" dirty="0">
+                <a:solidFill>
+                  <a:srgbClr val="000000"/>
+                </a:solidFill>
+                <a:latin typeface="Verdana" panose="020B0604030504040204" pitchFamily="34" charset="0"/>
+              </a:rPr>
+              <a:t>. Uniquely identifies each row in a table</a:t>
+            </a:r>
+          </a:p>
+          <a:p>
+            <a:pPr lvl="0">
+              <a:buFontTx/>
+              <a:buChar char="•"/>
+            </a:pPr>
+            <a:r>
+              <a:rPr lang="en-US" sz="1200" dirty="0">
+                <a:solidFill>
+                  <a:srgbClr val="DC143C"/>
+                </a:solidFill>
+                <a:latin typeface="Consolas" panose="020B0609020204030204" pitchFamily="49" charset="0"/>
+                <a:hlinkClick r:id="rId5"/>
+              </a:rPr>
+              <a:t>FOREIGN KEY</a:t>
+            </a:r>
+            <a:r>
+              <a:rPr lang="en-US" sz="1200" dirty="0">
+                <a:solidFill>
+                  <a:srgbClr val="000000"/>
+                </a:solidFill>
+                <a:latin typeface="Verdana" panose="020B0604030504040204" pitchFamily="34" charset="0"/>
+              </a:rPr>
+              <a:t> - Prevents actions that would destroy links between tables</a:t>
+            </a:r>
+          </a:p>
+          <a:p>
+            <a:pPr lvl="0">
+              <a:buFontTx/>
+              <a:buChar char="•"/>
+            </a:pPr>
+            <a:r>
+              <a:rPr lang="en-US" dirty="0">
+                <a:solidFill>
+                  <a:srgbClr val="DC143C"/>
+                </a:solidFill>
+                <a:latin typeface="Consolas" panose="020B0609020204030204" pitchFamily="49" charset="0"/>
+                <a:hlinkClick r:id="rId6"/>
+              </a:rPr>
+              <a:t>CHECK</a:t>
+            </a:r>
+            <a:r>
+              <a:rPr lang="en-US" dirty="0">
+                <a:solidFill>
+                  <a:srgbClr val="000000"/>
+                </a:solidFill>
+                <a:latin typeface="Verdana" panose="020B0604030504040204" pitchFamily="34" charset="0"/>
+              </a:rPr>
+              <a:t> - Ensures that the values in a column satisfies a specific condition</a:t>
+            </a:r>
+          </a:p>
+          <a:p>
+            <a:pPr lvl="0">
+              <a:buFontTx/>
+              <a:buChar char="•"/>
+            </a:pPr>
+            <a:r>
+              <a:rPr lang="en-US" dirty="0">
+                <a:solidFill>
+                  <a:srgbClr val="DC143C"/>
+                </a:solidFill>
+                <a:latin typeface="Consolas" panose="020B0609020204030204" pitchFamily="49" charset="0"/>
+                <a:hlinkClick r:id="rId7"/>
+              </a:rPr>
+              <a:t>DEFAULT</a:t>
+            </a:r>
+            <a:r>
+              <a:rPr lang="en-US" dirty="0">
+                <a:solidFill>
+                  <a:srgbClr val="000000"/>
+                </a:solidFill>
+                <a:latin typeface="Verdana" panose="020B0604030504040204" pitchFamily="34" charset="0"/>
+              </a:rPr>
+              <a:t> - Sets a default value for a column if no value is specified</a:t>
+            </a:r>
+          </a:p>
+          <a:p>
+            <a:pPr lvl="0">
+              <a:buFontTx/>
+              <a:buChar char="•"/>
+            </a:pPr>
+            <a:r>
+              <a:rPr lang="en-US" dirty="0">
+                <a:solidFill>
+                  <a:srgbClr val="DC143C"/>
+                </a:solidFill>
+                <a:latin typeface="Consolas" panose="020B0609020204030204" pitchFamily="49" charset="0"/>
+                <a:hlinkClick r:id="rId8"/>
+              </a:rPr>
+              <a:t>CREATE INDEX</a:t>
+            </a:r>
+            <a:r>
+              <a:rPr lang="en-US" dirty="0">
+                <a:solidFill>
+                  <a:srgbClr val="000000"/>
+                </a:solidFill>
+                <a:latin typeface="Verdana" panose="020B0604030504040204" pitchFamily="34" charset="0"/>
+              </a:rPr>
+              <a:t> - Used to create and retrieve data from the database very quickly</a:t>
+            </a:r>
           </a:p>
         </p:txBody>
       </p:sp>
@@ -9475,7 +9976,7 @@
           <p:cNvPr id="2" name="Title 1">
             <a:extLst>
               <a:ext uri="{FF2B5EF4-FFF2-40B4-BE49-F238E27FC236}">
-                <a16:creationId xmlns:a16="http://schemas.microsoft.com/office/drawing/2014/main" xmlns="" id="{10583895-6DB9-4627-B94C-349E3347186D}"/>
+                <a16:creationId xmlns="" xmlns:a16="http://schemas.microsoft.com/office/drawing/2014/main" id="{10583895-6DB9-4627-B94C-349E3347186D}"/>
               </a:ext>
             </a:extLst>
           </p:cNvPr>
@@ -9503,7 +10004,7 @@
           <p:cNvPr id="3" name="Content Placeholder 2">
             <a:extLst>
               <a:ext uri="{FF2B5EF4-FFF2-40B4-BE49-F238E27FC236}">
-                <a16:creationId xmlns:a16="http://schemas.microsoft.com/office/drawing/2014/main" xmlns="" id="{ECA290EA-8CC5-44AE-B9AF-BA288FF4CF2B}"/>
+                <a16:creationId xmlns="" xmlns:a16="http://schemas.microsoft.com/office/drawing/2014/main" id="{ECA290EA-8CC5-44AE-B9AF-BA288FF4CF2B}"/>
               </a:ext>
             </a:extLst>
           </p:cNvPr>
@@ -9532,23 +10033,55 @@
                   <a:srgbClr val="000000"/>
                 </a:solidFill>
               </a:rPr>
-              <a:t>The new attribute will have NULLs in all the tuples of the relation right after the command is executed; hence, the NOT NULL constraint is </a:t>
+              <a:t>The new attribute will have NULLs in all the </a:t>
+            </a:r>
+            <a:r>
+              <a:rPr lang="en-US" altLang="en-US" sz="2000" dirty="0" smtClean="0">
+                <a:solidFill>
+                  <a:srgbClr val="000000"/>
+                </a:solidFill>
+              </a:rPr>
+              <a:t>tuples(row) </a:t>
+            </a:r>
+            <a:r>
+              <a:rPr lang="en-US" altLang="en-US" sz="2000" dirty="0">
+                <a:solidFill>
+                  <a:srgbClr val="000000"/>
+                </a:solidFill>
+              </a:rPr>
+              <a:t>of the relation right after the command is executed; hence, the </a:t>
+            </a:r>
+            <a:r>
+              <a:rPr lang="en-US" altLang="en-US" sz="2000" dirty="0">
+                <a:solidFill>
+                  <a:srgbClr val="FF0000"/>
+                </a:solidFill>
+              </a:rPr>
+              <a:t>NOT NULL constraint is </a:t>
             </a:r>
             <a:r>
               <a:rPr lang="en-US" altLang="en-US" sz="2000" i="1" dirty="0">
                 <a:solidFill>
+                  <a:srgbClr val="FF0000"/>
+                </a:solidFill>
+              </a:rPr>
+              <a:t>not allowed</a:t>
+            </a:r>
+            <a:r>
+              <a:rPr lang="en-US" altLang="en-US" sz="2000" dirty="0">
+                <a:solidFill>
+                  <a:srgbClr val="FF0000"/>
+                </a:solidFill>
+              </a:rPr>
+              <a:t>  </a:t>
+            </a:r>
+            <a:r>
+              <a:rPr lang="en-US" altLang="en-US" sz="2000" dirty="0">
+                <a:solidFill>
                   <a:srgbClr val="000000"/>
                 </a:solidFill>
               </a:rPr>
-              <a:t>not allowed</a:t>
-            </a:r>
-            <a:r>
-              <a:rPr lang="en-US" altLang="en-US" sz="2000" dirty="0">
-                <a:solidFill>
-                  <a:srgbClr val="000000"/>
-                </a:solidFill>
-              </a:rPr>
-              <a:t>  for such an attribute</a:t>
+              <a:t>for such an attribute</a:t>
             </a:r>
           </a:p>
           <a:p>
@@ -9585,10 +10118,34 @@
             <a:r>
               <a:rPr lang="en-US" altLang="en-US" sz="2000" b="1" dirty="0">
                 <a:solidFill>
+                  <a:srgbClr val="FF0000"/>
+                </a:solidFill>
+              </a:rPr>
+              <a:t>ALTER TABLE  </a:t>
+            </a:r>
+            <a:r>
+              <a:rPr lang="en-US" altLang="en-US" sz="2000" b="1" dirty="0">
+                <a:solidFill>
                   <a:srgbClr val="000000"/>
                 </a:solidFill>
               </a:rPr>
-              <a:t>ALTER TABLE  EMPLOYEE  ADD   JOB   VARCHAR(12);</a:t>
+              <a:t>EMPLOYEE  </a:t>
+            </a:r>
+            <a:r>
+              <a:rPr lang="en-US" altLang="en-US" sz="2000" b="1" dirty="0">
+                <a:solidFill>
+                  <a:srgbClr val="FF0000"/>
+                </a:solidFill>
+              </a:rPr>
+              <a:t>ADD</a:t>
+            </a:r>
+            <a:r>
+              <a:rPr lang="en-US" altLang="en-US" sz="2000" b="1" dirty="0">
+                <a:solidFill>
+                  <a:srgbClr val="000000"/>
+                </a:solidFill>
+              </a:rPr>
+              <a:t>   JOB   VARCHAR(12);</a:t>
             </a:r>
           </a:p>
           <a:p>
@@ -9617,10 +10174,34 @@
             <a:r>
               <a:rPr lang="en-US" altLang="en-US" sz="2000" b="1" dirty="0">
                 <a:solidFill>
+                  <a:srgbClr val="FF0000"/>
+                </a:solidFill>
+              </a:rPr>
+              <a:t>ALTER TABLE  </a:t>
+            </a:r>
+            <a:r>
+              <a:rPr lang="en-US" altLang="en-US" sz="2000" b="1" dirty="0">
+                <a:solidFill>
                   <a:srgbClr val="000000"/>
                 </a:solidFill>
               </a:rPr>
-              <a:t>ALTER TABLE  EMPLOYEE  DROP   JOB ;</a:t>
+              <a:t>EMPLOYEE  </a:t>
+            </a:r>
+            <a:r>
+              <a:rPr lang="en-US" altLang="en-US" sz="2000" b="1" dirty="0">
+                <a:solidFill>
+                  <a:srgbClr val="FF0000"/>
+                </a:solidFill>
+              </a:rPr>
+              <a:t>DROP</a:t>
+            </a:r>
+            <a:r>
+              <a:rPr lang="en-US" altLang="en-US" sz="2000" b="1" dirty="0">
+                <a:solidFill>
+                  <a:srgbClr val="000000"/>
+                </a:solidFill>
+              </a:rPr>
+              <a:t>   JOB ;</a:t>
             </a:r>
           </a:p>
         </p:txBody>
@@ -9660,7 +10241,7 @@
           <p:cNvPr id="2" name="Title 1">
             <a:extLst>
               <a:ext uri="{FF2B5EF4-FFF2-40B4-BE49-F238E27FC236}">
-                <a16:creationId xmlns:a16="http://schemas.microsoft.com/office/drawing/2014/main" xmlns="" id="{1B725207-B435-4A16-88F0-96A34418672B}"/>
+                <a16:creationId xmlns="" xmlns:a16="http://schemas.microsoft.com/office/drawing/2014/main" id="{1B725207-B435-4A16-88F0-96A34418672B}"/>
               </a:ext>
             </a:extLst>
           </p:cNvPr>
@@ -9688,7 +10269,7 @@
           <p:cNvPr id="3" name="Content Placeholder 2">
             <a:extLst>
               <a:ext uri="{FF2B5EF4-FFF2-40B4-BE49-F238E27FC236}">
-                <a16:creationId xmlns:a16="http://schemas.microsoft.com/office/drawing/2014/main" xmlns="" id="{442BB265-B270-4DEE-BD0B-73B5F4EDB70E}"/>
+                <a16:creationId xmlns="" xmlns:a16="http://schemas.microsoft.com/office/drawing/2014/main" id="{442BB265-B270-4DEE-BD0B-73B5F4EDB70E}"/>
               </a:ext>
             </a:extLst>
           </p:cNvPr>
@@ -9718,7 +10299,19 @@
           <a:p>
             <a:r>
               <a:rPr lang="en-US" dirty="0"/>
-              <a:t>ALTER TABLE student ADD Email varchar(50) FIRST; </a:t>
+              <a:t>ALTER TABLE student ADD Email varchar(50) </a:t>
+            </a:r>
+            <a:r>
+              <a:rPr lang="en-US" dirty="0">
+                <a:solidFill>
+                  <a:srgbClr val="FF0000"/>
+                </a:solidFill>
+              </a:rPr>
+              <a:t>FIRST</a:t>
+            </a:r>
+            <a:r>
+              <a:rPr lang="en-US" dirty="0"/>
+              <a:t>; </a:t>
             </a:r>
           </a:p>
           <a:p>
@@ -9730,7 +10323,19 @@
           <a:p>
             <a:r>
               <a:rPr lang="en-US" dirty="0"/>
-              <a:t>ALTER TABLE student ADD Email varchar(50) AFTER Sid; </a:t>
+              <a:t>ALTER TABLE student ADD Email varchar(50) </a:t>
+            </a:r>
+            <a:r>
+              <a:rPr lang="en-US" dirty="0">
+                <a:solidFill>
+                  <a:srgbClr val="FF0000"/>
+                </a:solidFill>
+              </a:rPr>
+              <a:t>AFTER Sid</a:t>
+            </a:r>
+            <a:r>
+              <a:rPr lang="en-US" dirty="0"/>
+              <a:t>; </a:t>
             </a:r>
           </a:p>
           <a:p>
@@ -9743,7 +10348,7 @@
           <p:cNvPr id="6" name="TextBox 5">
             <a:extLst>
               <a:ext uri="{FF2B5EF4-FFF2-40B4-BE49-F238E27FC236}">
-                <a16:creationId xmlns:a16="http://schemas.microsoft.com/office/drawing/2014/main" xmlns="" id="{2F8068FF-0A27-4BAE-94EA-06BD9B4EA040}"/>
+                <a16:creationId xmlns="" xmlns:a16="http://schemas.microsoft.com/office/drawing/2014/main" id="{2F8068FF-0A27-4BAE-94EA-06BD9B4EA040}"/>
               </a:ext>
             </a:extLst>
           </p:cNvPr>
@@ -9779,7 +10384,7 @@
           <p:cNvPr id="7" name="Table 9">
             <a:extLst>
               <a:ext uri="{FF2B5EF4-FFF2-40B4-BE49-F238E27FC236}">
-                <a16:creationId xmlns:a16="http://schemas.microsoft.com/office/drawing/2014/main" xmlns="" id="{BC547B9E-BCF4-457C-B7A5-9BFD94C46369}"/>
+                <a16:creationId xmlns="" xmlns:a16="http://schemas.microsoft.com/office/drawing/2014/main" id="{BC547B9E-BCF4-457C-B7A5-9BFD94C46369}"/>
               </a:ext>
             </a:extLst>
           </p:cNvPr>
@@ -9808,21 +10413,21 @@
                 <a:gridCol w="1140431">
                   <a:extLst>
                     <a:ext uri="{9D8B030D-6E8A-4147-A177-3AD203B41FA5}">
-                      <a16:colId xmlns:a16="http://schemas.microsoft.com/office/drawing/2014/main" xmlns="" val="2247279278"/>
+                      <a16:colId xmlns="" xmlns:a16="http://schemas.microsoft.com/office/drawing/2014/main" val="2247279278"/>
                     </a:ext>
                   </a:extLst>
                 </a:gridCol>
                 <a:gridCol w="1140431">
                   <a:extLst>
                     <a:ext uri="{9D8B030D-6E8A-4147-A177-3AD203B41FA5}">
-                      <a16:colId xmlns:a16="http://schemas.microsoft.com/office/drawing/2014/main" xmlns="" val="691657574"/>
+                      <a16:colId xmlns="" xmlns:a16="http://schemas.microsoft.com/office/drawing/2014/main" val="691657574"/>
                     </a:ext>
                   </a:extLst>
                 </a:gridCol>
                 <a:gridCol w="1140431">
                   <a:extLst>
                     <a:ext uri="{9D8B030D-6E8A-4147-A177-3AD203B41FA5}">
-                      <a16:colId xmlns:a16="http://schemas.microsoft.com/office/drawing/2014/main" xmlns="" val="2517726121"/>
+                      <a16:colId xmlns="" xmlns:a16="http://schemas.microsoft.com/office/drawing/2014/main" val="2517726121"/>
                     </a:ext>
                   </a:extLst>
                 </a:gridCol>
@@ -9869,7 +10474,7 @@
                 </a:tc>
                 <a:extLst>
                   <a:ext uri="{0D108BD9-81ED-4DB2-BD59-A6C34878D82A}">
-                    <a16:rowId xmlns:a16="http://schemas.microsoft.com/office/drawing/2014/main" xmlns="" val="370146383"/>
+                    <a16:rowId xmlns="" xmlns:a16="http://schemas.microsoft.com/office/drawing/2014/main" val="370146383"/>
                   </a:ext>
                 </a:extLst>
               </a:tr>
@@ -9912,7 +10517,7 @@
           <p:cNvPr id="2" name="Title 1">
             <a:extLst>
               <a:ext uri="{FF2B5EF4-FFF2-40B4-BE49-F238E27FC236}">
-                <a16:creationId xmlns:a16="http://schemas.microsoft.com/office/drawing/2014/main" xmlns="" id="{1B725207-B435-4A16-88F0-96A34418672B}"/>
+                <a16:creationId xmlns="" xmlns:a16="http://schemas.microsoft.com/office/drawing/2014/main" id="{1B725207-B435-4A16-88F0-96A34418672B}"/>
               </a:ext>
             </a:extLst>
           </p:cNvPr>
@@ -9940,7 +10545,7 @@
           <p:cNvPr id="3" name="Content Placeholder 2">
             <a:extLst>
               <a:ext uri="{FF2B5EF4-FFF2-40B4-BE49-F238E27FC236}">
-                <a16:creationId xmlns:a16="http://schemas.microsoft.com/office/drawing/2014/main" xmlns="" id="{442BB265-B270-4DEE-BD0B-73B5F4EDB70E}"/>
+                <a16:creationId xmlns="" xmlns:a16="http://schemas.microsoft.com/office/drawing/2014/main" id="{442BB265-B270-4DEE-BD0B-73B5F4EDB70E}"/>
               </a:ext>
             </a:extLst>
           </p:cNvPr>
@@ -9951,7 +10556,12 @@
             <p:ph idx="1"/>
           </p:nvPr>
         </p:nvSpPr>
-        <p:spPr/>
+        <p:spPr>
+          <a:xfrm>
+            <a:off x="1443269" y="1821021"/>
+            <a:ext cx="10058400" cy="4023360"/>
+          </a:xfrm>
+        </p:spPr>
         <p:txBody>
           <a:bodyPr/>
           <a:lstStyle/>
@@ -9963,8 +10573,40 @@
           </a:p>
           <a:p>
             <a:r>
+              <a:rPr lang="en-US" dirty="0">
+                <a:solidFill>
+                  <a:srgbClr val="FF0000"/>
+                </a:solidFill>
+              </a:rPr>
+              <a:t>ALTER TABLE</a:t>
+            </a:r>
+            <a:r>
               <a:rPr lang="en-US" dirty="0"/>
-              <a:t>ALTER TABLE student Modify Email varchar(100); </a:t>
+              <a:t> student </a:t>
+            </a:r>
+            <a:r>
+              <a:rPr lang="en-US" dirty="0">
+                <a:solidFill>
+                  <a:srgbClr val="FF0000"/>
+                </a:solidFill>
+              </a:rPr>
+              <a:t>Modify</a:t>
+            </a:r>
+            <a:r>
+              <a:rPr lang="en-US" dirty="0"/>
+              <a:t> Email </a:t>
+            </a:r>
+            <a:r>
+              <a:rPr lang="en-US" dirty="0">
+                <a:solidFill>
+                  <a:srgbClr val="FF0000"/>
+                </a:solidFill>
+              </a:rPr>
+              <a:t>varchar(100)</a:t>
+            </a:r>
+            <a:r>
+              <a:rPr lang="en-US" dirty="0"/>
+              <a:t>; </a:t>
             </a:r>
           </a:p>
           <a:p>
@@ -9976,7 +10618,19 @@
           <a:p>
             <a:r>
               <a:rPr lang="en-US" dirty="0"/>
-              <a:t>ALTER TABLE student Change Email </a:t>
+              <a:t>ALTER TABLE student </a:t>
+            </a:r>
+            <a:r>
+              <a:rPr lang="en-US" dirty="0">
+                <a:solidFill>
+                  <a:srgbClr val="FF0000"/>
+                </a:solidFill>
+              </a:rPr>
+              <a:t>Change</a:t>
+            </a:r>
+            <a:r>
+              <a:rPr lang="en-US" dirty="0"/>
+              <a:t> Email </a:t>
             </a:r>
             <a:r>
               <a:rPr lang="en-US" dirty="0" err="1"/>
@@ -9992,7 +10646,11 @@
               <a:buNone/>
             </a:pPr>
             <a:r>
-              <a:rPr lang="en-US" dirty="0"/>
+              <a:rPr lang="en-US" dirty="0">
+                <a:solidFill>
+                  <a:srgbClr val="FF0000"/>
+                </a:solidFill>
+              </a:rPr>
               <a:t>Change command can change both datatype and name.</a:t>
             </a:r>
           </a:p>
@@ -10038,7 +10696,7 @@
           <p:cNvPr id="6" name="TextBox 5">
             <a:extLst>
               <a:ext uri="{FF2B5EF4-FFF2-40B4-BE49-F238E27FC236}">
-                <a16:creationId xmlns:a16="http://schemas.microsoft.com/office/drawing/2014/main" xmlns="" id="{2F8068FF-0A27-4BAE-94EA-06BD9B4EA040}"/>
+                <a16:creationId xmlns="" xmlns:a16="http://schemas.microsoft.com/office/drawing/2014/main" id="{2F8068FF-0A27-4BAE-94EA-06BD9B4EA040}"/>
               </a:ext>
             </a:extLst>
           </p:cNvPr>
@@ -10074,7 +10732,7 @@
           <p:cNvPr id="7" name="Table 9">
             <a:extLst>
               <a:ext uri="{FF2B5EF4-FFF2-40B4-BE49-F238E27FC236}">
-                <a16:creationId xmlns:a16="http://schemas.microsoft.com/office/drawing/2014/main" xmlns="" id="{BC547B9E-BCF4-457C-B7A5-9BFD94C46369}"/>
+                <a16:creationId xmlns="" xmlns:a16="http://schemas.microsoft.com/office/drawing/2014/main" id="{BC547B9E-BCF4-457C-B7A5-9BFD94C46369}"/>
               </a:ext>
             </a:extLst>
           </p:cNvPr>
@@ -10097,21 +10755,21 @@
                 <a:gridCol w="1140431">
                   <a:extLst>
                     <a:ext uri="{9D8B030D-6E8A-4147-A177-3AD203B41FA5}">
-                      <a16:colId xmlns:a16="http://schemas.microsoft.com/office/drawing/2014/main" xmlns="" val="2247279278"/>
+                      <a16:colId xmlns="" xmlns:a16="http://schemas.microsoft.com/office/drawing/2014/main" val="2247279278"/>
                     </a:ext>
                   </a:extLst>
                 </a:gridCol>
                 <a:gridCol w="1140431">
                   <a:extLst>
                     <a:ext uri="{9D8B030D-6E8A-4147-A177-3AD203B41FA5}">
-                      <a16:colId xmlns:a16="http://schemas.microsoft.com/office/drawing/2014/main" xmlns="" val="691657574"/>
+                      <a16:colId xmlns="" xmlns:a16="http://schemas.microsoft.com/office/drawing/2014/main" val="691657574"/>
                     </a:ext>
                   </a:extLst>
                 </a:gridCol>
                 <a:gridCol w="1140431">
                   <a:extLst>
                     <a:ext uri="{9D8B030D-6E8A-4147-A177-3AD203B41FA5}">
-                      <a16:colId xmlns:a16="http://schemas.microsoft.com/office/drawing/2014/main" xmlns="" val="2517726121"/>
+                      <a16:colId xmlns="" xmlns:a16="http://schemas.microsoft.com/office/drawing/2014/main" val="2517726121"/>
                     </a:ext>
                   </a:extLst>
                 </a:gridCol>
@@ -10158,7 +10816,7 @@
                 </a:tc>
                 <a:extLst>
                   <a:ext uri="{0D108BD9-81ED-4DB2-BD59-A6C34878D82A}">
-                    <a16:rowId xmlns:a16="http://schemas.microsoft.com/office/drawing/2014/main" xmlns="" val="370146383"/>
+                    <a16:rowId xmlns="" xmlns:a16="http://schemas.microsoft.com/office/drawing/2014/main" val="370146383"/>
                   </a:ext>
                 </a:extLst>
               </a:tr>
@@ -10201,7 +10859,7 @@
           <p:cNvPr id="2" name="Title 1">
             <a:extLst>
               <a:ext uri="{FF2B5EF4-FFF2-40B4-BE49-F238E27FC236}">
-                <a16:creationId xmlns:a16="http://schemas.microsoft.com/office/drawing/2014/main" xmlns="" id="{1B725207-B435-4A16-88F0-96A34418672B}"/>
+                <a16:creationId xmlns="" xmlns:a16="http://schemas.microsoft.com/office/drawing/2014/main" id="{1B725207-B435-4A16-88F0-96A34418672B}"/>
               </a:ext>
             </a:extLst>
           </p:cNvPr>
@@ -10234,7 +10892,7 @@
           <p:cNvPr id="3" name="Content Placeholder 2">
             <a:extLst>
               <a:ext uri="{FF2B5EF4-FFF2-40B4-BE49-F238E27FC236}">
-                <a16:creationId xmlns:a16="http://schemas.microsoft.com/office/drawing/2014/main" xmlns="" id="{442BB265-B270-4DEE-BD0B-73B5F4EDB70E}"/>
+                <a16:creationId xmlns="" xmlns:a16="http://schemas.microsoft.com/office/drawing/2014/main" id="{442BB265-B270-4DEE-BD0B-73B5F4EDB70E}"/>
               </a:ext>
             </a:extLst>
           </p:cNvPr>
@@ -10248,7 +10906,7 @@
         <p:spPr/>
         <p:txBody>
           <a:bodyPr>
-            <a:normAutofit fontScale="92500" lnSpcReduction="10000"/>
+            <a:normAutofit/>
           </a:bodyPr>
           <a:lstStyle/>
           <a:p>
@@ -10259,48 +10917,78 @@
           </a:p>
           <a:p>
             <a:r>
-              <a:rPr lang="en-US" dirty="0"/>
-              <a:t> </a:t>
-            </a:r>
-          </a:p>
-          <a:p>
-            <a:endParaRPr lang="en-US" dirty="0"/>
-          </a:p>
-          <a:p>
-            <a:r>
-              <a:rPr lang="en-US" sz="2100" dirty="0"/>
+              <a:rPr lang="en-US" sz="1100" dirty="0"/>
               <a:t>ALTER TABLE student  MODIFY Address Text NOT NULL DEFAULT ‘LAHORE’; </a:t>
             </a:r>
+            <a:endParaRPr lang="en-US" sz="1100" dirty="0" smtClean="0"/>
+          </a:p>
+          <a:p>
+            <a:pPr marL="201168" lvl="1" indent="0">
+              <a:buNone/>
+            </a:pPr>
+            <a:r>
+              <a:rPr lang="en-US" sz="1100" dirty="0" smtClean="0"/>
+              <a:t>TEXT DATATYPE IN MYSQL.</a:t>
+            </a:r>
+            <a:endParaRPr lang="en-US" sz="1100" dirty="0"/>
+          </a:p>
+          <a:p>
+            <a:endParaRPr lang="en-US" sz="1100" dirty="0"/>
+          </a:p>
+          <a:p>
+            <a:r>
+              <a:rPr lang="en-US" sz="1100" dirty="0"/>
+              <a:t>TO change Default value: </a:t>
+            </a:r>
+          </a:p>
+          <a:p>
+            <a:r>
+              <a:rPr lang="en-US" sz="1100" dirty="0"/>
+              <a:t>ALTER TABLE student </a:t>
+            </a:r>
+            <a:r>
+              <a:rPr lang="en-US" sz="1100" dirty="0">
+                <a:solidFill>
+                  <a:srgbClr val="FF0000"/>
+                </a:solidFill>
+              </a:rPr>
+              <a:t>ALTER Address SET DEFAULT</a:t>
+            </a:r>
+            <a:r>
+              <a:rPr lang="en-US" sz="1100" dirty="0"/>
+              <a:t> ’KARACHI’;</a:t>
+            </a:r>
+          </a:p>
+          <a:p>
+            <a:endParaRPr lang="en-US" sz="1100" dirty="0"/>
+          </a:p>
+          <a:p>
+            <a:r>
+              <a:rPr lang="en-US" sz="1100" dirty="0"/>
+              <a:t>You can remove default constraint from any column:</a:t>
+            </a:r>
+          </a:p>
+          <a:p>
+            <a:r>
+              <a:rPr lang="en-US" sz="1100" dirty="0"/>
+              <a:t>ALTER TABLE student </a:t>
+            </a:r>
+            <a:r>
+              <a:rPr lang="en-US" sz="1100" dirty="0">
+                <a:solidFill>
+                  <a:srgbClr val="FF0000"/>
+                </a:solidFill>
+              </a:rPr>
+              <a:t>ALTER Address drop default</a:t>
+            </a:r>
+            <a:r>
+              <a:rPr lang="en-US" sz="1100" dirty="0"/>
+              <a:t>; </a:t>
+            </a:r>
+            <a:endParaRPr lang="en-US" sz="1100" dirty="0" smtClean="0"/>
           </a:p>
           <a:p>
             <a:endParaRPr lang="en-US" sz="2100" dirty="0"/>
-          </a:p>
-          <a:p>
-            <a:r>
-              <a:rPr lang="en-US" sz="2100" dirty="0"/>
-              <a:t>TO change Default value: </a:t>
-            </a:r>
-          </a:p>
-          <a:p>
-            <a:r>
-              <a:rPr lang="en-US" sz="2100" dirty="0"/>
-              <a:t>ALTER TABLE student ALTER Address SET DEFAULT ’KARACHI’;</a:t>
-            </a:r>
-          </a:p>
-          <a:p>
-            <a:endParaRPr lang="en-US" sz="2100" dirty="0"/>
-          </a:p>
-          <a:p>
-            <a:r>
-              <a:rPr lang="en-US" sz="2100" dirty="0"/>
-              <a:t>You can remove default constraint from any column:</a:t>
-            </a:r>
-          </a:p>
-          <a:p>
-            <a:r>
-              <a:rPr lang="en-US" sz="2100" dirty="0"/>
-              <a:t>ALTER TABLE student ALTER Address drop default; </a:t>
-            </a:r>
           </a:p>
         </p:txBody>
       </p:sp>
@@ -10309,7 +10997,7 @@
           <p:cNvPr id="6" name="TextBox 5">
             <a:extLst>
               <a:ext uri="{FF2B5EF4-FFF2-40B4-BE49-F238E27FC236}">
-                <a16:creationId xmlns:a16="http://schemas.microsoft.com/office/drawing/2014/main" xmlns="" id="{2F8068FF-0A27-4BAE-94EA-06BD9B4EA040}"/>
+                <a16:creationId xmlns="" xmlns:a16="http://schemas.microsoft.com/office/drawing/2014/main" id="{2F8068FF-0A27-4BAE-94EA-06BD9B4EA040}"/>
               </a:ext>
             </a:extLst>
           </p:cNvPr>
@@ -10345,7 +11033,7 @@
           <p:cNvPr id="7" name="Table 9">
             <a:extLst>
               <a:ext uri="{FF2B5EF4-FFF2-40B4-BE49-F238E27FC236}">
-                <a16:creationId xmlns:a16="http://schemas.microsoft.com/office/drawing/2014/main" xmlns="" id="{BC547B9E-BCF4-457C-B7A5-9BFD94C46369}"/>
+                <a16:creationId xmlns="" xmlns:a16="http://schemas.microsoft.com/office/drawing/2014/main" id="{BC547B9E-BCF4-457C-B7A5-9BFD94C46369}"/>
               </a:ext>
             </a:extLst>
           </p:cNvPr>
@@ -10368,21 +11056,21 @@
                 <a:gridCol w="1140431">
                   <a:extLst>
                     <a:ext uri="{9D8B030D-6E8A-4147-A177-3AD203B41FA5}">
-                      <a16:colId xmlns:a16="http://schemas.microsoft.com/office/drawing/2014/main" xmlns="" val="2247279278"/>
+                      <a16:colId xmlns="" xmlns:a16="http://schemas.microsoft.com/office/drawing/2014/main" val="2247279278"/>
                     </a:ext>
                   </a:extLst>
                 </a:gridCol>
                 <a:gridCol w="1140431">
                   <a:extLst>
                     <a:ext uri="{9D8B030D-6E8A-4147-A177-3AD203B41FA5}">
-                      <a16:colId xmlns:a16="http://schemas.microsoft.com/office/drawing/2014/main" xmlns="" val="691657574"/>
+                      <a16:colId xmlns="" xmlns:a16="http://schemas.microsoft.com/office/drawing/2014/main" val="691657574"/>
                     </a:ext>
                   </a:extLst>
                 </a:gridCol>
                 <a:gridCol w="1140431">
                   <a:extLst>
                     <a:ext uri="{9D8B030D-6E8A-4147-A177-3AD203B41FA5}">
-                      <a16:colId xmlns:a16="http://schemas.microsoft.com/office/drawing/2014/main" xmlns="" val="2517726121"/>
+                      <a16:colId xmlns="" xmlns:a16="http://schemas.microsoft.com/office/drawing/2014/main" val="2517726121"/>
                     </a:ext>
                   </a:extLst>
                 </a:gridCol>
@@ -10429,7 +11117,7 @@
                 </a:tc>
                 <a:extLst>
                   <a:ext uri="{0D108BD9-81ED-4DB2-BD59-A6C34878D82A}">
-                    <a16:rowId xmlns:a16="http://schemas.microsoft.com/office/drawing/2014/main" xmlns="" val="370146383"/>
+                    <a16:rowId xmlns="" xmlns:a16="http://schemas.microsoft.com/office/drawing/2014/main" val="370146383"/>
                   </a:ext>
                 </a:extLst>
               </a:tr>
@@ -10437,6 +11125,417 @@
           </a:graphicData>
         </a:graphic>
       </p:graphicFrame>
+      <p:sp>
+        <p:nvSpPr>
+          <p:cNvPr id="4" name="Rectangle 1"/>
+          <p:cNvSpPr>
+            <a:spLocks noChangeArrowheads="1"/>
+          </p:cNvSpPr>
+          <p:nvPr/>
+        </p:nvSpPr>
+        <p:spPr bwMode="auto">
+          <a:xfrm>
+            <a:off x="1097280" y="4730321"/>
+            <a:ext cx="8132354" cy="1138773"/>
+          </a:xfrm>
+          <a:prstGeom prst="rect">
+            <a:avLst/>
+          </a:prstGeom>
+          <a:noFill/>
+          <a:ln>
+            <a:noFill/>
+          </a:ln>
+          <a:effectLst/>
+          <a:extLst>
+            <a:ext uri="{909E8E84-426E-40DD-AFC4-6F175D3DCCD1}">
+              <a14:hiddenFill xmlns:a14="http://schemas.microsoft.com/office/drawing/2010/main">
+                <a:solidFill>
+                  <a:schemeClr val="accent1"/>
+                </a:solidFill>
+              </a14:hiddenFill>
+            </a:ext>
+            <a:ext uri="{91240B29-F687-4F45-9708-019B960494DF}">
+              <a14:hiddenLine xmlns:a14="http://schemas.microsoft.com/office/drawing/2010/main" w="9525">
+                <a:solidFill>
+                  <a:schemeClr val="tx1"/>
+                </a:solidFill>
+                <a:miter lim="800000"/>
+                <a:headEnd/>
+                <a:tailEnd/>
+              </a14:hiddenLine>
+            </a:ext>
+            <a:ext uri="{AF507438-7753-43E0-B8FC-AC1667EBCBE1}">
+              <a14:hiddenEffects xmlns:a14="http://schemas.microsoft.com/office/drawing/2010/main">
+                <a:effectLst>
+                  <a:outerShdw dist="35921" dir="2700000" algn="ctr" rotWithShape="0">
+                    <a:schemeClr val="bg2"/>
+                  </a:outerShdw>
+                </a:effectLst>
+              </a14:hiddenEffects>
+            </a:ext>
+          </a:extLst>
+        </p:spPr>
+        <p:txBody>
+          <a:bodyPr vert="horz" wrap="none" lIns="91440" tIns="45720" rIns="91440" bIns="45720" numCol="1" anchor="ctr" anchorCtr="0" compatLnSpc="1">
+            <a:prstTxWarp prst="textNoShape">
+              <a:avLst/>
+            </a:prstTxWarp>
+            <a:spAutoFit/>
+          </a:bodyPr>
+          <a:lstStyle/>
+          <a:p>
+            <a:pPr marL="0" marR="0" lvl="0" indent="0" algn="l" defTabSz="914400" rtl="0" eaLnBrk="0" fontAlgn="base" latinLnBrk="0" hangingPunct="0">
+              <a:lnSpc>
+                <a:spcPct val="100000"/>
+              </a:lnSpc>
+              <a:spcBef>
+                <a:spcPct val="0"/>
+              </a:spcBef>
+              <a:spcAft>
+                <a:spcPct val="0"/>
+              </a:spcAft>
+              <a:buClrTx/>
+              <a:buSzTx/>
+              <a:buFontTx/>
+              <a:buNone/>
+              <a:tabLst/>
+            </a:pPr>
+            <a:r>
+              <a:rPr kumimoji="0" lang="en-US" sz="1000" b="1" i="0" u="none" strike="noStrike" cap="none" normalizeH="0" baseline="0" dirty="0" smtClean="0">
+                <a:ln>
+                  <a:noFill/>
+                </a:ln>
+                <a:solidFill>
+                  <a:schemeClr val="tx1"/>
+                </a:solidFill>
+                <a:effectLst/>
+                <a:latin typeface="Arial" panose="020B0604020202020204" pitchFamily="34" charset="0"/>
+              </a:rPr>
+              <a:t>Can Both Be Used to Drop the Default?</a:t>
+            </a:r>
+          </a:p>
+          <a:p>
+            <a:pPr marL="0" marR="0" lvl="0" indent="0" algn="l" defTabSz="914400" rtl="0" eaLnBrk="0" fontAlgn="base" latinLnBrk="0" hangingPunct="0">
+              <a:lnSpc>
+                <a:spcPct val="100000"/>
+              </a:lnSpc>
+              <a:spcBef>
+                <a:spcPct val="0"/>
+              </a:spcBef>
+              <a:spcAft>
+                <a:spcPct val="0"/>
+              </a:spcAft>
+              <a:buClrTx/>
+              <a:buSzTx/>
+              <a:buFontTx/>
+              <a:buChar char="•"/>
+              <a:tabLst/>
+            </a:pPr>
+            <a:r>
+              <a:rPr kumimoji="0" lang="en-US" sz="1000" b="1" i="0" u="none" strike="noStrike" cap="none" normalizeH="0" baseline="0" dirty="0" smtClean="0">
+                <a:ln>
+                  <a:noFill/>
+                </a:ln>
+                <a:solidFill>
+                  <a:schemeClr val="tx1"/>
+                </a:solidFill>
+                <a:effectLst/>
+                <a:latin typeface="Arial" panose="020B0604020202020204" pitchFamily="34" charset="0"/>
+              </a:rPr>
+              <a:t>Yes, in MySQL</a:t>
+            </a:r>
+            <a:r>
+              <a:rPr kumimoji="0" lang="en-US" sz="1000" b="0" i="0" u="none" strike="noStrike" cap="none" normalizeH="0" baseline="0" dirty="0" smtClean="0">
+                <a:ln>
+                  <a:noFill/>
+                </a:ln>
+                <a:solidFill>
+                  <a:schemeClr val="tx1"/>
+                </a:solidFill>
+                <a:effectLst/>
+                <a:latin typeface="Arial" panose="020B0604020202020204" pitchFamily="34" charset="0"/>
+              </a:rPr>
+              <a:t>, both methods can effectively drop the default value:</a:t>
+            </a:r>
+          </a:p>
+          <a:p>
+            <a:pPr marL="457200" marR="0" lvl="1" indent="0" algn="l" defTabSz="914400" rtl="0" eaLnBrk="0" fontAlgn="base" latinLnBrk="0" hangingPunct="0">
+              <a:lnSpc>
+                <a:spcPct val="100000"/>
+              </a:lnSpc>
+              <a:spcBef>
+                <a:spcPct val="0"/>
+              </a:spcBef>
+              <a:spcAft>
+                <a:spcPct val="0"/>
+              </a:spcAft>
+              <a:buClrTx/>
+              <a:buSzTx/>
+              <a:buFontTx/>
+              <a:buChar char="•"/>
+              <a:tabLst/>
+            </a:pPr>
+            <a:r>
+              <a:rPr kumimoji="0" lang="en-US" sz="1000" b="0" i="0" u="none" strike="noStrike" cap="none" normalizeH="0" baseline="0" dirty="0" smtClean="0">
+                <a:ln>
+                  <a:noFill/>
+                </a:ln>
+                <a:solidFill>
+                  <a:schemeClr val="tx1"/>
+                </a:solidFill>
+                <a:effectLst/>
+                <a:latin typeface="Arial Unicode MS" panose="020B0604020202020204" pitchFamily="34" charset="-128"/>
+              </a:rPr>
+              <a:t>ALTER COLUMN Address DROP DEFAULT</a:t>
+            </a:r>
+            <a:r>
+              <a:rPr kumimoji="0" lang="en-US" sz="1000" b="0" i="0" u="none" strike="noStrike" cap="none" normalizeH="0" baseline="0" dirty="0" smtClean="0">
+                <a:ln>
+                  <a:noFill/>
+                </a:ln>
+                <a:solidFill>
+                  <a:schemeClr val="tx1"/>
+                </a:solidFill>
+                <a:effectLst/>
+              </a:rPr>
+              <a:t>: Explicitly removes the default value.</a:t>
+            </a:r>
+            <a:endParaRPr kumimoji="0" lang="en-US" sz="1000" b="0" i="0" u="none" strike="noStrike" cap="none" normalizeH="0" baseline="0" dirty="0" smtClean="0">
+              <a:ln>
+                <a:noFill/>
+              </a:ln>
+              <a:solidFill>
+                <a:schemeClr val="tx1"/>
+              </a:solidFill>
+              <a:effectLst/>
+              <a:latin typeface="Arial" panose="020B0604020202020204" pitchFamily="34" charset="0"/>
+            </a:endParaRPr>
+          </a:p>
+          <a:p>
+            <a:pPr marL="457200" marR="0" lvl="1" indent="0" algn="l" defTabSz="914400" rtl="0" eaLnBrk="0" fontAlgn="base" latinLnBrk="0" hangingPunct="0">
+              <a:lnSpc>
+                <a:spcPct val="100000"/>
+              </a:lnSpc>
+              <a:spcBef>
+                <a:spcPct val="0"/>
+              </a:spcBef>
+              <a:spcAft>
+                <a:spcPct val="0"/>
+              </a:spcAft>
+              <a:buClrTx/>
+              <a:buSzTx/>
+              <a:buFontTx/>
+              <a:buChar char="•"/>
+              <a:tabLst/>
+            </a:pPr>
+            <a:r>
+              <a:rPr kumimoji="0" lang="en-US" sz="1000" b="0" i="0" u="none" strike="noStrike" cap="none" normalizeH="0" baseline="0" dirty="0" smtClean="0">
+                <a:ln>
+                  <a:noFill/>
+                </a:ln>
+                <a:solidFill>
+                  <a:schemeClr val="tx1"/>
+                </a:solidFill>
+                <a:effectLst/>
+                <a:latin typeface="Arial Unicode MS" panose="020B0604020202020204" pitchFamily="34" charset="-128"/>
+              </a:rPr>
+              <a:t>MODIFY Address TEXT</a:t>
+            </a:r>
+            <a:r>
+              <a:rPr kumimoji="0" lang="en-US" sz="1000" b="0" i="0" u="none" strike="noStrike" cap="none" normalizeH="0" baseline="0" dirty="0" smtClean="0">
+                <a:ln>
+                  <a:noFill/>
+                </a:ln>
+                <a:solidFill>
+                  <a:schemeClr val="tx1"/>
+                </a:solidFill>
+                <a:effectLst/>
+              </a:rPr>
+              <a:t>: Redefines the column without a default value, which also removes the default.</a:t>
+            </a:r>
+            <a:endParaRPr kumimoji="0" lang="en-US" sz="1000" b="0" i="0" u="none" strike="noStrike" cap="none" normalizeH="0" baseline="0" dirty="0" smtClean="0">
+              <a:ln>
+                <a:noFill/>
+              </a:ln>
+              <a:solidFill>
+                <a:schemeClr val="tx1"/>
+              </a:solidFill>
+              <a:effectLst/>
+              <a:latin typeface="Arial" panose="020B0604020202020204" pitchFamily="34" charset="0"/>
+            </a:endParaRPr>
+          </a:p>
+          <a:p>
+            <a:pPr marL="0" marR="0" lvl="0" indent="0" algn="l" defTabSz="914400" rtl="0" eaLnBrk="0" fontAlgn="base" latinLnBrk="0" hangingPunct="0">
+              <a:lnSpc>
+                <a:spcPct val="100000"/>
+              </a:lnSpc>
+              <a:spcBef>
+                <a:spcPct val="0"/>
+              </a:spcBef>
+              <a:spcAft>
+                <a:spcPct val="0"/>
+              </a:spcAft>
+              <a:buClrTx/>
+              <a:buSzTx/>
+              <a:buFontTx/>
+              <a:buChar char="•"/>
+              <a:tabLst/>
+            </a:pPr>
+            <a:r>
+              <a:rPr kumimoji="0" lang="en-US" sz="1000" b="1" i="0" u="none" strike="noStrike" cap="none" normalizeH="0" baseline="0" dirty="0" smtClean="0">
+                <a:ln>
+                  <a:noFill/>
+                </a:ln>
+                <a:solidFill>
+                  <a:schemeClr val="tx1"/>
+                </a:solidFill>
+                <a:effectLst/>
+                <a:latin typeface="Arial" panose="020B0604020202020204" pitchFamily="34" charset="0"/>
+              </a:rPr>
+              <a:t>No, in other databases</a:t>
+            </a:r>
+            <a:r>
+              <a:rPr kumimoji="0" lang="en-US" sz="1000" b="0" i="0" u="none" strike="noStrike" cap="none" normalizeH="0" baseline="0" dirty="0" smtClean="0">
+                <a:ln>
+                  <a:noFill/>
+                </a:ln>
+                <a:solidFill>
+                  <a:schemeClr val="tx1"/>
+                </a:solidFill>
+                <a:effectLst/>
+                <a:latin typeface="Arial" panose="020B0604020202020204" pitchFamily="34" charset="0"/>
+              </a:rPr>
+              <a:t> like </a:t>
+            </a:r>
+            <a:r>
+              <a:rPr kumimoji="0" lang="en-US" sz="1000" b="0" i="0" u="none" strike="noStrike" cap="none" normalizeH="0" baseline="0" dirty="0" err="1" smtClean="0">
+                <a:ln>
+                  <a:noFill/>
+                </a:ln>
+                <a:solidFill>
+                  <a:schemeClr val="tx1"/>
+                </a:solidFill>
+                <a:effectLst/>
+                <a:latin typeface="Arial" panose="020B0604020202020204" pitchFamily="34" charset="0"/>
+              </a:rPr>
+              <a:t>PostgreSQL</a:t>
+            </a:r>
+            <a:r>
+              <a:rPr kumimoji="0" lang="en-US" sz="1000" b="0" i="0" u="none" strike="noStrike" cap="none" normalizeH="0" baseline="0" dirty="0" smtClean="0">
+                <a:ln>
+                  <a:noFill/>
+                </a:ln>
+                <a:solidFill>
+                  <a:schemeClr val="tx1"/>
+                </a:solidFill>
+                <a:effectLst/>
+                <a:latin typeface="Arial" panose="020B0604020202020204" pitchFamily="34" charset="0"/>
+              </a:rPr>
+              <a:t> or SQL Server, only the explicit </a:t>
+            </a:r>
+            <a:r>
+              <a:rPr kumimoji="0" lang="en-US" sz="1000" b="0" i="0" u="none" strike="noStrike" cap="none" normalizeH="0" baseline="0" dirty="0" smtClean="0">
+                <a:ln>
+                  <a:noFill/>
+                </a:ln>
+                <a:solidFill>
+                  <a:schemeClr val="tx1"/>
+                </a:solidFill>
+                <a:effectLst/>
+                <a:latin typeface="Arial Unicode MS" panose="020B0604020202020204" pitchFamily="34" charset="-128"/>
+              </a:rPr>
+              <a:t>DROP DEFAULT</a:t>
+            </a:r>
+            <a:r>
+              <a:rPr kumimoji="0" lang="en-US" sz="1000" b="0" i="0" u="none" strike="noStrike" cap="none" normalizeH="0" baseline="0" dirty="0" smtClean="0">
+                <a:ln>
+                  <a:noFill/>
+                </a:ln>
+                <a:solidFill>
+                  <a:schemeClr val="tx1"/>
+                </a:solidFill>
+                <a:effectLst/>
+              </a:rPr>
+              <a:t> syntax works. The </a:t>
+            </a:r>
+            <a:r>
+              <a:rPr kumimoji="0" lang="en-US" sz="1000" b="0" i="0" u="none" strike="noStrike" cap="none" normalizeH="0" baseline="0" dirty="0" smtClean="0">
+                <a:ln>
+                  <a:noFill/>
+                </a:ln>
+                <a:solidFill>
+                  <a:schemeClr val="tx1"/>
+                </a:solidFill>
+                <a:effectLst/>
+                <a:latin typeface="Arial Unicode MS" panose="020B0604020202020204" pitchFamily="34" charset="-128"/>
+              </a:rPr>
+              <a:t>MODIFY</a:t>
+            </a:r>
+            <a:r>
+              <a:rPr kumimoji="0" lang="en-US" sz="1000" b="0" i="0" u="none" strike="noStrike" cap="none" normalizeH="0" baseline="0" dirty="0" smtClean="0">
+                <a:ln>
+                  <a:noFill/>
+                </a:ln>
+                <a:solidFill>
+                  <a:schemeClr val="tx1"/>
+                </a:solidFill>
+                <a:effectLst/>
+              </a:rPr>
+              <a:t> syntax is not supported</a:t>
+            </a:r>
+            <a:r>
+              <a:rPr kumimoji="0" lang="en-US" sz="800" b="0" i="0" u="none" strike="noStrike" cap="none" normalizeH="0" baseline="0" dirty="0" smtClean="0">
+                <a:ln>
+                  <a:noFill/>
+                </a:ln>
+                <a:solidFill>
+                  <a:schemeClr val="tx1"/>
+                </a:solidFill>
+                <a:effectLst/>
+              </a:rPr>
+              <a:t>.</a:t>
+            </a:r>
+            <a:endParaRPr kumimoji="0" lang="en-US" sz="1800" b="0" i="0" u="none" strike="noStrike" cap="none" normalizeH="0" baseline="0" dirty="0" smtClean="0">
+              <a:ln>
+                <a:noFill/>
+              </a:ln>
+              <a:solidFill>
+                <a:schemeClr val="tx1"/>
+              </a:solidFill>
+              <a:effectLst/>
+              <a:latin typeface="Arial" panose="020B0604020202020204" pitchFamily="34" charset="0"/>
+            </a:endParaRPr>
+          </a:p>
+          <a:p>
+            <a:pPr marL="0" marR="0" lvl="0" indent="0" algn="l" defTabSz="914400" rtl="0" eaLnBrk="0" fontAlgn="base" latinLnBrk="0" hangingPunct="0">
+              <a:lnSpc>
+                <a:spcPct val="100000"/>
+              </a:lnSpc>
+              <a:spcBef>
+                <a:spcPct val="0"/>
+              </a:spcBef>
+              <a:spcAft>
+                <a:spcPct val="0"/>
+              </a:spcAft>
+              <a:buClrTx/>
+              <a:buSzTx/>
+              <a:buFontTx/>
+              <a:buNone/>
+              <a:tabLst/>
+            </a:pPr>
+            <a:endParaRPr kumimoji="0" lang="en-US" sz="1800" b="0" i="0" u="none" strike="noStrike" cap="none" normalizeH="0" baseline="0" dirty="0" smtClean="0">
+              <a:ln>
+                <a:noFill/>
+              </a:ln>
+              <a:solidFill>
+                <a:schemeClr val="tx1"/>
+              </a:solidFill>
+              <a:effectLst/>
+              <a:latin typeface="Arial" panose="020B0604020202020204" pitchFamily="34" charset="0"/>
+            </a:endParaRPr>
+          </a:p>
+        </p:txBody>
+      </p:sp>
     </p:spTree>
     <p:extLst>
       <p:ext uri="{BB962C8B-B14F-4D97-AF65-F5344CB8AC3E}">
@@ -10472,7 +11571,7 @@
           <p:cNvPr id="2" name="Title 1">
             <a:extLst>
               <a:ext uri="{FF2B5EF4-FFF2-40B4-BE49-F238E27FC236}">
-                <a16:creationId xmlns:a16="http://schemas.microsoft.com/office/drawing/2014/main" xmlns="" id="{4BC1B529-4541-4886-9922-47CF81B6B6DF}"/>
+                <a16:creationId xmlns="" xmlns:a16="http://schemas.microsoft.com/office/drawing/2014/main" id="{4BC1B529-4541-4886-9922-47CF81B6B6DF}"/>
               </a:ext>
             </a:extLst>
           </p:cNvPr>
@@ -10500,7 +11599,7 @@
           <p:cNvPr id="3" name="Content Placeholder 2">
             <a:extLst>
               <a:ext uri="{FF2B5EF4-FFF2-40B4-BE49-F238E27FC236}">
-                <a16:creationId xmlns:a16="http://schemas.microsoft.com/office/drawing/2014/main" xmlns="" id="{DF6D44C2-1AE9-420D-8908-77CCB9F2B040}"/>
+                <a16:creationId xmlns="" xmlns:a16="http://schemas.microsoft.com/office/drawing/2014/main" id="{DF6D44C2-1AE9-420D-8908-77CCB9F2B040}"/>
               </a:ext>
             </a:extLst>
           </p:cNvPr>
@@ -10572,7 +11671,7 @@
           <p:cNvPr id="2" name="Title 1">
             <a:extLst>
               <a:ext uri="{FF2B5EF4-FFF2-40B4-BE49-F238E27FC236}">
-                <a16:creationId xmlns:a16="http://schemas.microsoft.com/office/drawing/2014/main" xmlns="" id="{B69C4D51-F64C-467D-90C2-D7A72CFB30C4}"/>
+                <a16:creationId xmlns="" xmlns:a16="http://schemas.microsoft.com/office/drawing/2014/main" id="{B69C4D51-F64C-467D-90C2-D7A72CFB30C4}"/>
               </a:ext>
             </a:extLst>
           </p:cNvPr>
@@ -10600,7 +11699,7 @@
           <p:cNvPr id="3" name="Content Placeholder 2">
             <a:extLst>
               <a:ext uri="{FF2B5EF4-FFF2-40B4-BE49-F238E27FC236}">
-                <a16:creationId xmlns:a16="http://schemas.microsoft.com/office/drawing/2014/main" xmlns="" id="{8D3B497E-6E89-40AD-B4C2-E7FE5307C4BD}"/>
+                <a16:creationId xmlns="" xmlns:a16="http://schemas.microsoft.com/office/drawing/2014/main" id="{8D3B497E-6E89-40AD-B4C2-E7FE5307C4BD}"/>
               </a:ext>
             </a:extLst>
           </p:cNvPr>
@@ -10916,7 +12015,7 @@
           <p:cNvPr id="2" name="Title 1">
             <a:extLst>
               <a:ext uri="{FF2B5EF4-FFF2-40B4-BE49-F238E27FC236}">
-                <a16:creationId xmlns:a16="http://schemas.microsoft.com/office/drawing/2014/main" xmlns="" id="{28F94AFC-03C9-4930-BC67-2251DC46772A}"/>
+                <a16:creationId xmlns="" xmlns:a16="http://schemas.microsoft.com/office/drawing/2014/main" id="{28F94AFC-03C9-4930-BC67-2251DC46772A}"/>
               </a:ext>
             </a:extLst>
           </p:cNvPr>
@@ -10944,7 +12043,7 @@
           <p:cNvPr id="3" name="Content Placeholder 2">
             <a:extLst>
               <a:ext uri="{FF2B5EF4-FFF2-40B4-BE49-F238E27FC236}">
-                <a16:creationId xmlns:a16="http://schemas.microsoft.com/office/drawing/2014/main" xmlns="" id="{8BBFAEC5-26B0-432D-BC81-53372ABB98D6}"/>
+                <a16:creationId xmlns="" xmlns:a16="http://schemas.microsoft.com/office/drawing/2014/main" id="{8BBFAEC5-26B0-432D-BC81-53372ABB98D6}"/>
               </a:ext>
             </a:extLst>
           </p:cNvPr>
@@ -11002,11 +12101,7 @@
           <a:p>
             <a:r>
               <a:rPr lang="en-US" dirty="0"/>
-              <a:t>Drop foreign </a:t>
-            </a:r>
-            <a:r>
-              <a:rPr lang="en-US"/>
-              <a:t>key fk_1; </a:t>
+              <a:t>Drop foreign key fk_1; </a:t>
             </a:r>
           </a:p>
         </p:txBody>
@@ -11356,7 +12451,7 @@
           <p:cNvPr id="2" name="Title 1">
             <a:extLst>
               <a:ext uri="{FF2B5EF4-FFF2-40B4-BE49-F238E27FC236}">
-                <a16:creationId xmlns:a16="http://schemas.microsoft.com/office/drawing/2014/main" xmlns="" id="{7FE78593-5CA1-4020-863E-26E11A23A17E}"/>
+                <a16:creationId xmlns="" xmlns:a16="http://schemas.microsoft.com/office/drawing/2014/main" id="{7FE78593-5CA1-4020-863E-26E11A23A17E}"/>
               </a:ext>
             </a:extLst>
           </p:cNvPr>
@@ -11387,7 +12482,7 @@
           <p:cNvPr id="3" name="Content Placeholder 2">
             <a:extLst>
               <a:ext uri="{FF2B5EF4-FFF2-40B4-BE49-F238E27FC236}">
-                <a16:creationId xmlns:a16="http://schemas.microsoft.com/office/drawing/2014/main" xmlns="" id="{A9C25BD5-DCFC-422B-84F0-A697AE79A61F}"/>
+                <a16:creationId xmlns="" xmlns:a16="http://schemas.microsoft.com/office/drawing/2014/main" id="{A9C25BD5-DCFC-422B-84F0-A697AE79A61F}"/>
               </a:ext>
             </a:extLst>
           </p:cNvPr>
@@ -11662,7 +12757,7 @@
           <p:cNvPr id="2" name="Title 1">
             <a:extLst>
               <a:ext uri="{FF2B5EF4-FFF2-40B4-BE49-F238E27FC236}">
-                <a16:creationId xmlns:a16="http://schemas.microsoft.com/office/drawing/2014/main" xmlns="" id="{8014C0DE-DEDE-4242-A312-1CD20E30D27D}"/>
+                <a16:creationId xmlns="" xmlns:a16="http://schemas.microsoft.com/office/drawing/2014/main" id="{8014C0DE-DEDE-4242-A312-1CD20E30D27D}"/>
               </a:ext>
             </a:extLst>
           </p:cNvPr>
@@ -11693,7 +12788,7 @@
           <p:cNvPr id="3" name="Content Placeholder 2">
             <a:extLst>
               <a:ext uri="{FF2B5EF4-FFF2-40B4-BE49-F238E27FC236}">
-                <a16:creationId xmlns:a16="http://schemas.microsoft.com/office/drawing/2014/main" xmlns="" id="{2E4AE33E-0FD2-4B21-A7D8-2A980D53CDD5}"/>
+                <a16:creationId xmlns="" xmlns:a16="http://schemas.microsoft.com/office/drawing/2014/main" id="{2E4AE33E-0FD2-4B21-A7D8-2A980D53CDD5}"/>
               </a:ext>
             </a:extLst>
           </p:cNvPr>
@@ -11913,7 +13008,7 @@
           <p:cNvPr id="2" name="Title 1">
             <a:extLst>
               <a:ext uri="{FF2B5EF4-FFF2-40B4-BE49-F238E27FC236}">
-                <a16:creationId xmlns:a16="http://schemas.microsoft.com/office/drawing/2014/main" xmlns="" id="{7FE78593-5CA1-4020-863E-26E11A23A17E}"/>
+                <a16:creationId xmlns="" xmlns:a16="http://schemas.microsoft.com/office/drawing/2014/main" id="{7FE78593-5CA1-4020-863E-26E11A23A17E}"/>
               </a:ext>
             </a:extLst>
           </p:cNvPr>
@@ -11944,7 +13039,7 @@
           <p:cNvPr id="3" name="Content Placeholder 2">
             <a:extLst>
               <a:ext uri="{FF2B5EF4-FFF2-40B4-BE49-F238E27FC236}">
-                <a16:creationId xmlns:a16="http://schemas.microsoft.com/office/drawing/2014/main" xmlns="" id="{A9C25BD5-DCFC-422B-84F0-A697AE79A61F}"/>
+                <a16:creationId xmlns="" xmlns:a16="http://schemas.microsoft.com/office/drawing/2014/main" id="{A9C25BD5-DCFC-422B-84F0-A697AE79A61F}"/>
               </a:ext>
             </a:extLst>
           </p:cNvPr>
@@ -12079,7 +13174,7 @@
           <p:cNvPr id="2" name="Title 1">
             <a:extLst>
               <a:ext uri="{FF2B5EF4-FFF2-40B4-BE49-F238E27FC236}">
-                <a16:creationId xmlns:a16="http://schemas.microsoft.com/office/drawing/2014/main" xmlns="" id="{7FE78593-5CA1-4020-863E-26E11A23A17E}"/>
+                <a16:creationId xmlns="" xmlns:a16="http://schemas.microsoft.com/office/drawing/2014/main" id="{7FE78593-5CA1-4020-863E-26E11A23A17E}"/>
               </a:ext>
             </a:extLst>
           </p:cNvPr>
@@ -12110,7 +13205,7 @@
           <p:cNvPr id="3" name="Content Placeholder 2">
             <a:extLst>
               <a:ext uri="{FF2B5EF4-FFF2-40B4-BE49-F238E27FC236}">
-                <a16:creationId xmlns:a16="http://schemas.microsoft.com/office/drawing/2014/main" xmlns="" id="{A9C25BD5-DCFC-422B-84F0-A697AE79A61F}"/>
+                <a16:creationId xmlns="" xmlns:a16="http://schemas.microsoft.com/office/drawing/2014/main" id="{A9C25BD5-DCFC-422B-84F0-A697AE79A61F}"/>
               </a:ext>
             </a:extLst>
           </p:cNvPr>

--- a/Databasae management system/theory/course material/Lecture 5 DDL.pptx
+++ b/Databasae management system/theory/course material/Lecture 5 DDL.pptx
@@ -239,7 +239,7 @@
           <a:p>
             <a:fld id="{C0865839-5307-42C8-8978-C5E0E79B0B9F}" type="datetimeFigureOut">
               <a:rPr lang="en-US"/>
-              <a:t>11/24/2024</a:t>
+              <a:t>12/1/2024</a:t>
             </a:fld>
             <a:endParaRPr lang="en-US"/>
           </a:p>
@@ -997,7 +997,7 @@
           <a:p>
             <a:fld id="{4BDF68E2-58F2-4D09-BE8B-E3BD06533059}" type="datetimeFigureOut">
               <a:rPr lang="en-US" dirty="0"/>
-              <a:t>11/24/2024</a:t>
+              <a:t>12/1/2024</a:t>
             </a:fld>
             <a:endParaRPr lang="en-US"/>
           </a:p>
@@ -1203,7 +1203,7 @@
           <a:p>
             <a:fld id="{2E2D6473-DF6D-4702-B328-E0DD40540A4E}" type="datetimeFigureOut">
               <a:rPr lang="en-US" dirty="0"/>
-              <a:t>11/24/2024</a:t>
+              <a:t>12/1/2024</a:t>
             </a:fld>
             <a:endParaRPr lang="en-US"/>
           </a:p>
@@ -1457,7 +1457,7 @@
           <a:p>
             <a:fld id="{E26F7E3A-B166-407D-9866-32884E7D5B37}" type="datetimeFigureOut">
               <a:rPr lang="en-US" dirty="0"/>
-              <a:t>11/24/2024</a:t>
+              <a:t>12/1/2024</a:t>
             </a:fld>
             <a:endParaRPr lang="en-US"/>
           </a:p>
@@ -1629,7 +1629,7 @@
           <a:p>
             <a:fld id="{528FC5F6-F338-4AE4-BB23-26385BCFC423}" type="datetimeFigureOut">
               <a:rPr lang="en-US" dirty="0"/>
-              <a:t>11/24/2024</a:t>
+              <a:t>12/1/2024</a:t>
             </a:fld>
             <a:endParaRPr lang="en-US"/>
           </a:p>
@@ -1971,7 +1971,7 @@
           <a:p>
             <a:fld id="{20EBB0C4-6273-4C6E-B9BD-2EDC30F1CD52}" type="datetimeFigureOut">
               <a:rPr lang="en-US" dirty="0"/>
-              <a:t>11/24/2024</a:t>
+              <a:t>12/1/2024</a:t>
             </a:fld>
             <a:endParaRPr lang="en-US"/>
           </a:p>
@@ -2243,7 +2243,7 @@
           <a:p>
             <a:fld id="{19AB4D41-86C1-4908-B66A-0B50CEB3BF29}" type="datetimeFigureOut">
               <a:rPr lang="en-US" dirty="0"/>
-              <a:t>11/24/2024</a:t>
+              <a:t>12/1/2024</a:t>
             </a:fld>
             <a:endParaRPr lang="en-US"/>
           </a:p>
@@ -2619,7 +2619,7 @@
           <a:p>
             <a:fld id="{E6426E2C-56C1-4E0D-A793-0088A7FDD37E}" type="datetimeFigureOut">
               <a:rPr lang="en-US" dirty="0"/>
-              <a:t>11/24/2024</a:t>
+              <a:t>12/1/2024</a:t>
             </a:fld>
             <a:endParaRPr lang="en-US"/>
           </a:p>
@@ -2736,7 +2736,7 @@
           <a:p>
             <a:fld id="{C8C39B41-D8B5-4052-B551-9B5525EAA8B6}" type="datetimeFigureOut">
               <a:rPr lang="en-US" dirty="0"/>
-              <a:t>11/24/2024</a:t>
+              <a:t>12/1/2024</a:t>
             </a:fld>
             <a:endParaRPr lang="en-US"/>
           </a:p>
@@ -2907,7 +2907,7 @@
           <a:p>
             <a:fld id="{4D94136C-8742-45B2-AF27-D93DF72833A9}" type="datetimeFigureOut">
               <a:rPr lang="en-US" dirty="0"/>
-              <a:t>11/24/2024</a:t>
+              <a:t>12/1/2024</a:t>
             </a:fld>
             <a:endParaRPr lang="en-US"/>
           </a:p>
@@ -3260,7 +3260,7 @@
           <a:p>
             <a:fld id="{32ABBEA6-7C60-4B02-AE87-00D78D8422AF}" type="datetimeFigureOut">
               <a:rPr lang="en-US" dirty="0"/>
-              <a:t>11/24/2024</a:t>
+              <a:t>12/1/2024</a:t>
             </a:fld>
             <a:endParaRPr lang="en-US"/>
           </a:p>
@@ -3638,7 +3638,7 @@
           <a:p>
             <a:fld id="{C9CAD897-D46E-4AD2-BD9B-49DD3E640873}" type="datetimeFigureOut">
               <a:rPr lang="en-US" dirty="0"/>
-              <a:t>11/24/2024</a:t>
+              <a:t>12/1/2024</a:t>
             </a:fld>
             <a:endParaRPr lang="en-US"/>
           </a:p>
@@ -3923,7 +3923,7 @@
           <a:p>
             <a:fld id="{98624D31-43A5-475A-80CF-332C9F6DCF35}" type="datetimeFigureOut">
               <a:rPr lang="en-US" dirty="0"/>
-              <a:t>11/24/2024</a:t>
+              <a:t>12/1/2024</a:t>
             </a:fld>
             <a:endParaRPr lang="en-US"/>
           </a:p>
@@ -4454,7 +4454,7 @@
           <p:cNvPr id="2" name="Title 1">
             <a:extLst>
               <a:ext uri="{FF2B5EF4-FFF2-40B4-BE49-F238E27FC236}">
-                <a16:creationId xmlns="" xmlns:a16="http://schemas.microsoft.com/office/drawing/2014/main" id="{FAF50B85-AACF-47E0-883B-AEFC0EE87705}"/>
+                <a16:creationId xmlns:a16="http://schemas.microsoft.com/office/drawing/2014/main" xmlns="" id="{FAF50B85-AACF-47E0-883B-AEFC0EE87705}"/>
               </a:ext>
             </a:extLst>
           </p:cNvPr>
@@ -4498,7 +4498,7 @@
           <p:cNvPr id="3" name="Content Placeholder 2">
             <a:extLst>
               <a:ext uri="{FF2B5EF4-FFF2-40B4-BE49-F238E27FC236}">
-                <a16:creationId xmlns="" xmlns:a16="http://schemas.microsoft.com/office/drawing/2014/main" id="{C11371EC-72F9-4546-AF77-6876AFAAF490}"/>
+                <a16:creationId xmlns:a16="http://schemas.microsoft.com/office/drawing/2014/main" xmlns="" id="{C11371EC-72F9-4546-AF77-6876AFAAF490}"/>
               </a:ext>
             </a:extLst>
           </p:cNvPr>
@@ -4680,7 +4680,7 @@
           <p:cNvPr id="2" name="Title 1">
             <a:extLst>
               <a:ext uri="{FF2B5EF4-FFF2-40B4-BE49-F238E27FC236}">
-                <a16:creationId xmlns="" xmlns:a16="http://schemas.microsoft.com/office/drawing/2014/main" id="{448613A2-709B-47FB-BB1A-3A0F4F11B128}"/>
+                <a16:creationId xmlns:a16="http://schemas.microsoft.com/office/drawing/2014/main" xmlns="" id="{448613A2-709B-47FB-BB1A-3A0F4F11B128}"/>
               </a:ext>
             </a:extLst>
           </p:cNvPr>
@@ -4708,7 +4708,7 @@
           <p:cNvPr id="3" name="Content Placeholder 2">
             <a:extLst>
               <a:ext uri="{FF2B5EF4-FFF2-40B4-BE49-F238E27FC236}">
-                <a16:creationId xmlns="" xmlns:a16="http://schemas.microsoft.com/office/drawing/2014/main" id="{09C4E6FB-A066-4F24-9A90-CD75D79EC3F0}"/>
+                <a16:creationId xmlns:a16="http://schemas.microsoft.com/office/drawing/2014/main" xmlns="" id="{09C4E6FB-A066-4F24-9A90-CD75D79EC3F0}"/>
               </a:ext>
             </a:extLst>
           </p:cNvPr>
@@ -4836,7 +4836,7 @@
           <p:cNvPr id="4" name="Content Placeholder 3">
             <a:extLst>
               <a:ext uri="{FF2B5EF4-FFF2-40B4-BE49-F238E27FC236}">
-                <a16:creationId xmlns="" xmlns:a16="http://schemas.microsoft.com/office/drawing/2014/main" id="{0AF9049B-3CFC-4FD3-A3FB-CCBFF9C3ACCE}"/>
+                <a16:creationId xmlns:a16="http://schemas.microsoft.com/office/drawing/2014/main" xmlns="" id="{0AF9049B-3CFC-4FD3-A3FB-CCBFF9C3ACCE}"/>
               </a:ext>
             </a:extLst>
           </p:cNvPr>
@@ -4892,7 +4892,7 @@
           <p:cNvPr id="5" name="Content Placeholder 2">
             <a:extLst>
               <a:ext uri="{FF2B5EF4-FFF2-40B4-BE49-F238E27FC236}">
-                <a16:creationId xmlns="" xmlns:a16="http://schemas.microsoft.com/office/drawing/2014/main" id="{8C10DB8D-625D-4BD9-9AC4-AC365E5F0F03}"/>
+                <a16:creationId xmlns:a16="http://schemas.microsoft.com/office/drawing/2014/main" xmlns="" id="{8C10DB8D-625D-4BD9-9AC4-AC365E5F0F03}"/>
               </a:ext>
             </a:extLst>
           </p:cNvPr>
@@ -5306,7 +5306,7 @@
           <p:cNvPr id="2" name="Title 1">
             <a:extLst>
               <a:ext uri="{FF2B5EF4-FFF2-40B4-BE49-F238E27FC236}">
-                <a16:creationId xmlns="" xmlns:a16="http://schemas.microsoft.com/office/drawing/2014/main" id="{A372C2FE-63E3-4582-BB83-B245C5AB2BBC}"/>
+                <a16:creationId xmlns:a16="http://schemas.microsoft.com/office/drawing/2014/main" xmlns="" id="{A372C2FE-63E3-4582-BB83-B245C5AB2BBC}"/>
               </a:ext>
             </a:extLst>
           </p:cNvPr>
@@ -5337,7 +5337,7 @@
           <p:cNvPr id="3" name="Content Placeholder 2">
             <a:extLst>
               <a:ext uri="{FF2B5EF4-FFF2-40B4-BE49-F238E27FC236}">
-                <a16:creationId xmlns="" xmlns:a16="http://schemas.microsoft.com/office/drawing/2014/main" id="{4B42E912-6EE6-4ED9-8464-431FFE36832E}"/>
+                <a16:creationId xmlns:a16="http://schemas.microsoft.com/office/drawing/2014/main" xmlns="" id="{4B42E912-6EE6-4ED9-8464-431FFE36832E}"/>
               </a:ext>
             </a:extLst>
           </p:cNvPr>
@@ -5653,7 +5653,7 @@
           <p:cNvPr id="2" name="Title 1">
             <a:extLst>
               <a:ext uri="{FF2B5EF4-FFF2-40B4-BE49-F238E27FC236}">
-                <a16:creationId xmlns="" xmlns:a16="http://schemas.microsoft.com/office/drawing/2014/main" id="{E85CEFF0-3D2C-453D-A5DE-AB8D07A8A6F0}"/>
+                <a16:creationId xmlns:a16="http://schemas.microsoft.com/office/drawing/2014/main" xmlns="" id="{E85CEFF0-3D2C-453D-A5DE-AB8D07A8A6F0}"/>
               </a:ext>
             </a:extLst>
           </p:cNvPr>
@@ -5684,7 +5684,7 @@
           <p:cNvPr id="3" name="Content Placeholder 2">
             <a:extLst>
               <a:ext uri="{FF2B5EF4-FFF2-40B4-BE49-F238E27FC236}">
-                <a16:creationId xmlns="" xmlns:a16="http://schemas.microsoft.com/office/drawing/2014/main" id="{A63C8401-45D0-4D83-91D7-00710AFFAD99}"/>
+                <a16:creationId xmlns:a16="http://schemas.microsoft.com/office/drawing/2014/main" xmlns="" id="{A63C8401-45D0-4D83-91D7-00710AFFAD99}"/>
               </a:ext>
             </a:extLst>
           </p:cNvPr>
@@ -5826,7 +5826,7 @@
           <p:cNvPr id="2" name="Title 1">
             <a:extLst>
               <a:ext uri="{FF2B5EF4-FFF2-40B4-BE49-F238E27FC236}">
-                <a16:creationId xmlns="" xmlns:a16="http://schemas.microsoft.com/office/drawing/2014/main" id="{F7D76782-2AFC-484F-86E9-79B66B50D4DE}"/>
+                <a16:creationId xmlns:a16="http://schemas.microsoft.com/office/drawing/2014/main" xmlns="" id="{F7D76782-2AFC-484F-86E9-79B66B50D4DE}"/>
               </a:ext>
             </a:extLst>
           </p:cNvPr>
@@ -5962,7 +5962,7 @@
           <p:cNvPr id="3" name="Content Placeholder 2">
             <a:extLst>
               <a:ext uri="{FF2B5EF4-FFF2-40B4-BE49-F238E27FC236}">
-                <a16:creationId xmlns="" xmlns:a16="http://schemas.microsoft.com/office/drawing/2014/main" id="{C20D2F24-DB19-4CC2-A923-66DB28D54E4E}"/>
+                <a16:creationId xmlns:a16="http://schemas.microsoft.com/office/drawing/2014/main" xmlns="" id="{C20D2F24-DB19-4CC2-A923-66DB28D54E4E}"/>
               </a:ext>
             </a:extLst>
           </p:cNvPr>
@@ -6636,7 +6636,7 @@
           <p:cNvPr id="2" name="Title 1">
             <a:extLst>
               <a:ext uri="{FF2B5EF4-FFF2-40B4-BE49-F238E27FC236}">
-                <a16:creationId xmlns="" xmlns:a16="http://schemas.microsoft.com/office/drawing/2014/main" id="{F7D76782-2AFC-484F-86E9-79B66B50D4DE}"/>
+                <a16:creationId xmlns:a16="http://schemas.microsoft.com/office/drawing/2014/main" xmlns="" id="{F7D76782-2AFC-484F-86E9-79B66B50D4DE}"/>
               </a:ext>
             </a:extLst>
           </p:cNvPr>
@@ -6672,7 +6672,7 @@
           <p:cNvPr id="3" name="Content Placeholder 2">
             <a:extLst>
               <a:ext uri="{FF2B5EF4-FFF2-40B4-BE49-F238E27FC236}">
-                <a16:creationId xmlns="" xmlns:a16="http://schemas.microsoft.com/office/drawing/2014/main" id="{C20D2F24-DB19-4CC2-A923-66DB28D54E4E}"/>
+                <a16:creationId xmlns:a16="http://schemas.microsoft.com/office/drawing/2014/main" xmlns="" id="{C20D2F24-DB19-4CC2-A923-66DB28D54E4E}"/>
               </a:ext>
             </a:extLst>
           </p:cNvPr>
@@ -7139,7 +7139,7 @@
           <p:cNvPr id="2" name="Title 1">
             <a:extLst>
               <a:ext uri="{FF2B5EF4-FFF2-40B4-BE49-F238E27FC236}">
-                <a16:creationId xmlns="" xmlns:a16="http://schemas.microsoft.com/office/drawing/2014/main" id="{320D381B-3D99-46C8-9707-78C22C2D2ED1}"/>
+                <a16:creationId xmlns:a16="http://schemas.microsoft.com/office/drawing/2014/main" xmlns="" id="{320D381B-3D99-46C8-9707-78C22C2D2ED1}"/>
               </a:ext>
             </a:extLst>
           </p:cNvPr>
@@ -7265,7 +7265,7 @@
           <p:cNvPr id="3" name="Content Placeholder 2">
             <a:extLst>
               <a:ext uri="{FF2B5EF4-FFF2-40B4-BE49-F238E27FC236}">
-                <a16:creationId xmlns="" xmlns:a16="http://schemas.microsoft.com/office/drawing/2014/main" id="{019A17D5-0F05-4B8E-B702-94AB4092493B}"/>
+                <a16:creationId xmlns:a16="http://schemas.microsoft.com/office/drawing/2014/main" xmlns="" id="{019A17D5-0F05-4B8E-B702-94AB4092493B}"/>
               </a:ext>
             </a:extLst>
           </p:cNvPr>
@@ -7744,7 +7744,7 @@
           <p:cNvPr id="2" name="Title 1">
             <a:extLst>
               <a:ext uri="{FF2B5EF4-FFF2-40B4-BE49-F238E27FC236}">
-                <a16:creationId xmlns="" xmlns:a16="http://schemas.microsoft.com/office/drawing/2014/main" id="{F7D76782-2AFC-484F-86E9-79B66B50D4DE}"/>
+                <a16:creationId xmlns:a16="http://schemas.microsoft.com/office/drawing/2014/main" xmlns="" id="{F7D76782-2AFC-484F-86E9-79B66B50D4DE}"/>
               </a:ext>
             </a:extLst>
           </p:cNvPr>
@@ -7780,7 +7780,7 @@
           <p:cNvPr id="3" name="Content Placeholder 2">
             <a:extLst>
               <a:ext uri="{FF2B5EF4-FFF2-40B4-BE49-F238E27FC236}">
-                <a16:creationId xmlns="" xmlns:a16="http://schemas.microsoft.com/office/drawing/2014/main" id="{C20D2F24-DB19-4CC2-A923-66DB28D54E4E}"/>
+                <a16:creationId xmlns:a16="http://schemas.microsoft.com/office/drawing/2014/main" xmlns="" id="{C20D2F24-DB19-4CC2-A923-66DB28D54E4E}"/>
               </a:ext>
             </a:extLst>
           </p:cNvPr>
@@ -8226,7 +8226,7 @@
           <p:cNvPr id="2" name="Title 1">
             <a:extLst>
               <a:ext uri="{FF2B5EF4-FFF2-40B4-BE49-F238E27FC236}">
-                <a16:creationId xmlns="" xmlns:a16="http://schemas.microsoft.com/office/drawing/2014/main" id="{DE786905-6EC8-49C5-BDDC-0BC7A9AFD0AC}"/>
+                <a16:creationId xmlns:a16="http://schemas.microsoft.com/office/drawing/2014/main" xmlns="" id="{DE786905-6EC8-49C5-BDDC-0BC7A9AFD0AC}"/>
               </a:ext>
             </a:extLst>
           </p:cNvPr>
@@ -8257,7 +8257,7 @@
           <p:cNvPr id="3" name="Content Placeholder 2">
             <a:extLst>
               <a:ext uri="{FF2B5EF4-FFF2-40B4-BE49-F238E27FC236}">
-                <a16:creationId xmlns="" xmlns:a16="http://schemas.microsoft.com/office/drawing/2014/main" id="{26D3D96A-2656-4B90-8937-B80FEEBB16D7}"/>
+                <a16:creationId xmlns:a16="http://schemas.microsoft.com/office/drawing/2014/main" xmlns="" id="{26D3D96A-2656-4B90-8937-B80FEEBB16D7}"/>
               </a:ext>
             </a:extLst>
           </p:cNvPr>
@@ -8629,7 +8629,7 @@
           <p:cNvPr id="2" name="Title 1">
             <a:extLst>
               <a:ext uri="{FF2B5EF4-FFF2-40B4-BE49-F238E27FC236}">
-                <a16:creationId xmlns="" xmlns:a16="http://schemas.microsoft.com/office/drawing/2014/main" id="{FCB8F87E-7282-4C3C-9043-14F188B83545}"/>
+                <a16:creationId xmlns:a16="http://schemas.microsoft.com/office/drawing/2014/main" xmlns="" id="{FCB8F87E-7282-4C3C-9043-14F188B83545}"/>
               </a:ext>
             </a:extLst>
           </p:cNvPr>
@@ -8701,7 +8701,7 @@
           <p:cNvPr id="4" name="Picture 4" descr="Diagram&#10;&#10;Description automatically generated">
             <a:extLst>
               <a:ext uri="{FF2B5EF4-FFF2-40B4-BE49-F238E27FC236}">
-                <a16:creationId xmlns="" xmlns:a16="http://schemas.microsoft.com/office/drawing/2014/main" id="{DCFFCCFC-9041-4EC0-B97F-28DBD57D4A83}"/>
+                <a16:creationId xmlns:a16="http://schemas.microsoft.com/office/drawing/2014/main" xmlns="" id="{DCFFCCFC-9041-4EC0-B97F-28DBD57D4A83}"/>
               </a:ext>
             </a:extLst>
           </p:cNvPr>
@@ -8760,7 +8760,7 @@
           <p:cNvPr id="2" name="Title 1">
             <a:extLst>
               <a:ext uri="{FF2B5EF4-FFF2-40B4-BE49-F238E27FC236}">
-                <a16:creationId xmlns="" xmlns:a16="http://schemas.microsoft.com/office/drawing/2014/main" id="{9C6804BF-4C05-4A7B-A004-1911B5722F2B}"/>
+                <a16:creationId xmlns:a16="http://schemas.microsoft.com/office/drawing/2014/main" xmlns="" id="{9C6804BF-4C05-4A7B-A004-1911B5722F2B}"/>
               </a:ext>
             </a:extLst>
           </p:cNvPr>
@@ -8791,7 +8791,7 @@
           <p:cNvPr id="3" name="Content Placeholder 2">
             <a:extLst>
               <a:ext uri="{FF2B5EF4-FFF2-40B4-BE49-F238E27FC236}">
-                <a16:creationId xmlns="" xmlns:a16="http://schemas.microsoft.com/office/drawing/2014/main" id="{2016B212-EF1B-4365-8961-2F9E25E2CD98}"/>
+                <a16:creationId xmlns:a16="http://schemas.microsoft.com/office/drawing/2014/main" xmlns="" id="{2016B212-EF1B-4365-8961-2F9E25E2CD98}"/>
               </a:ext>
             </a:extLst>
           </p:cNvPr>
@@ -9054,7 +9054,7 @@
           <p:cNvPr id="2" name="Title 1">
             <a:extLst>
               <a:ext uri="{FF2B5EF4-FFF2-40B4-BE49-F238E27FC236}">
-                <a16:creationId xmlns="" xmlns:a16="http://schemas.microsoft.com/office/drawing/2014/main" id="{B928A14C-CEC6-45CD-B427-71960C65D357}"/>
+                <a16:creationId xmlns:a16="http://schemas.microsoft.com/office/drawing/2014/main" xmlns="" id="{B928A14C-CEC6-45CD-B427-71960C65D357}"/>
               </a:ext>
             </a:extLst>
           </p:cNvPr>
@@ -9085,7 +9085,7 @@
           <p:cNvPr id="3" name="Content Placeholder 2">
             <a:extLst>
               <a:ext uri="{FF2B5EF4-FFF2-40B4-BE49-F238E27FC236}">
-                <a16:creationId xmlns="" xmlns:a16="http://schemas.microsoft.com/office/drawing/2014/main" id="{F1D13127-6A5A-4848-878B-312C7A4AB845}"/>
+                <a16:creationId xmlns:a16="http://schemas.microsoft.com/office/drawing/2014/main" xmlns="" id="{F1D13127-6A5A-4848-878B-312C7A4AB845}"/>
               </a:ext>
             </a:extLst>
           </p:cNvPr>
@@ -9219,7 +9219,7 @@
           <p:cNvPr id="483330" name="Rectangle 2">
             <a:extLst>
               <a:ext uri="{FF2B5EF4-FFF2-40B4-BE49-F238E27FC236}">
-                <a16:creationId xmlns="" xmlns:a16="http://schemas.microsoft.com/office/drawing/2014/main" id="{9A1AA394-7134-4846-94A4-420BE41D2B4F}"/>
+                <a16:creationId xmlns:a16="http://schemas.microsoft.com/office/drawing/2014/main" xmlns="" id="{9A1AA394-7134-4846-94A4-420BE41D2B4F}"/>
               </a:ext>
             </a:extLst>
           </p:cNvPr>
@@ -9255,7 +9255,7 @@
           <p:cNvPr id="27652" name="Rectangle 3">
             <a:extLst>
               <a:ext uri="{FF2B5EF4-FFF2-40B4-BE49-F238E27FC236}">
-                <a16:creationId xmlns="" xmlns:a16="http://schemas.microsoft.com/office/drawing/2014/main" id="{755B4DFC-11AF-47CF-B14A-DC7F6D9D71E5}"/>
+                <a16:creationId xmlns:a16="http://schemas.microsoft.com/office/drawing/2014/main" xmlns="" id="{755B4DFC-11AF-47CF-B14A-DC7F6D9D71E5}"/>
               </a:ext>
             </a:extLst>
           </p:cNvPr>
@@ -9382,7 +9382,7 @@
           <p:cNvPr id="485378" name="Rectangle 2">
             <a:extLst>
               <a:ext uri="{FF2B5EF4-FFF2-40B4-BE49-F238E27FC236}">
-                <a16:creationId xmlns="" xmlns:a16="http://schemas.microsoft.com/office/drawing/2014/main" id="{1A9D5343-E7F3-4992-B013-9E6BDBB3DFD0}"/>
+                <a16:creationId xmlns:a16="http://schemas.microsoft.com/office/drawing/2014/main" xmlns="" id="{1A9D5343-E7F3-4992-B013-9E6BDBB3DFD0}"/>
               </a:ext>
             </a:extLst>
           </p:cNvPr>
@@ -9418,7 +9418,7 @@
           <p:cNvPr id="28676" name="Rectangle 3">
             <a:extLst>
               <a:ext uri="{FF2B5EF4-FFF2-40B4-BE49-F238E27FC236}">
-                <a16:creationId xmlns="" xmlns:a16="http://schemas.microsoft.com/office/drawing/2014/main" id="{54F3B159-38C8-4CE6-8CA6-99298E690832}"/>
+                <a16:creationId xmlns:a16="http://schemas.microsoft.com/office/drawing/2014/main" xmlns="" id="{54F3B159-38C8-4CE6-8CA6-99298E690832}"/>
               </a:ext>
             </a:extLst>
           </p:cNvPr>
@@ -9976,7 +9976,7 @@
           <p:cNvPr id="2" name="Title 1">
             <a:extLst>
               <a:ext uri="{FF2B5EF4-FFF2-40B4-BE49-F238E27FC236}">
-                <a16:creationId xmlns="" xmlns:a16="http://schemas.microsoft.com/office/drawing/2014/main" id="{10583895-6DB9-4627-B94C-349E3347186D}"/>
+                <a16:creationId xmlns:a16="http://schemas.microsoft.com/office/drawing/2014/main" xmlns="" id="{10583895-6DB9-4627-B94C-349E3347186D}"/>
               </a:ext>
             </a:extLst>
           </p:cNvPr>
@@ -10004,7 +10004,7 @@
           <p:cNvPr id="3" name="Content Placeholder 2">
             <a:extLst>
               <a:ext uri="{FF2B5EF4-FFF2-40B4-BE49-F238E27FC236}">
-                <a16:creationId xmlns="" xmlns:a16="http://schemas.microsoft.com/office/drawing/2014/main" id="{ECA290EA-8CC5-44AE-B9AF-BA288FF4CF2B}"/>
+                <a16:creationId xmlns:a16="http://schemas.microsoft.com/office/drawing/2014/main" xmlns="" id="{ECA290EA-8CC5-44AE-B9AF-BA288FF4CF2B}"/>
               </a:ext>
             </a:extLst>
           </p:cNvPr>
@@ -10241,7 +10241,7 @@
           <p:cNvPr id="2" name="Title 1">
             <a:extLst>
               <a:ext uri="{FF2B5EF4-FFF2-40B4-BE49-F238E27FC236}">
-                <a16:creationId xmlns="" xmlns:a16="http://schemas.microsoft.com/office/drawing/2014/main" id="{1B725207-B435-4A16-88F0-96A34418672B}"/>
+                <a16:creationId xmlns:a16="http://schemas.microsoft.com/office/drawing/2014/main" xmlns="" id="{1B725207-B435-4A16-88F0-96A34418672B}"/>
               </a:ext>
             </a:extLst>
           </p:cNvPr>
@@ -10269,7 +10269,7 @@
           <p:cNvPr id="3" name="Content Placeholder 2">
             <a:extLst>
               <a:ext uri="{FF2B5EF4-FFF2-40B4-BE49-F238E27FC236}">
-                <a16:creationId xmlns="" xmlns:a16="http://schemas.microsoft.com/office/drawing/2014/main" id="{442BB265-B270-4DEE-BD0B-73B5F4EDB70E}"/>
+                <a16:creationId xmlns:a16="http://schemas.microsoft.com/office/drawing/2014/main" xmlns="" id="{442BB265-B270-4DEE-BD0B-73B5F4EDB70E}"/>
               </a:ext>
             </a:extLst>
           </p:cNvPr>
@@ -10348,7 +10348,7 @@
           <p:cNvPr id="6" name="TextBox 5">
             <a:extLst>
               <a:ext uri="{FF2B5EF4-FFF2-40B4-BE49-F238E27FC236}">
-                <a16:creationId xmlns="" xmlns:a16="http://schemas.microsoft.com/office/drawing/2014/main" id="{2F8068FF-0A27-4BAE-94EA-06BD9B4EA040}"/>
+                <a16:creationId xmlns:a16="http://schemas.microsoft.com/office/drawing/2014/main" xmlns="" id="{2F8068FF-0A27-4BAE-94EA-06BD9B4EA040}"/>
               </a:ext>
             </a:extLst>
           </p:cNvPr>
@@ -10384,7 +10384,7 @@
           <p:cNvPr id="7" name="Table 9">
             <a:extLst>
               <a:ext uri="{FF2B5EF4-FFF2-40B4-BE49-F238E27FC236}">
-                <a16:creationId xmlns="" xmlns:a16="http://schemas.microsoft.com/office/drawing/2014/main" id="{BC547B9E-BCF4-457C-B7A5-9BFD94C46369}"/>
+                <a16:creationId xmlns:a16="http://schemas.microsoft.com/office/drawing/2014/main" xmlns="" id="{BC547B9E-BCF4-457C-B7A5-9BFD94C46369}"/>
               </a:ext>
             </a:extLst>
           </p:cNvPr>
@@ -10413,21 +10413,21 @@
                 <a:gridCol w="1140431">
                   <a:extLst>
                     <a:ext uri="{9D8B030D-6E8A-4147-A177-3AD203B41FA5}">
-                      <a16:colId xmlns="" xmlns:a16="http://schemas.microsoft.com/office/drawing/2014/main" val="2247279278"/>
+                      <a16:colId xmlns:a16="http://schemas.microsoft.com/office/drawing/2014/main" xmlns="" val="2247279278"/>
                     </a:ext>
                   </a:extLst>
                 </a:gridCol>
                 <a:gridCol w="1140431">
                   <a:extLst>
                     <a:ext uri="{9D8B030D-6E8A-4147-A177-3AD203B41FA5}">
-                      <a16:colId xmlns="" xmlns:a16="http://schemas.microsoft.com/office/drawing/2014/main" val="691657574"/>
+                      <a16:colId xmlns:a16="http://schemas.microsoft.com/office/drawing/2014/main" xmlns="" val="691657574"/>
                     </a:ext>
                   </a:extLst>
                 </a:gridCol>
                 <a:gridCol w="1140431">
                   <a:extLst>
                     <a:ext uri="{9D8B030D-6E8A-4147-A177-3AD203B41FA5}">
-                      <a16:colId xmlns="" xmlns:a16="http://schemas.microsoft.com/office/drawing/2014/main" val="2517726121"/>
+                      <a16:colId xmlns:a16="http://schemas.microsoft.com/office/drawing/2014/main" xmlns="" val="2517726121"/>
                     </a:ext>
                   </a:extLst>
                 </a:gridCol>
@@ -10474,7 +10474,7 @@
                 </a:tc>
                 <a:extLst>
                   <a:ext uri="{0D108BD9-81ED-4DB2-BD59-A6C34878D82A}">
-                    <a16:rowId xmlns="" xmlns:a16="http://schemas.microsoft.com/office/drawing/2014/main" val="370146383"/>
+                    <a16:rowId xmlns:a16="http://schemas.microsoft.com/office/drawing/2014/main" xmlns="" val="370146383"/>
                   </a:ext>
                 </a:extLst>
               </a:tr>
@@ -10517,7 +10517,7 @@
           <p:cNvPr id="2" name="Title 1">
             <a:extLst>
               <a:ext uri="{FF2B5EF4-FFF2-40B4-BE49-F238E27FC236}">
-                <a16:creationId xmlns="" xmlns:a16="http://schemas.microsoft.com/office/drawing/2014/main" id="{1B725207-B435-4A16-88F0-96A34418672B}"/>
+                <a16:creationId xmlns:a16="http://schemas.microsoft.com/office/drawing/2014/main" xmlns="" id="{1B725207-B435-4A16-88F0-96A34418672B}"/>
               </a:ext>
             </a:extLst>
           </p:cNvPr>
@@ -10545,7 +10545,7 @@
           <p:cNvPr id="3" name="Content Placeholder 2">
             <a:extLst>
               <a:ext uri="{FF2B5EF4-FFF2-40B4-BE49-F238E27FC236}">
-                <a16:creationId xmlns="" xmlns:a16="http://schemas.microsoft.com/office/drawing/2014/main" id="{442BB265-B270-4DEE-BD0B-73B5F4EDB70E}"/>
+                <a16:creationId xmlns:a16="http://schemas.microsoft.com/office/drawing/2014/main" xmlns="" id="{442BB265-B270-4DEE-BD0B-73B5F4EDB70E}"/>
               </a:ext>
             </a:extLst>
           </p:cNvPr>
@@ -10696,7 +10696,7 @@
           <p:cNvPr id="6" name="TextBox 5">
             <a:extLst>
               <a:ext uri="{FF2B5EF4-FFF2-40B4-BE49-F238E27FC236}">
-                <a16:creationId xmlns="" xmlns:a16="http://schemas.microsoft.com/office/drawing/2014/main" id="{2F8068FF-0A27-4BAE-94EA-06BD9B4EA040}"/>
+                <a16:creationId xmlns:a16="http://schemas.microsoft.com/office/drawing/2014/main" xmlns="" id="{2F8068FF-0A27-4BAE-94EA-06BD9B4EA040}"/>
               </a:ext>
             </a:extLst>
           </p:cNvPr>
@@ -10732,7 +10732,7 @@
           <p:cNvPr id="7" name="Table 9">
             <a:extLst>
               <a:ext uri="{FF2B5EF4-FFF2-40B4-BE49-F238E27FC236}">
-                <a16:creationId xmlns="" xmlns:a16="http://schemas.microsoft.com/office/drawing/2014/main" id="{BC547B9E-BCF4-457C-B7A5-9BFD94C46369}"/>
+                <a16:creationId xmlns:a16="http://schemas.microsoft.com/office/drawing/2014/main" xmlns="" id="{BC547B9E-BCF4-457C-B7A5-9BFD94C46369}"/>
               </a:ext>
             </a:extLst>
           </p:cNvPr>
@@ -10755,21 +10755,21 @@
                 <a:gridCol w="1140431">
                   <a:extLst>
                     <a:ext uri="{9D8B030D-6E8A-4147-A177-3AD203B41FA5}">
-                      <a16:colId xmlns="" xmlns:a16="http://schemas.microsoft.com/office/drawing/2014/main" val="2247279278"/>
+                      <a16:colId xmlns:a16="http://schemas.microsoft.com/office/drawing/2014/main" xmlns="" val="2247279278"/>
                     </a:ext>
                   </a:extLst>
                 </a:gridCol>
                 <a:gridCol w="1140431">
                   <a:extLst>
                     <a:ext uri="{9D8B030D-6E8A-4147-A177-3AD203B41FA5}">
-                      <a16:colId xmlns="" xmlns:a16="http://schemas.microsoft.com/office/drawing/2014/main" val="691657574"/>
+                      <a16:colId xmlns:a16="http://schemas.microsoft.com/office/drawing/2014/main" xmlns="" val="691657574"/>
                     </a:ext>
                   </a:extLst>
                 </a:gridCol>
                 <a:gridCol w="1140431">
                   <a:extLst>
                     <a:ext uri="{9D8B030D-6E8A-4147-A177-3AD203B41FA5}">
-                      <a16:colId xmlns="" xmlns:a16="http://schemas.microsoft.com/office/drawing/2014/main" val="2517726121"/>
+                      <a16:colId xmlns:a16="http://schemas.microsoft.com/office/drawing/2014/main" xmlns="" val="2517726121"/>
                     </a:ext>
                   </a:extLst>
                 </a:gridCol>
@@ -10816,7 +10816,7 @@
                 </a:tc>
                 <a:extLst>
                   <a:ext uri="{0D108BD9-81ED-4DB2-BD59-A6C34878D82A}">
-                    <a16:rowId xmlns="" xmlns:a16="http://schemas.microsoft.com/office/drawing/2014/main" val="370146383"/>
+                    <a16:rowId xmlns:a16="http://schemas.microsoft.com/office/drawing/2014/main" xmlns="" val="370146383"/>
                   </a:ext>
                 </a:extLst>
               </a:tr>
@@ -10859,7 +10859,7 @@
           <p:cNvPr id="2" name="Title 1">
             <a:extLst>
               <a:ext uri="{FF2B5EF4-FFF2-40B4-BE49-F238E27FC236}">
-                <a16:creationId xmlns="" xmlns:a16="http://schemas.microsoft.com/office/drawing/2014/main" id="{1B725207-B435-4A16-88F0-96A34418672B}"/>
+                <a16:creationId xmlns:a16="http://schemas.microsoft.com/office/drawing/2014/main" xmlns="" id="{1B725207-B435-4A16-88F0-96A34418672B}"/>
               </a:ext>
             </a:extLst>
           </p:cNvPr>
@@ -10892,7 +10892,7 @@
           <p:cNvPr id="3" name="Content Placeholder 2">
             <a:extLst>
               <a:ext uri="{FF2B5EF4-FFF2-40B4-BE49-F238E27FC236}">
-                <a16:creationId xmlns="" xmlns:a16="http://schemas.microsoft.com/office/drawing/2014/main" id="{442BB265-B270-4DEE-BD0B-73B5F4EDB70E}"/>
+                <a16:creationId xmlns:a16="http://schemas.microsoft.com/office/drawing/2014/main" xmlns="" id="{442BB265-B270-4DEE-BD0B-73B5F4EDB70E}"/>
               </a:ext>
             </a:extLst>
           </p:cNvPr>
@@ -10997,7 +10997,7 @@
           <p:cNvPr id="6" name="TextBox 5">
             <a:extLst>
               <a:ext uri="{FF2B5EF4-FFF2-40B4-BE49-F238E27FC236}">
-                <a16:creationId xmlns="" xmlns:a16="http://schemas.microsoft.com/office/drawing/2014/main" id="{2F8068FF-0A27-4BAE-94EA-06BD9B4EA040}"/>
+                <a16:creationId xmlns:a16="http://schemas.microsoft.com/office/drawing/2014/main" xmlns="" id="{2F8068FF-0A27-4BAE-94EA-06BD9B4EA040}"/>
               </a:ext>
             </a:extLst>
           </p:cNvPr>
@@ -11033,7 +11033,7 @@
           <p:cNvPr id="7" name="Table 9">
             <a:extLst>
               <a:ext uri="{FF2B5EF4-FFF2-40B4-BE49-F238E27FC236}">
-                <a16:creationId xmlns="" xmlns:a16="http://schemas.microsoft.com/office/drawing/2014/main" id="{BC547B9E-BCF4-457C-B7A5-9BFD94C46369}"/>
+                <a16:creationId xmlns:a16="http://schemas.microsoft.com/office/drawing/2014/main" xmlns="" id="{BC547B9E-BCF4-457C-B7A5-9BFD94C46369}"/>
               </a:ext>
             </a:extLst>
           </p:cNvPr>
@@ -11056,21 +11056,21 @@
                 <a:gridCol w="1140431">
                   <a:extLst>
                     <a:ext uri="{9D8B030D-6E8A-4147-A177-3AD203B41FA5}">
-                      <a16:colId xmlns="" xmlns:a16="http://schemas.microsoft.com/office/drawing/2014/main" val="2247279278"/>
+                      <a16:colId xmlns:a16="http://schemas.microsoft.com/office/drawing/2014/main" xmlns="" val="2247279278"/>
                     </a:ext>
                   </a:extLst>
                 </a:gridCol>
                 <a:gridCol w="1140431">
                   <a:extLst>
                     <a:ext uri="{9D8B030D-6E8A-4147-A177-3AD203B41FA5}">
-                      <a16:colId xmlns="" xmlns:a16="http://schemas.microsoft.com/office/drawing/2014/main" val="691657574"/>
+                      <a16:colId xmlns:a16="http://schemas.microsoft.com/office/drawing/2014/main" xmlns="" val="691657574"/>
                     </a:ext>
                   </a:extLst>
                 </a:gridCol>
                 <a:gridCol w="1140431">
                   <a:extLst>
                     <a:ext uri="{9D8B030D-6E8A-4147-A177-3AD203B41FA5}">
-                      <a16:colId xmlns="" xmlns:a16="http://schemas.microsoft.com/office/drawing/2014/main" val="2517726121"/>
+                      <a16:colId xmlns:a16="http://schemas.microsoft.com/office/drawing/2014/main" xmlns="" val="2517726121"/>
                     </a:ext>
                   </a:extLst>
                 </a:gridCol>
@@ -11117,7 +11117,7 @@
                 </a:tc>
                 <a:extLst>
                   <a:ext uri="{0D108BD9-81ED-4DB2-BD59-A6C34878D82A}">
-                    <a16:rowId xmlns="" xmlns:a16="http://schemas.microsoft.com/office/drawing/2014/main" val="370146383"/>
+                    <a16:rowId xmlns:a16="http://schemas.microsoft.com/office/drawing/2014/main" xmlns="" val="370146383"/>
                   </a:ext>
                 </a:extLst>
               </a:tr>
@@ -11571,7 +11571,7 @@
           <p:cNvPr id="2" name="Title 1">
             <a:extLst>
               <a:ext uri="{FF2B5EF4-FFF2-40B4-BE49-F238E27FC236}">
-                <a16:creationId xmlns="" xmlns:a16="http://schemas.microsoft.com/office/drawing/2014/main" id="{4BC1B529-4541-4886-9922-47CF81B6B6DF}"/>
+                <a16:creationId xmlns:a16="http://schemas.microsoft.com/office/drawing/2014/main" xmlns="" id="{4BC1B529-4541-4886-9922-47CF81B6B6DF}"/>
               </a:ext>
             </a:extLst>
           </p:cNvPr>
@@ -11599,7 +11599,7 @@
           <p:cNvPr id="3" name="Content Placeholder 2">
             <a:extLst>
               <a:ext uri="{FF2B5EF4-FFF2-40B4-BE49-F238E27FC236}">
-                <a16:creationId xmlns="" xmlns:a16="http://schemas.microsoft.com/office/drawing/2014/main" id="{DF6D44C2-1AE9-420D-8908-77CCB9F2B040}"/>
+                <a16:creationId xmlns:a16="http://schemas.microsoft.com/office/drawing/2014/main" xmlns="" id="{DF6D44C2-1AE9-420D-8908-77CCB9F2B040}"/>
               </a:ext>
             </a:extLst>
           </p:cNvPr>
@@ -11671,7 +11671,7 @@
           <p:cNvPr id="2" name="Title 1">
             <a:extLst>
               <a:ext uri="{FF2B5EF4-FFF2-40B4-BE49-F238E27FC236}">
-                <a16:creationId xmlns="" xmlns:a16="http://schemas.microsoft.com/office/drawing/2014/main" id="{B69C4D51-F64C-467D-90C2-D7A72CFB30C4}"/>
+                <a16:creationId xmlns:a16="http://schemas.microsoft.com/office/drawing/2014/main" xmlns="" id="{B69C4D51-F64C-467D-90C2-D7A72CFB30C4}"/>
               </a:ext>
             </a:extLst>
           </p:cNvPr>
@@ -11699,7 +11699,7 @@
           <p:cNvPr id="3" name="Content Placeholder 2">
             <a:extLst>
               <a:ext uri="{FF2B5EF4-FFF2-40B4-BE49-F238E27FC236}">
-                <a16:creationId xmlns="" xmlns:a16="http://schemas.microsoft.com/office/drawing/2014/main" id="{8D3B497E-6E89-40AD-B4C2-E7FE5307C4BD}"/>
+                <a16:creationId xmlns:a16="http://schemas.microsoft.com/office/drawing/2014/main" xmlns="" id="{8D3B497E-6E89-40AD-B4C2-E7FE5307C4BD}"/>
               </a:ext>
             </a:extLst>
           </p:cNvPr>
@@ -12015,7 +12015,7 @@
           <p:cNvPr id="2" name="Title 1">
             <a:extLst>
               <a:ext uri="{FF2B5EF4-FFF2-40B4-BE49-F238E27FC236}">
-                <a16:creationId xmlns="" xmlns:a16="http://schemas.microsoft.com/office/drawing/2014/main" id="{28F94AFC-03C9-4930-BC67-2251DC46772A}"/>
+                <a16:creationId xmlns:a16="http://schemas.microsoft.com/office/drawing/2014/main" xmlns="" id="{28F94AFC-03C9-4930-BC67-2251DC46772A}"/>
               </a:ext>
             </a:extLst>
           </p:cNvPr>
@@ -12043,7 +12043,7 @@
           <p:cNvPr id="3" name="Content Placeholder 2">
             <a:extLst>
               <a:ext uri="{FF2B5EF4-FFF2-40B4-BE49-F238E27FC236}">
-                <a16:creationId xmlns="" xmlns:a16="http://schemas.microsoft.com/office/drawing/2014/main" id="{8BBFAEC5-26B0-432D-BC81-53372ABB98D6}"/>
+                <a16:creationId xmlns:a16="http://schemas.microsoft.com/office/drawing/2014/main" xmlns="" id="{8BBFAEC5-26B0-432D-BC81-53372ABB98D6}"/>
               </a:ext>
             </a:extLst>
           </p:cNvPr>
@@ -12451,7 +12451,7 @@
           <p:cNvPr id="2" name="Title 1">
             <a:extLst>
               <a:ext uri="{FF2B5EF4-FFF2-40B4-BE49-F238E27FC236}">
-                <a16:creationId xmlns="" xmlns:a16="http://schemas.microsoft.com/office/drawing/2014/main" id="{7FE78593-5CA1-4020-863E-26E11A23A17E}"/>
+                <a16:creationId xmlns:a16="http://schemas.microsoft.com/office/drawing/2014/main" xmlns="" id="{7FE78593-5CA1-4020-863E-26E11A23A17E}"/>
               </a:ext>
             </a:extLst>
           </p:cNvPr>
@@ -12468,12 +12468,12 @@
           <a:lstStyle/>
           <a:p>
             <a:r>
-              <a:rPr lang="en-US">
+              <a:rPr lang="en-US" dirty="0">
                 <a:cs typeface="Calibri Light"/>
               </a:rPr>
               <a:t>Getting Started … </a:t>
             </a:r>
-            <a:endParaRPr lang="en-US"/>
+            <a:endParaRPr lang="en-US" dirty="0"/>
           </a:p>
         </p:txBody>
       </p:sp>
@@ -12482,7 +12482,7 @@
           <p:cNvPr id="3" name="Content Placeholder 2">
             <a:extLst>
               <a:ext uri="{FF2B5EF4-FFF2-40B4-BE49-F238E27FC236}">
-                <a16:creationId xmlns="" xmlns:a16="http://schemas.microsoft.com/office/drawing/2014/main" id="{A9C25BD5-DCFC-422B-84F0-A697AE79A61F}"/>
+                <a16:creationId xmlns:a16="http://schemas.microsoft.com/office/drawing/2014/main" xmlns="" id="{A9C25BD5-DCFC-422B-84F0-A697AE79A61F}"/>
               </a:ext>
             </a:extLst>
           </p:cNvPr>
@@ -12757,7 +12757,7 @@
           <p:cNvPr id="2" name="Title 1">
             <a:extLst>
               <a:ext uri="{FF2B5EF4-FFF2-40B4-BE49-F238E27FC236}">
-                <a16:creationId xmlns="" xmlns:a16="http://schemas.microsoft.com/office/drawing/2014/main" id="{8014C0DE-DEDE-4242-A312-1CD20E30D27D}"/>
+                <a16:creationId xmlns:a16="http://schemas.microsoft.com/office/drawing/2014/main" xmlns="" id="{8014C0DE-DEDE-4242-A312-1CD20E30D27D}"/>
               </a:ext>
             </a:extLst>
           </p:cNvPr>
@@ -12788,7 +12788,7 @@
           <p:cNvPr id="3" name="Content Placeholder 2">
             <a:extLst>
               <a:ext uri="{FF2B5EF4-FFF2-40B4-BE49-F238E27FC236}">
-                <a16:creationId xmlns="" xmlns:a16="http://schemas.microsoft.com/office/drawing/2014/main" id="{2E4AE33E-0FD2-4B21-A7D8-2A980D53CDD5}"/>
+                <a16:creationId xmlns:a16="http://schemas.microsoft.com/office/drawing/2014/main" xmlns="" id="{2E4AE33E-0FD2-4B21-A7D8-2A980D53CDD5}"/>
               </a:ext>
             </a:extLst>
           </p:cNvPr>
@@ -13008,7 +13008,7 @@
           <p:cNvPr id="2" name="Title 1">
             <a:extLst>
               <a:ext uri="{FF2B5EF4-FFF2-40B4-BE49-F238E27FC236}">
-                <a16:creationId xmlns="" xmlns:a16="http://schemas.microsoft.com/office/drawing/2014/main" id="{7FE78593-5CA1-4020-863E-26E11A23A17E}"/>
+                <a16:creationId xmlns:a16="http://schemas.microsoft.com/office/drawing/2014/main" xmlns="" id="{7FE78593-5CA1-4020-863E-26E11A23A17E}"/>
               </a:ext>
             </a:extLst>
           </p:cNvPr>
@@ -13039,7 +13039,7 @@
           <p:cNvPr id="3" name="Content Placeholder 2">
             <a:extLst>
               <a:ext uri="{FF2B5EF4-FFF2-40B4-BE49-F238E27FC236}">
-                <a16:creationId xmlns="" xmlns:a16="http://schemas.microsoft.com/office/drawing/2014/main" id="{A9C25BD5-DCFC-422B-84F0-A697AE79A61F}"/>
+                <a16:creationId xmlns:a16="http://schemas.microsoft.com/office/drawing/2014/main" xmlns="" id="{A9C25BD5-DCFC-422B-84F0-A697AE79A61F}"/>
               </a:ext>
             </a:extLst>
           </p:cNvPr>
@@ -13174,7 +13174,7 @@
           <p:cNvPr id="2" name="Title 1">
             <a:extLst>
               <a:ext uri="{FF2B5EF4-FFF2-40B4-BE49-F238E27FC236}">
-                <a16:creationId xmlns="" xmlns:a16="http://schemas.microsoft.com/office/drawing/2014/main" id="{7FE78593-5CA1-4020-863E-26E11A23A17E}"/>
+                <a16:creationId xmlns:a16="http://schemas.microsoft.com/office/drawing/2014/main" xmlns="" id="{7FE78593-5CA1-4020-863E-26E11A23A17E}"/>
               </a:ext>
             </a:extLst>
           </p:cNvPr>
@@ -13205,7 +13205,7 @@
           <p:cNvPr id="3" name="Content Placeholder 2">
             <a:extLst>
               <a:ext uri="{FF2B5EF4-FFF2-40B4-BE49-F238E27FC236}">
-                <a16:creationId xmlns="" xmlns:a16="http://schemas.microsoft.com/office/drawing/2014/main" id="{A9C25BD5-DCFC-422B-84F0-A697AE79A61F}"/>
+                <a16:creationId xmlns:a16="http://schemas.microsoft.com/office/drawing/2014/main" xmlns="" id="{A9C25BD5-DCFC-422B-84F0-A697AE79A61F}"/>
               </a:ext>
             </a:extLst>
           </p:cNvPr>

--- a/Databasae management system/theory/course material/Lecture 5 DDL.pptx
+++ b/Databasae management system/theory/course material/Lecture 5 DDL.pptx
@@ -239,7 +239,7 @@
           <a:p>
             <a:fld id="{C0865839-5307-42C8-8978-C5E0E79B0B9F}" type="datetimeFigureOut">
               <a:rPr lang="en-US"/>
-              <a:t>12/1/2024</a:t>
+              <a:t>12/14/2024</a:t>
             </a:fld>
             <a:endParaRPr lang="en-US"/>
           </a:p>
@@ -997,7 +997,7 @@
           <a:p>
             <a:fld id="{4BDF68E2-58F2-4D09-BE8B-E3BD06533059}" type="datetimeFigureOut">
               <a:rPr lang="en-US" dirty="0"/>
-              <a:t>12/1/2024</a:t>
+              <a:t>12/14/2024</a:t>
             </a:fld>
             <a:endParaRPr lang="en-US"/>
           </a:p>
@@ -1203,7 +1203,7 @@
           <a:p>
             <a:fld id="{2E2D6473-DF6D-4702-B328-E0DD40540A4E}" type="datetimeFigureOut">
               <a:rPr lang="en-US" dirty="0"/>
-              <a:t>12/1/2024</a:t>
+              <a:t>12/14/2024</a:t>
             </a:fld>
             <a:endParaRPr lang="en-US"/>
           </a:p>
@@ -1457,7 +1457,7 @@
           <a:p>
             <a:fld id="{E26F7E3A-B166-407D-9866-32884E7D5B37}" type="datetimeFigureOut">
               <a:rPr lang="en-US" dirty="0"/>
-              <a:t>12/1/2024</a:t>
+              <a:t>12/14/2024</a:t>
             </a:fld>
             <a:endParaRPr lang="en-US"/>
           </a:p>
@@ -1629,7 +1629,7 @@
           <a:p>
             <a:fld id="{528FC5F6-F338-4AE4-BB23-26385BCFC423}" type="datetimeFigureOut">
               <a:rPr lang="en-US" dirty="0"/>
-              <a:t>12/1/2024</a:t>
+              <a:t>12/14/2024</a:t>
             </a:fld>
             <a:endParaRPr lang="en-US"/>
           </a:p>
@@ -1971,7 +1971,7 @@
           <a:p>
             <a:fld id="{20EBB0C4-6273-4C6E-B9BD-2EDC30F1CD52}" type="datetimeFigureOut">
               <a:rPr lang="en-US" dirty="0"/>
-              <a:t>12/1/2024</a:t>
+              <a:t>12/14/2024</a:t>
             </a:fld>
             <a:endParaRPr lang="en-US"/>
           </a:p>
@@ -2243,7 +2243,7 @@
           <a:p>
             <a:fld id="{19AB4D41-86C1-4908-B66A-0B50CEB3BF29}" type="datetimeFigureOut">
               <a:rPr lang="en-US" dirty="0"/>
-              <a:t>12/1/2024</a:t>
+              <a:t>12/14/2024</a:t>
             </a:fld>
             <a:endParaRPr lang="en-US"/>
           </a:p>
@@ -2619,7 +2619,7 @@
           <a:p>
             <a:fld id="{E6426E2C-56C1-4E0D-A793-0088A7FDD37E}" type="datetimeFigureOut">
               <a:rPr lang="en-US" dirty="0"/>
-              <a:t>12/1/2024</a:t>
+              <a:t>12/14/2024</a:t>
             </a:fld>
             <a:endParaRPr lang="en-US"/>
           </a:p>
@@ -2736,7 +2736,7 @@
           <a:p>
             <a:fld id="{C8C39B41-D8B5-4052-B551-9B5525EAA8B6}" type="datetimeFigureOut">
               <a:rPr lang="en-US" dirty="0"/>
-              <a:t>12/1/2024</a:t>
+              <a:t>12/14/2024</a:t>
             </a:fld>
             <a:endParaRPr lang="en-US"/>
           </a:p>
@@ -2907,7 +2907,7 @@
           <a:p>
             <a:fld id="{4D94136C-8742-45B2-AF27-D93DF72833A9}" type="datetimeFigureOut">
               <a:rPr lang="en-US" dirty="0"/>
-              <a:t>12/1/2024</a:t>
+              <a:t>12/14/2024</a:t>
             </a:fld>
             <a:endParaRPr lang="en-US"/>
           </a:p>
@@ -3260,7 +3260,7 @@
           <a:p>
             <a:fld id="{32ABBEA6-7C60-4B02-AE87-00D78D8422AF}" type="datetimeFigureOut">
               <a:rPr lang="en-US" dirty="0"/>
-              <a:t>12/1/2024</a:t>
+              <a:t>12/14/2024</a:t>
             </a:fld>
             <a:endParaRPr lang="en-US"/>
           </a:p>
@@ -3638,7 +3638,7 @@
           <a:p>
             <a:fld id="{C9CAD897-D46E-4AD2-BD9B-49DD3E640873}" type="datetimeFigureOut">
               <a:rPr lang="en-US" dirty="0"/>
-              <a:t>12/1/2024</a:t>
+              <a:t>12/14/2024</a:t>
             </a:fld>
             <a:endParaRPr lang="en-US"/>
           </a:p>
@@ -3923,7 +3923,7 @@
           <a:p>
             <a:fld id="{98624D31-43A5-475A-80CF-332C9F6DCF35}" type="datetimeFigureOut">
               <a:rPr lang="en-US" dirty="0"/>
-              <a:t>12/1/2024</a:t>
+              <a:t>12/14/2024</a:t>
             </a:fld>
             <a:endParaRPr lang="en-US"/>
           </a:p>
@@ -4454,7 +4454,7 @@
           <p:cNvPr id="2" name="Title 1">
             <a:extLst>
               <a:ext uri="{FF2B5EF4-FFF2-40B4-BE49-F238E27FC236}">
-                <a16:creationId xmlns:a16="http://schemas.microsoft.com/office/drawing/2014/main" xmlns="" id="{FAF50B85-AACF-47E0-883B-AEFC0EE87705}"/>
+                <a16:creationId xmlns="" xmlns:a16="http://schemas.microsoft.com/office/drawing/2014/main" id="{FAF50B85-AACF-47E0-883B-AEFC0EE87705}"/>
               </a:ext>
             </a:extLst>
           </p:cNvPr>
@@ -4498,7 +4498,7 @@
           <p:cNvPr id="3" name="Content Placeholder 2">
             <a:extLst>
               <a:ext uri="{FF2B5EF4-FFF2-40B4-BE49-F238E27FC236}">
-                <a16:creationId xmlns:a16="http://schemas.microsoft.com/office/drawing/2014/main" xmlns="" id="{C11371EC-72F9-4546-AF77-6876AFAAF490}"/>
+                <a16:creationId xmlns="" xmlns:a16="http://schemas.microsoft.com/office/drawing/2014/main" id="{C11371EC-72F9-4546-AF77-6876AFAAF490}"/>
               </a:ext>
             </a:extLst>
           </p:cNvPr>
@@ -4680,7 +4680,7 @@
           <p:cNvPr id="2" name="Title 1">
             <a:extLst>
               <a:ext uri="{FF2B5EF4-FFF2-40B4-BE49-F238E27FC236}">
-                <a16:creationId xmlns:a16="http://schemas.microsoft.com/office/drawing/2014/main" xmlns="" id="{448613A2-709B-47FB-BB1A-3A0F4F11B128}"/>
+                <a16:creationId xmlns="" xmlns:a16="http://schemas.microsoft.com/office/drawing/2014/main" id="{448613A2-709B-47FB-BB1A-3A0F4F11B128}"/>
               </a:ext>
             </a:extLst>
           </p:cNvPr>
@@ -4708,7 +4708,7 @@
           <p:cNvPr id="3" name="Content Placeholder 2">
             <a:extLst>
               <a:ext uri="{FF2B5EF4-FFF2-40B4-BE49-F238E27FC236}">
-                <a16:creationId xmlns:a16="http://schemas.microsoft.com/office/drawing/2014/main" xmlns="" id="{09C4E6FB-A066-4F24-9A90-CD75D79EC3F0}"/>
+                <a16:creationId xmlns="" xmlns:a16="http://schemas.microsoft.com/office/drawing/2014/main" id="{09C4E6FB-A066-4F24-9A90-CD75D79EC3F0}"/>
               </a:ext>
             </a:extLst>
           </p:cNvPr>
@@ -4836,7 +4836,7 @@
           <p:cNvPr id="4" name="Content Placeholder 3">
             <a:extLst>
               <a:ext uri="{FF2B5EF4-FFF2-40B4-BE49-F238E27FC236}">
-                <a16:creationId xmlns:a16="http://schemas.microsoft.com/office/drawing/2014/main" xmlns="" id="{0AF9049B-3CFC-4FD3-A3FB-CCBFF9C3ACCE}"/>
+                <a16:creationId xmlns="" xmlns:a16="http://schemas.microsoft.com/office/drawing/2014/main" id="{0AF9049B-3CFC-4FD3-A3FB-CCBFF9C3ACCE}"/>
               </a:ext>
             </a:extLst>
           </p:cNvPr>
@@ -4892,7 +4892,7 @@
           <p:cNvPr id="5" name="Content Placeholder 2">
             <a:extLst>
               <a:ext uri="{FF2B5EF4-FFF2-40B4-BE49-F238E27FC236}">
-                <a16:creationId xmlns:a16="http://schemas.microsoft.com/office/drawing/2014/main" xmlns="" id="{8C10DB8D-625D-4BD9-9AC4-AC365E5F0F03}"/>
+                <a16:creationId xmlns="" xmlns:a16="http://schemas.microsoft.com/office/drawing/2014/main" id="{8C10DB8D-625D-4BD9-9AC4-AC365E5F0F03}"/>
               </a:ext>
             </a:extLst>
           </p:cNvPr>
@@ -4903,7 +4903,7 @@
         </p:nvSpPr>
         <p:spPr>
           <a:xfrm>
-            <a:off x="8686152" y="1824568"/>
+            <a:off x="8686152" y="1832806"/>
             <a:ext cx="3470829" cy="4023360"/>
           </a:xfrm>
           <a:prstGeom prst="rect">
@@ -5306,7 +5306,7 @@
           <p:cNvPr id="2" name="Title 1">
             <a:extLst>
               <a:ext uri="{FF2B5EF4-FFF2-40B4-BE49-F238E27FC236}">
-                <a16:creationId xmlns:a16="http://schemas.microsoft.com/office/drawing/2014/main" xmlns="" id="{A372C2FE-63E3-4582-BB83-B245C5AB2BBC}"/>
+                <a16:creationId xmlns="" xmlns:a16="http://schemas.microsoft.com/office/drawing/2014/main" id="{A372C2FE-63E3-4582-BB83-B245C5AB2BBC}"/>
               </a:ext>
             </a:extLst>
           </p:cNvPr>
@@ -5337,7 +5337,7 @@
           <p:cNvPr id="3" name="Content Placeholder 2">
             <a:extLst>
               <a:ext uri="{FF2B5EF4-FFF2-40B4-BE49-F238E27FC236}">
-                <a16:creationId xmlns:a16="http://schemas.microsoft.com/office/drawing/2014/main" xmlns="" id="{4B42E912-6EE6-4ED9-8464-431FFE36832E}"/>
+                <a16:creationId xmlns="" xmlns:a16="http://schemas.microsoft.com/office/drawing/2014/main" id="{4B42E912-6EE6-4ED9-8464-431FFE36832E}"/>
               </a:ext>
             </a:extLst>
           </p:cNvPr>
@@ -5348,7 +5348,12 @@
             <p:ph idx="1"/>
           </p:nvPr>
         </p:nvSpPr>
-        <p:spPr/>
+        <p:spPr>
+          <a:xfrm>
+            <a:off x="1097280" y="1862210"/>
+            <a:ext cx="10058400" cy="4023360"/>
+          </a:xfrm>
+        </p:spPr>
         <p:txBody>
           <a:bodyPr vert="horz" lIns="91440" tIns="45720" rIns="91440" bIns="45720" rtlCol="0" anchor="t">
             <a:normAutofit lnSpcReduction="10000"/>
@@ -5653,7 +5658,7 @@
           <p:cNvPr id="2" name="Title 1">
             <a:extLst>
               <a:ext uri="{FF2B5EF4-FFF2-40B4-BE49-F238E27FC236}">
-                <a16:creationId xmlns:a16="http://schemas.microsoft.com/office/drawing/2014/main" xmlns="" id="{E85CEFF0-3D2C-453D-A5DE-AB8D07A8A6F0}"/>
+                <a16:creationId xmlns="" xmlns:a16="http://schemas.microsoft.com/office/drawing/2014/main" id="{E85CEFF0-3D2C-453D-A5DE-AB8D07A8A6F0}"/>
               </a:ext>
             </a:extLst>
           </p:cNvPr>
@@ -5684,7 +5689,7 @@
           <p:cNvPr id="3" name="Content Placeholder 2">
             <a:extLst>
               <a:ext uri="{FF2B5EF4-FFF2-40B4-BE49-F238E27FC236}">
-                <a16:creationId xmlns:a16="http://schemas.microsoft.com/office/drawing/2014/main" xmlns="" id="{A63C8401-45D0-4D83-91D7-00710AFFAD99}"/>
+                <a16:creationId xmlns="" xmlns:a16="http://schemas.microsoft.com/office/drawing/2014/main" id="{A63C8401-45D0-4D83-91D7-00710AFFAD99}"/>
               </a:ext>
             </a:extLst>
           </p:cNvPr>
@@ -5826,7 +5831,7 @@
           <p:cNvPr id="2" name="Title 1">
             <a:extLst>
               <a:ext uri="{FF2B5EF4-FFF2-40B4-BE49-F238E27FC236}">
-                <a16:creationId xmlns:a16="http://schemas.microsoft.com/office/drawing/2014/main" xmlns="" id="{F7D76782-2AFC-484F-86E9-79B66B50D4DE}"/>
+                <a16:creationId xmlns="" xmlns:a16="http://schemas.microsoft.com/office/drawing/2014/main" id="{F7D76782-2AFC-484F-86E9-79B66B50D4DE}"/>
               </a:ext>
             </a:extLst>
           </p:cNvPr>
@@ -5962,7 +5967,7 @@
           <p:cNvPr id="3" name="Content Placeholder 2">
             <a:extLst>
               <a:ext uri="{FF2B5EF4-FFF2-40B4-BE49-F238E27FC236}">
-                <a16:creationId xmlns:a16="http://schemas.microsoft.com/office/drawing/2014/main" xmlns="" id="{C20D2F24-DB19-4CC2-A923-66DB28D54E4E}"/>
+                <a16:creationId xmlns="" xmlns:a16="http://schemas.microsoft.com/office/drawing/2014/main" id="{C20D2F24-DB19-4CC2-A923-66DB28D54E4E}"/>
               </a:ext>
             </a:extLst>
           </p:cNvPr>
@@ -6636,7 +6641,7 @@
           <p:cNvPr id="2" name="Title 1">
             <a:extLst>
               <a:ext uri="{FF2B5EF4-FFF2-40B4-BE49-F238E27FC236}">
-                <a16:creationId xmlns:a16="http://schemas.microsoft.com/office/drawing/2014/main" xmlns="" id="{F7D76782-2AFC-484F-86E9-79B66B50D4DE}"/>
+                <a16:creationId xmlns="" xmlns:a16="http://schemas.microsoft.com/office/drawing/2014/main" id="{F7D76782-2AFC-484F-86E9-79B66B50D4DE}"/>
               </a:ext>
             </a:extLst>
           </p:cNvPr>
@@ -6672,7 +6677,7 @@
           <p:cNvPr id="3" name="Content Placeholder 2">
             <a:extLst>
               <a:ext uri="{FF2B5EF4-FFF2-40B4-BE49-F238E27FC236}">
-                <a16:creationId xmlns:a16="http://schemas.microsoft.com/office/drawing/2014/main" xmlns="" id="{C20D2F24-DB19-4CC2-A923-66DB28D54E4E}"/>
+                <a16:creationId xmlns="" xmlns:a16="http://schemas.microsoft.com/office/drawing/2014/main" id="{C20D2F24-DB19-4CC2-A923-66DB28D54E4E}"/>
               </a:ext>
             </a:extLst>
           </p:cNvPr>
@@ -7139,7 +7144,7 @@
           <p:cNvPr id="2" name="Title 1">
             <a:extLst>
               <a:ext uri="{FF2B5EF4-FFF2-40B4-BE49-F238E27FC236}">
-                <a16:creationId xmlns:a16="http://schemas.microsoft.com/office/drawing/2014/main" xmlns="" id="{320D381B-3D99-46C8-9707-78C22C2D2ED1}"/>
+                <a16:creationId xmlns="" xmlns:a16="http://schemas.microsoft.com/office/drawing/2014/main" id="{320D381B-3D99-46C8-9707-78C22C2D2ED1}"/>
               </a:ext>
             </a:extLst>
           </p:cNvPr>
@@ -7265,7 +7270,7 @@
           <p:cNvPr id="3" name="Content Placeholder 2">
             <a:extLst>
               <a:ext uri="{FF2B5EF4-FFF2-40B4-BE49-F238E27FC236}">
-                <a16:creationId xmlns:a16="http://schemas.microsoft.com/office/drawing/2014/main" xmlns="" id="{019A17D5-0F05-4B8E-B702-94AB4092493B}"/>
+                <a16:creationId xmlns="" xmlns:a16="http://schemas.microsoft.com/office/drawing/2014/main" id="{019A17D5-0F05-4B8E-B702-94AB4092493B}"/>
               </a:ext>
             </a:extLst>
           </p:cNvPr>
@@ -7744,7 +7749,7 @@
           <p:cNvPr id="2" name="Title 1">
             <a:extLst>
               <a:ext uri="{FF2B5EF4-FFF2-40B4-BE49-F238E27FC236}">
-                <a16:creationId xmlns:a16="http://schemas.microsoft.com/office/drawing/2014/main" xmlns="" id="{F7D76782-2AFC-484F-86E9-79B66B50D4DE}"/>
+                <a16:creationId xmlns="" xmlns:a16="http://schemas.microsoft.com/office/drawing/2014/main" id="{F7D76782-2AFC-484F-86E9-79B66B50D4DE}"/>
               </a:ext>
             </a:extLst>
           </p:cNvPr>
@@ -7780,7 +7785,7 @@
           <p:cNvPr id="3" name="Content Placeholder 2">
             <a:extLst>
               <a:ext uri="{FF2B5EF4-FFF2-40B4-BE49-F238E27FC236}">
-                <a16:creationId xmlns:a16="http://schemas.microsoft.com/office/drawing/2014/main" xmlns="" id="{C20D2F24-DB19-4CC2-A923-66DB28D54E4E}"/>
+                <a16:creationId xmlns="" xmlns:a16="http://schemas.microsoft.com/office/drawing/2014/main" id="{C20D2F24-DB19-4CC2-A923-66DB28D54E4E}"/>
               </a:ext>
             </a:extLst>
           </p:cNvPr>
@@ -8226,7 +8231,7 @@
           <p:cNvPr id="2" name="Title 1">
             <a:extLst>
               <a:ext uri="{FF2B5EF4-FFF2-40B4-BE49-F238E27FC236}">
-                <a16:creationId xmlns:a16="http://schemas.microsoft.com/office/drawing/2014/main" xmlns="" id="{DE786905-6EC8-49C5-BDDC-0BC7A9AFD0AC}"/>
+                <a16:creationId xmlns="" xmlns:a16="http://schemas.microsoft.com/office/drawing/2014/main" id="{DE786905-6EC8-49C5-BDDC-0BC7A9AFD0AC}"/>
               </a:ext>
             </a:extLst>
           </p:cNvPr>
@@ -8257,7 +8262,7 @@
           <p:cNvPr id="3" name="Content Placeholder 2">
             <a:extLst>
               <a:ext uri="{FF2B5EF4-FFF2-40B4-BE49-F238E27FC236}">
-                <a16:creationId xmlns:a16="http://schemas.microsoft.com/office/drawing/2014/main" xmlns="" id="{26D3D96A-2656-4B90-8937-B80FEEBB16D7}"/>
+                <a16:creationId xmlns="" xmlns:a16="http://schemas.microsoft.com/office/drawing/2014/main" id="{26D3D96A-2656-4B90-8937-B80FEEBB16D7}"/>
               </a:ext>
             </a:extLst>
           </p:cNvPr>
@@ -8629,7 +8634,7 @@
           <p:cNvPr id="2" name="Title 1">
             <a:extLst>
               <a:ext uri="{FF2B5EF4-FFF2-40B4-BE49-F238E27FC236}">
-                <a16:creationId xmlns:a16="http://schemas.microsoft.com/office/drawing/2014/main" xmlns="" id="{FCB8F87E-7282-4C3C-9043-14F188B83545}"/>
+                <a16:creationId xmlns="" xmlns:a16="http://schemas.microsoft.com/office/drawing/2014/main" id="{FCB8F87E-7282-4C3C-9043-14F188B83545}"/>
               </a:ext>
             </a:extLst>
           </p:cNvPr>
@@ -8701,7 +8706,7 @@
           <p:cNvPr id="4" name="Picture 4" descr="Diagram&#10;&#10;Description automatically generated">
             <a:extLst>
               <a:ext uri="{FF2B5EF4-FFF2-40B4-BE49-F238E27FC236}">
-                <a16:creationId xmlns:a16="http://schemas.microsoft.com/office/drawing/2014/main" xmlns="" id="{DCFFCCFC-9041-4EC0-B97F-28DBD57D4A83}"/>
+                <a16:creationId xmlns="" xmlns:a16="http://schemas.microsoft.com/office/drawing/2014/main" id="{DCFFCCFC-9041-4EC0-B97F-28DBD57D4A83}"/>
               </a:ext>
             </a:extLst>
           </p:cNvPr>
@@ -8760,7 +8765,7 @@
           <p:cNvPr id="2" name="Title 1">
             <a:extLst>
               <a:ext uri="{FF2B5EF4-FFF2-40B4-BE49-F238E27FC236}">
-                <a16:creationId xmlns:a16="http://schemas.microsoft.com/office/drawing/2014/main" xmlns="" id="{9C6804BF-4C05-4A7B-A004-1911B5722F2B}"/>
+                <a16:creationId xmlns="" xmlns:a16="http://schemas.microsoft.com/office/drawing/2014/main" id="{9C6804BF-4C05-4A7B-A004-1911B5722F2B}"/>
               </a:ext>
             </a:extLst>
           </p:cNvPr>
@@ -8791,7 +8796,7 @@
           <p:cNvPr id="3" name="Content Placeholder 2">
             <a:extLst>
               <a:ext uri="{FF2B5EF4-FFF2-40B4-BE49-F238E27FC236}">
-                <a16:creationId xmlns:a16="http://schemas.microsoft.com/office/drawing/2014/main" xmlns="" id="{2016B212-EF1B-4365-8961-2F9E25E2CD98}"/>
+                <a16:creationId xmlns="" xmlns:a16="http://schemas.microsoft.com/office/drawing/2014/main" id="{2016B212-EF1B-4365-8961-2F9E25E2CD98}"/>
               </a:ext>
             </a:extLst>
           </p:cNvPr>
@@ -9054,7 +9059,7 @@
           <p:cNvPr id="2" name="Title 1">
             <a:extLst>
               <a:ext uri="{FF2B5EF4-FFF2-40B4-BE49-F238E27FC236}">
-                <a16:creationId xmlns:a16="http://schemas.microsoft.com/office/drawing/2014/main" xmlns="" id="{B928A14C-CEC6-45CD-B427-71960C65D357}"/>
+                <a16:creationId xmlns="" xmlns:a16="http://schemas.microsoft.com/office/drawing/2014/main" id="{B928A14C-CEC6-45CD-B427-71960C65D357}"/>
               </a:ext>
             </a:extLst>
           </p:cNvPr>
@@ -9085,7 +9090,7 @@
           <p:cNvPr id="3" name="Content Placeholder 2">
             <a:extLst>
               <a:ext uri="{FF2B5EF4-FFF2-40B4-BE49-F238E27FC236}">
-                <a16:creationId xmlns:a16="http://schemas.microsoft.com/office/drawing/2014/main" xmlns="" id="{F1D13127-6A5A-4848-878B-312C7A4AB845}"/>
+                <a16:creationId xmlns="" xmlns:a16="http://schemas.microsoft.com/office/drawing/2014/main" id="{F1D13127-6A5A-4848-878B-312C7A4AB845}"/>
               </a:ext>
             </a:extLst>
           </p:cNvPr>
@@ -9219,7 +9224,7 @@
           <p:cNvPr id="483330" name="Rectangle 2">
             <a:extLst>
               <a:ext uri="{FF2B5EF4-FFF2-40B4-BE49-F238E27FC236}">
-                <a16:creationId xmlns:a16="http://schemas.microsoft.com/office/drawing/2014/main" xmlns="" id="{9A1AA394-7134-4846-94A4-420BE41D2B4F}"/>
+                <a16:creationId xmlns="" xmlns:a16="http://schemas.microsoft.com/office/drawing/2014/main" id="{9A1AA394-7134-4846-94A4-420BE41D2B4F}"/>
               </a:ext>
             </a:extLst>
           </p:cNvPr>
@@ -9255,7 +9260,7 @@
           <p:cNvPr id="27652" name="Rectangle 3">
             <a:extLst>
               <a:ext uri="{FF2B5EF4-FFF2-40B4-BE49-F238E27FC236}">
-                <a16:creationId xmlns:a16="http://schemas.microsoft.com/office/drawing/2014/main" xmlns="" id="{755B4DFC-11AF-47CF-B14A-DC7F6D9D71E5}"/>
+                <a16:creationId xmlns="" xmlns:a16="http://schemas.microsoft.com/office/drawing/2014/main" id="{755B4DFC-11AF-47CF-B14A-DC7F6D9D71E5}"/>
               </a:ext>
             </a:extLst>
           </p:cNvPr>
@@ -9382,7 +9387,7 @@
           <p:cNvPr id="485378" name="Rectangle 2">
             <a:extLst>
               <a:ext uri="{FF2B5EF4-FFF2-40B4-BE49-F238E27FC236}">
-                <a16:creationId xmlns:a16="http://schemas.microsoft.com/office/drawing/2014/main" xmlns="" id="{1A9D5343-E7F3-4992-B013-9E6BDBB3DFD0}"/>
+                <a16:creationId xmlns="" xmlns:a16="http://schemas.microsoft.com/office/drawing/2014/main" id="{1A9D5343-E7F3-4992-B013-9E6BDBB3DFD0}"/>
               </a:ext>
             </a:extLst>
           </p:cNvPr>
@@ -9418,7 +9423,7 @@
           <p:cNvPr id="28676" name="Rectangle 3">
             <a:extLst>
               <a:ext uri="{FF2B5EF4-FFF2-40B4-BE49-F238E27FC236}">
-                <a16:creationId xmlns:a16="http://schemas.microsoft.com/office/drawing/2014/main" xmlns="" id="{54F3B159-38C8-4CE6-8CA6-99298E690832}"/>
+                <a16:creationId xmlns="" xmlns:a16="http://schemas.microsoft.com/office/drawing/2014/main" id="{54F3B159-38C8-4CE6-8CA6-99298E690832}"/>
               </a:ext>
             </a:extLst>
           </p:cNvPr>
@@ -9976,7 +9981,7 @@
           <p:cNvPr id="2" name="Title 1">
             <a:extLst>
               <a:ext uri="{FF2B5EF4-FFF2-40B4-BE49-F238E27FC236}">
-                <a16:creationId xmlns:a16="http://schemas.microsoft.com/office/drawing/2014/main" xmlns="" id="{10583895-6DB9-4627-B94C-349E3347186D}"/>
+                <a16:creationId xmlns="" xmlns:a16="http://schemas.microsoft.com/office/drawing/2014/main" id="{10583895-6DB9-4627-B94C-349E3347186D}"/>
               </a:ext>
             </a:extLst>
           </p:cNvPr>
@@ -10004,7 +10009,7 @@
           <p:cNvPr id="3" name="Content Placeholder 2">
             <a:extLst>
               <a:ext uri="{FF2B5EF4-FFF2-40B4-BE49-F238E27FC236}">
-                <a16:creationId xmlns:a16="http://schemas.microsoft.com/office/drawing/2014/main" xmlns="" id="{ECA290EA-8CC5-44AE-B9AF-BA288FF4CF2B}"/>
+                <a16:creationId xmlns="" xmlns:a16="http://schemas.microsoft.com/office/drawing/2014/main" id="{ECA290EA-8CC5-44AE-B9AF-BA288FF4CF2B}"/>
               </a:ext>
             </a:extLst>
           </p:cNvPr>
@@ -10241,7 +10246,7 @@
           <p:cNvPr id="2" name="Title 1">
             <a:extLst>
               <a:ext uri="{FF2B5EF4-FFF2-40B4-BE49-F238E27FC236}">
-                <a16:creationId xmlns:a16="http://schemas.microsoft.com/office/drawing/2014/main" xmlns="" id="{1B725207-B435-4A16-88F0-96A34418672B}"/>
+                <a16:creationId xmlns="" xmlns:a16="http://schemas.microsoft.com/office/drawing/2014/main" id="{1B725207-B435-4A16-88F0-96A34418672B}"/>
               </a:ext>
             </a:extLst>
           </p:cNvPr>
@@ -10269,7 +10274,7 @@
           <p:cNvPr id="3" name="Content Placeholder 2">
             <a:extLst>
               <a:ext uri="{FF2B5EF4-FFF2-40B4-BE49-F238E27FC236}">
-                <a16:creationId xmlns:a16="http://schemas.microsoft.com/office/drawing/2014/main" xmlns="" id="{442BB265-B270-4DEE-BD0B-73B5F4EDB70E}"/>
+                <a16:creationId xmlns="" xmlns:a16="http://schemas.microsoft.com/office/drawing/2014/main" id="{442BB265-B270-4DEE-BD0B-73B5F4EDB70E}"/>
               </a:ext>
             </a:extLst>
           </p:cNvPr>
@@ -10348,7 +10353,7 @@
           <p:cNvPr id="6" name="TextBox 5">
             <a:extLst>
               <a:ext uri="{FF2B5EF4-FFF2-40B4-BE49-F238E27FC236}">
-                <a16:creationId xmlns:a16="http://schemas.microsoft.com/office/drawing/2014/main" xmlns="" id="{2F8068FF-0A27-4BAE-94EA-06BD9B4EA040}"/>
+                <a16:creationId xmlns="" xmlns:a16="http://schemas.microsoft.com/office/drawing/2014/main" id="{2F8068FF-0A27-4BAE-94EA-06BD9B4EA040}"/>
               </a:ext>
             </a:extLst>
           </p:cNvPr>
@@ -10384,7 +10389,7 @@
           <p:cNvPr id="7" name="Table 9">
             <a:extLst>
               <a:ext uri="{FF2B5EF4-FFF2-40B4-BE49-F238E27FC236}">
-                <a16:creationId xmlns:a16="http://schemas.microsoft.com/office/drawing/2014/main" xmlns="" id="{BC547B9E-BCF4-457C-B7A5-9BFD94C46369}"/>
+                <a16:creationId xmlns="" xmlns:a16="http://schemas.microsoft.com/office/drawing/2014/main" id="{BC547B9E-BCF4-457C-B7A5-9BFD94C46369}"/>
               </a:ext>
             </a:extLst>
           </p:cNvPr>
@@ -10413,21 +10418,21 @@
                 <a:gridCol w="1140431">
                   <a:extLst>
                     <a:ext uri="{9D8B030D-6E8A-4147-A177-3AD203B41FA5}">
-                      <a16:colId xmlns:a16="http://schemas.microsoft.com/office/drawing/2014/main" xmlns="" val="2247279278"/>
+                      <a16:colId xmlns="" xmlns:a16="http://schemas.microsoft.com/office/drawing/2014/main" val="2247279278"/>
                     </a:ext>
                   </a:extLst>
                 </a:gridCol>
                 <a:gridCol w="1140431">
                   <a:extLst>
                     <a:ext uri="{9D8B030D-6E8A-4147-A177-3AD203B41FA5}">
-                      <a16:colId xmlns:a16="http://schemas.microsoft.com/office/drawing/2014/main" xmlns="" val="691657574"/>
+                      <a16:colId xmlns="" xmlns:a16="http://schemas.microsoft.com/office/drawing/2014/main" val="691657574"/>
                     </a:ext>
                   </a:extLst>
                 </a:gridCol>
                 <a:gridCol w="1140431">
                   <a:extLst>
                     <a:ext uri="{9D8B030D-6E8A-4147-A177-3AD203B41FA5}">
-                      <a16:colId xmlns:a16="http://schemas.microsoft.com/office/drawing/2014/main" xmlns="" val="2517726121"/>
+                      <a16:colId xmlns="" xmlns:a16="http://schemas.microsoft.com/office/drawing/2014/main" val="2517726121"/>
                     </a:ext>
                   </a:extLst>
                 </a:gridCol>
@@ -10474,7 +10479,7 @@
                 </a:tc>
                 <a:extLst>
                   <a:ext uri="{0D108BD9-81ED-4DB2-BD59-A6C34878D82A}">
-                    <a16:rowId xmlns:a16="http://schemas.microsoft.com/office/drawing/2014/main" xmlns="" val="370146383"/>
+                    <a16:rowId xmlns="" xmlns:a16="http://schemas.microsoft.com/office/drawing/2014/main" val="370146383"/>
                   </a:ext>
                 </a:extLst>
               </a:tr>
@@ -10517,7 +10522,7 @@
           <p:cNvPr id="2" name="Title 1">
             <a:extLst>
               <a:ext uri="{FF2B5EF4-FFF2-40B4-BE49-F238E27FC236}">
-                <a16:creationId xmlns:a16="http://schemas.microsoft.com/office/drawing/2014/main" xmlns="" id="{1B725207-B435-4A16-88F0-96A34418672B}"/>
+                <a16:creationId xmlns="" xmlns:a16="http://schemas.microsoft.com/office/drawing/2014/main" id="{1B725207-B435-4A16-88F0-96A34418672B}"/>
               </a:ext>
             </a:extLst>
           </p:cNvPr>
@@ -10545,7 +10550,7 @@
           <p:cNvPr id="3" name="Content Placeholder 2">
             <a:extLst>
               <a:ext uri="{FF2B5EF4-FFF2-40B4-BE49-F238E27FC236}">
-                <a16:creationId xmlns:a16="http://schemas.microsoft.com/office/drawing/2014/main" xmlns="" id="{442BB265-B270-4DEE-BD0B-73B5F4EDB70E}"/>
+                <a16:creationId xmlns="" xmlns:a16="http://schemas.microsoft.com/office/drawing/2014/main" id="{442BB265-B270-4DEE-BD0B-73B5F4EDB70E}"/>
               </a:ext>
             </a:extLst>
           </p:cNvPr>
@@ -10696,7 +10701,7 @@
           <p:cNvPr id="6" name="TextBox 5">
             <a:extLst>
               <a:ext uri="{FF2B5EF4-FFF2-40B4-BE49-F238E27FC236}">
-                <a16:creationId xmlns:a16="http://schemas.microsoft.com/office/drawing/2014/main" xmlns="" id="{2F8068FF-0A27-4BAE-94EA-06BD9B4EA040}"/>
+                <a16:creationId xmlns="" xmlns:a16="http://schemas.microsoft.com/office/drawing/2014/main" id="{2F8068FF-0A27-4BAE-94EA-06BD9B4EA040}"/>
               </a:ext>
             </a:extLst>
           </p:cNvPr>
@@ -10732,7 +10737,7 @@
           <p:cNvPr id="7" name="Table 9">
             <a:extLst>
               <a:ext uri="{FF2B5EF4-FFF2-40B4-BE49-F238E27FC236}">
-                <a16:creationId xmlns:a16="http://schemas.microsoft.com/office/drawing/2014/main" xmlns="" id="{BC547B9E-BCF4-457C-B7A5-9BFD94C46369}"/>
+                <a16:creationId xmlns="" xmlns:a16="http://schemas.microsoft.com/office/drawing/2014/main" id="{BC547B9E-BCF4-457C-B7A5-9BFD94C46369}"/>
               </a:ext>
             </a:extLst>
           </p:cNvPr>
@@ -10755,21 +10760,21 @@
                 <a:gridCol w="1140431">
                   <a:extLst>
                     <a:ext uri="{9D8B030D-6E8A-4147-A177-3AD203B41FA5}">
-                      <a16:colId xmlns:a16="http://schemas.microsoft.com/office/drawing/2014/main" xmlns="" val="2247279278"/>
+                      <a16:colId xmlns="" xmlns:a16="http://schemas.microsoft.com/office/drawing/2014/main" val="2247279278"/>
                     </a:ext>
                   </a:extLst>
                 </a:gridCol>
                 <a:gridCol w="1140431">
                   <a:extLst>
                     <a:ext uri="{9D8B030D-6E8A-4147-A177-3AD203B41FA5}">
-                      <a16:colId xmlns:a16="http://schemas.microsoft.com/office/drawing/2014/main" xmlns="" val="691657574"/>
+                      <a16:colId xmlns="" xmlns:a16="http://schemas.microsoft.com/office/drawing/2014/main" val="691657574"/>
                     </a:ext>
                   </a:extLst>
                 </a:gridCol>
                 <a:gridCol w="1140431">
                   <a:extLst>
                     <a:ext uri="{9D8B030D-6E8A-4147-A177-3AD203B41FA5}">
-                      <a16:colId xmlns:a16="http://schemas.microsoft.com/office/drawing/2014/main" xmlns="" val="2517726121"/>
+                      <a16:colId xmlns="" xmlns:a16="http://schemas.microsoft.com/office/drawing/2014/main" val="2517726121"/>
                     </a:ext>
                   </a:extLst>
                 </a:gridCol>
@@ -10816,7 +10821,7 @@
                 </a:tc>
                 <a:extLst>
                   <a:ext uri="{0D108BD9-81ED-4DB2-BD59-A6C34878D82A}">
-                    <a16:rowId xmlns:a16="http://schemas.microsoft.com/office/drawing/2014/main" xmlns="" val="370146383"/>
+                    <a16:rowId xmlns="" xmlns:a16="http://schemas.microsoft.com/office/drawing/2014/main" val="370146383"/>
                   </a:ext>
                 </a:extLst>
               </a:tr>
@@ -10859,7 +10864,7 @@
           <p:cNvPr id="2" name="Title 1">
             <a:extLst>
               <a:ext uri="{FF2B5EF4-FFF2-40B4-BE49-F238E27FC236}">
-                <a16:creationId xmlns:a16="http://schemas.microsoft.com/office/drawing/2014/main" xmlns="" id="{1B725207-B435-4A16-88F0-96A34418672B}"/>
+                <a16:creationId xmlns="" xmlns:a16="http://schemas.microsoft.com/office/drawing/2014/main" id="{1B725207-B435-4A16-88F0-96A34418672B}"/>
               </a:ext>
             </a:extLst>
           </p:cNvPr>
@@ -10892,7 +10897,7 @@
           <p:cNvPr id="3" name="Content Placeholder 2">
             <a:extLst>
               <a:ext uri="{FF2B5EF4-FFF2-40B4-BE49-F238E27FC236}">
-                <a16:creationId xmlns:a16="http://schemas.microsoft.com/office/drawing/2014/main" xmlns="" id="{442BB265-B270-4DEE-BD0B-73B5F4EDB70E}"/>
+                <a16:creationId xmlns="" xmlns:a16="http://schemas.microsoft.com/office/drawing/2014/main" id="{442BB265-B270-4DEE-BD0B-73B5F4EDB70E}"/>
               </a:ext>
             </a:extLst>
           </p:cNvPr>
@@ -10997,7 +11002,7 @@
           <p:cNvPr id="6" name="TextBox 5">
             <a:extLst>
               <a:ext uri="{FF2B5EF4-FFF2-40B4-BE49-F238E27FC236}">
-                <a16:creationId xmlns:a16="http://schemas.microsoft.com/office/drawing/2014/main" xmlns="" id="{2F8068FF-0A27-4BAE-94EA-06BD9B4EA040}"/>
+                <a16:creationId xmlns="" xmlns:a16="http://schemas.microsoft.com/office/drawing/2014/main" id="{2F8068FF-0A27-4BAE-94EA-06BD9B4EA040}"/>
               </a:ext>
             </a:extLst>
           </p:cNvPr>
@@ -11033,7 +11038,7 @@
           <p:cNvPr id="7" name="Table 9">
             <a:extLst>
               <a:ext uri="{FF2B5EF4-FFF2-40B4-BE49-F238E27FC236}">
-                <a16:creationId xmlns:a16="http://schemas.microsoft.com/office/drawing/2014/main" xmlns="" id="{BC547B9E-BCF4-457C-B7A5-9BFD94C46369}"/>
+                <a16:creationId xmlns="" xmlns:a16="http://schemas.microsoft.com/office/drawing/2014/main" id="{BC547B9E-BCF4-457C-B7A5-9BFD94C46369}"/>
               </a:ext>
             </a:extLst>
           </p:cNvPr>
@@ -11056,21 +11061,21 @@
                 <a:gridCol w="1140431">
                   <a:extLst>
                     <a:ext uri="{9D8B030D-6E8A-4147-A177-3AD203B41FA5}">
-                      <a16:colId xmlns:a16="http://schemas.microsoft.com/office/drawing/2014/main" xmlns="" val="2247279278"/>
+                      <a16:colId xmlns="" xmlns:a16="http://schemas.microsoft.com/office/drawing/2014/main" val="2247279278"/>
                     </a:ext>
                   </a:extLst>
                 </a:gridCol>
                 <a:gridCol w="1140431">
                   <a:extLst>
                     <a:ext uri="{9D8B030D-6E8A-4147-A177-3AD203B41FA5}">
-                      <a16:colId xmlns:a16="http://schemas.microsoft.com/office/drawing/2014/main" xmlns="" val="691657574"/>
+                      <a16:colId xmlns="" xmlns:a16="http://schemas.microsoft.com/office/drawing/2014/main" val="691657574"/>
                     </a:ext>
                   </a:extLst>
                 </a:gridCol>
                 <a:gridCol w="1140431">
                   <a:extLst>
                     <a:ext uri="{9D8B030D-6E8A-4147-A177-3AD203B41FA5}">
-                      <a16:colId xmlns:a16="http://schemas.microsoft.com/office/drawing/2014/main" xmlns="" val="2517726121"/>
+                      <a16:colId xmlns="" xmlns:a16="http://schemas.microsoft.com/office/drawing/2014/main" val="2517726121"/>
                     </a:ext>
                   </a:extLst>
                 </a:gridCol>
@@ -11117,7 +11122,7 @@
                 </a:tc>
                 <a:extLst>
                   <a:ext uri="{0D108BD9-81ED-4DB2-BD59-A6C34878D82A}">
-                    <a16:rowId xmlns:a16="http://schemas.microsoft.com/office/drawing/2014/main" xmlns="" val="370146383"/>
+                    <a16:rowId xmlns="" xmlns:a16="http://schemas.microsoft.com/office/drawing/2014/main" val="370146383"/>
                   </a:ext>
                 </a:extLst>
               </a:tr>
@@ -11571,7 +11576,7 @@
           <p:cNvPr id="2" name="Title 1">
             <a:extLst>
               <a:ext uri="{FF2B5EF4-FFF2-40B4-BE49-F238E27FC236}">
-                <a16:creationId xmlns:a16="http://schemas.microsoft.com/office/drawing/2014/main" xmlns="" id="{4BC1B529-4541-4886-9922-47CF81B6B6DF}"/>
+                <a16:creationId xmlns="" xmlns:a16="http://schemas.microsoft.com/office/drawing/2014/main" id="{4BC1B529-4541-4886-9922-47CF81B6B6DF}"/>
               </a:ext>
             </a:extLst>
           </p:cNvPr>
@@ -11599,7 +11604,7 @@
           <p:cNvPr id="3" name="Content Placeholder 2">
             <a:extLst>
               <a:ext uri="{FF2B5EF4-FFF2-40B4-BE49-F238E27FC236}">
-                <a16:creationId xmlns:a16="http://schemas.microsoft.com/office/drawing/2014/main" xmlns="" id="{DF6D44C2-1AE9-420D-8908-77CCB9F2B040}"/>
+                <a16:creationId xmlns="" xmlns:a16="http://schemas.microsoft.com/office/drawing/2014/main" id="{DF6D44C2-1AE9-420D-8908-77CCB9F2B040}"/>
               </a:ext>
             </a:extLst>
           </p:cNvPr>
@@ -11671,7 +11676,7 @@
           <p:cNvPr id="2" name="Title 1">
             <a:extLst>
               <a:ext uri="{FF2B5EF4-FFF2-40B4-BE49-F238E27FC236}">
-                <a16:creationId xmlns:a16="http://schemas.microsoft.com/office/drawing/2014/main" xmlns="" id="{B69C4D51-F64C-467D-90C2-D7A72CFB30C4}"/>
+                <a16:creationId xmlns="" xmlns:a16="http://schemas.microsoft.com/office/drawing/2014/main" id="{B69C4D51-F64C-467D-90C2-D7A72CFB30C4}"/>
               </a:ext>
             </a:extLst>
           </p:cNvPr>
@@ -11699,7 +11704,7 @@
           <p:cNvPr id="3" name="Content Placeholder 2">
             <a:extLst>
               <a:ext uri="{FF2B5EF4-FFF2-40B4-BE49-F238E27FC236}">
-                <a16:creationId xmlns:a16="http://schemas.microsoft.com/office/drawing/2014/main" xmlns="" id="{8D3B497E-6E89-40AD-B4C2-E7FE5307C4BD}"/>
+                <a16:creationId xmlns="" xmlns:a16="http://schemas.microsoft.com/office/drawing/2014/main" id="{8D3B497E-6E89-40AD-B4C2-E7FE5307C4BD}"/>
               </a:ext>
             </a:extLst>
           </p:cNvPr>
@@ -12015,7 +12020,7 @@
           <p:cNvPr id="2" name="Title 1">
             <a:extLst>
               <a:ext uri="{FF2B5EF4-FFF2-40B4-BE49-F238E27FC236}">
-                <a16:creationId xmlns:a16="http://schemas.microsoft.com/office/drawing/2014/main" xmlns="" id="{28F94AFC-03C9-4930-BC67-2251DC46772A}"/>
+                <a16:creationId xmlns="" xmlns:a16="http://schemas.microsoft.com/office/drawing/2014/main" id="{28F94AFC-03C9-4930-BC67-2251DC46772A}"/>
               </a:ext>
             </a:extLst>
           </p:cNvPr>
@@ -12043,7 +12048,7 @@
           <p:cNvPr id="3" name="Content Placeholder 2">
             <a:extLst>
               <a:ext uri="{FF2B5EF4-FFF2-40B4-BE49-F238E27FC236}">
-                <a16:creationId xmlns:a16="http://schemas.microsoft.com/office/drawing/2014/main" xmlns="" id="{8BBFAEC5-26B0-432D-BC81-53372ABB98D6}"/>
+                <a16:creationId xmlns="" xmlns:a16="http://schemas.microsoft.com/office/drawing/2014/main" id="{8BBFAEC5-26B0-432D-BC81-53372ABB98D6}"/>
               </a:ext>
             </a:extLst>
           </p:cNvPr>
@@ -12451,7 +12456,7 @@
           <p:cNvPr id="2" name="Title 1">
             <a:extLst>
               <a:ext uri="{FF2B5EF4-FFF2-40B4-BE49-F238E27FC236}">
-                <a16:creationId xmlns:a16="http://schemas.microsoft.com/office/drawing/2014/main" xmlns="" id="{7FE78593-5CA1-4020-863E-26E11A23A17E}"/>
+                <a16:creationId xmlns="" xmlns:a16="http://schemas.microsoft.com/office/drawing/2014/main" id="{7FE78593-5CA1-4020-863E-26E11A23A17E}"/>
               </a:ext>
             </a:extLst>
           </p:cNvPr>
@@ -12482,7 +12487,7 @@
           <p:cNvPr id="3" name="Content Placeholder 2">
             <a:extLst>
               <a:ext uri="{FF2B5EF4-FFF2-40B4-BE49-F238E27FC236}">
-                <a16:creationId xmlns:a16="http://schemas.microsoft.com/office/drawing/2014/main" xmlns="" id="{A9C25BD5-DCFC-422B-84F0-A697AE79A61F}"/>
+                <a16:creationId xmlns="" xmlns:a16="http://schemas.microsoft.com/office/drawing/2014/main" id="{A9C25BD5-DCFC-422B-84F0-A697AE79A61F}"/>
               </a:ext>
             </a:extLst>
           </p:cNvPr>
@@ -12757,7 +12762,7 @@
           <p:cNvPr id="2" name="Title 1">
             <a:extLst>
               <a:ext uri="{FF2B5EF4-FFF2-40B4-BE49-F238E27FC236}">
-                <a16:creationId xmlns:a16="http://schemas.microsoft.com/office/drawing/2014/main" xmlns="" id="{8014C0DE-DEDE-4242-A312-1CD20E30D27D}"/>
+                <a16:creationId xmlns="" xmlns:a16="http://schemas.microsoft.com/office/drawing/2014/main" id="{8014C0DE-DEDE-4242-A312-1CD20E30D27D}"/>
               </a:ext>
             </a:extLst>
           </p:cNvPr>
@@ -12788,7 +12793,7 @@
           <p:cNvPr id="3" name="Content Placeholder 2">
             <a:extLst>
               <a:ext uri="{FF2B5EF4-FFF2-40B4-BE49-F238E27FC236}">
-                <a16:creationId xmlns:a16="http://schemas.microsoft.com/office/drawing/2014/main" xmlns="" id="{2E4AE33E-0FD2-4B21-A7D8-2A980D53CDD5}"/>
+                <a16:creationId xmlns="" xmlns:a16="http://schemas.microsoft.com/office/drawing/2014/main" id="{2E4AE33E-0FD2-4B21-A7D8-2A980D53CDD5}"/>
               </a:ext>
             </a:extLst>
           </p:cNvPr>
@@ -13008,7 +13013,7 @@
           <p:cNvPr id="2" name="Title 1">
             <a:extLst>
               <a:ext uri="{FF2B5EF4-FFF2-40B4-BE49-F238E27FC236}">
-                <a16:creationId xmlns:a16="http://schemas.microsoft.com/office/drawing/2014/main" xmlns="" id="{7FE78593-5CA1-4020-863E-26E11A23A17E}"/>
+                <a16:creationId xmlns="" xmlns:a16="http://schemas.microsoft.com/office/drawing/2014/main" id="{7FE78593-5CA1-4020-863E-26E11A23A17E}"/>
               </a:ext>
             </a:extLst>
           </p:cNvPr>
@@ -13039,7 +13044,7 @@
           <p:cNvPr id="3" name="Content Placeholder 2">
             <a:extLst>
               <a:ext uri="{FF2B5EF4-FFF2-40B4-BE49-F238E27FC236}">
-                <a16:creationId xmlns:a16="http://schemas.microsoft.com/office/drawing/2014/main" xmlns="" id="{A9C25BD5-DCFC-422B-84F0-A697AE79A61F}"/>
+                <a16:creationId xmlns="" xmlns:a16="http://schemas.microsoft.com/office/drawing/2014/main" id="{A9C25BD5-DCFC-422B-84F0-A697AE79A61F}"/>
               </a:ext>
             </a:extLst>
           </p:cNvPr>
@@ -13174,7 +13179,7 @@
           <p:cNvPr id="2" name="Title 1">
             <a:extLst>
               <a:ext uri="{FF2B5EF4-FFF2-40B4-BE49-F238E27FC236}">
-                <a16:creationId xmlns:a16="http://schemas.microsoft.com/office/drawing/2014/main" xmlns="" id="{7FE78593-5CA1-4020-863E-26E11A23A17E}"/>
+                <a16:creationId xmlns="" xmlns:a16="http://schemas.microsoft.com/office/drawing/2014/main" id="{7FE78593-5CA1-4020-863E-26E11A23A17E}"/>
               </a:ext>
             </a:extLst>
           </p:cNvPr>
@@ -13205,7 +13210,7 @@
           <p:cNvPr id="3" name="Content Placeholder 2">
             <a:extLst>
               <a:ext uri="{FF2B5EF4-FFF2-40B4-BE49-F238E27FC236}">
-                <a16:creationId xmlns:a16="http://schemas.microsoft.com/office/drawing/2014/main" xmlns="" id="{A9C25BD5-DCFC-422B-84F0-A697AE79A61F}"/>
+                <a16:creationId xmlns="" xmlns:a16="http://schemas.microsoft.com/office/drawing/2014/main" id="{A9C25BD5-DCFC-422B-84F0-A697AE79A61F}"/>
               </a:ext>
             </a:extLst>
           </p:cNvPr>
